--- a/Doxygen/physics/1. Pool End Game/newfigs.pptx
+++ b/Doxygen/physics/1. Pool End Game/newfigs.pptx
@@ -5,10 +5,9 @@
     <p:sldMasterId id="2147483660" r:id="rId1"/>
   </p:sldMasterIdLst>
   <p:sldIdLst>
-    <p:sldId id="256" r:id="rId2"/>
-    <p:sldId id="258" r:id="rId3"/>
-    <p:sldId id="257" r:id="rId4"/>
-    <p:sldId id="310" r:id="rId5"/>
+    <p:sldId id="257" r:id="rId2"/>
+    <p:sldId id="311" r:id="rId3"/>
+    <p:sldId id="312" r:id="rId4"/>
   </p:sldIdLst>
   <p:sldSz cx="9144000" cy="6858000" type="screen4x3"/>
   <p:notesSz cx="6858000" cy="9144000"/>
@@ -246,7 +245,7 @@
           <a:p>
             <a:fld id="{FB8B2293-C92A-45D8-B67B-C67BEF3F85AE}" type="datetimeFigureOut">
               <a:rPr lang="en-US" smtClean="0"/>
-              <a:t>12/6/2023</a:t>
+              <a:t>12/11/2023</a:t>
             </a:fld>
             <a:endParaRPr lang="en-US"/>
           </a:p>
@@ -416,7 +415,7 @@
           <a:p>
             <a:fld id="{FB8B2293-C92A-45D8-B67B-C67BEF3F85AE}" type="datetimeFigureOut">
               <a:rPr lang="en-US" smtClean="0"/>
-              <a:t>12/6/2023</a:t>
+              <a:t>12/11/2023</a:t>
             </a:fld>
             <a:endParaRPr lang="en-US"/>
           </a:p>
@@ -596,7 +595,7 @@
           <a:p>
             <a:fld id="{FB8B2293-C92A-45D8-B67B-C67BEF3F85AE}" type="datetimeFigureOut">
               <a:rPr lang="en-US" smtClean="0"/>
-              <a:t>12/6/2023</a:t>
+              <a:t>12/11/2023</a:t>
             </a:fld>
             <a:endParaRPr lang="en-US"/>
           </a:p>
@@ -766,7 +765,7 @@
           <a:p>
             <a:fld id="{FB8B2293-C92A-45D8-B67B-C67BEF3F85AE}" type="datetimeFigureOut">
               <a:rPr lang="en-US" smtClean="0"/>
-              <a:t>12/6/2023</a:t>
+              <a:t>12/11/2023</a:t>
             </a:fld>
             <a:endParaRPr lang="en-US"/>
           </a:p>
@@ -1010,7 +1009,7 @@
           <a:p>
             <a:fld id="{FB8B2293-C92A-45D8-B67B-C67BEF3F85AE}" type="datetimeFigureOut">
               <a:rPr lang="en-US" smtClean="0"/>
-              <a:t>12/6/2023</a:t>
+              <a:t>12/11/2023</a:t>
             </a:fld>
             <a:endParaRPr lang="en-US"/>
           </a:p>
@@ -1242,7 +1241,7 @@
           <a:p>
             <a:fld id="{FB8B2293-C92A-45D8-B67B-C67BEF3F85AE}" type="datetimeFigureOut">
               <a:rPr lang="en-US" smtClean="0"/>
-              <a:t>12/6/2023</a:t>
+              <a:t>12/11/2023</a:t>
             </a:fld>
             <a:endParaRPr lang="en-US"/>
           </a:p>
@@ -1609,7 +1608,7 @@
           <a:p>
             <a:fld id="{FB8B2293-C92A-45D8-B67B-C67BEF3F85AE}" type="datetimeFigureOut">
               <a:rPr lang="en-US" smtClean="0"/>
-              <a:t>12/6/2023</a:t>
+              <a:t>12/11/2023</a:t>
             </a:fld>
             <a:endParaRPr lang="en-US"/>
           </a:p>
@@ -1727,7 +1726,7 @@
           <a:p>
             <a:fld id="{FB8B2293-C92A-45D8-B67B-C67BEF3F85AE}" type="datetimeFigureOut">
               <a:rPr lang="en-US" smtClean="0"/>
-              <a:t>12/6/2023</a:t>
+              <a:t>12/11/2023</a:t>
             </a:fld>
             <a:endParaRPr lang="en-US"/>
           </a:p>
@@ -1822,7 +1821,7 @@
           <a:p>
             <a:fld id="{FB8B2293-C92A-45D8-B67B-C67BEF3F85AE}" type="datetimeFigureOut">
               <a:rPr lang="en-US" smtClean="0"/>
-              <a:t>12/6/2023</a:t>
+              <a:t>12/11/2023</a:t>
             </a:fld>
             <a:endParaRPr lang="en-US"/>
           </a:p>
@@ -2099,7 +2098,7 @@
           <a:p>
             <a:fld id="{FB8B2293-C92A-45D8-B67B-C67BEF3F85AE}" type="datetimeFigureOut">
               <a:rPr lang="en-US" smtClean="0"/>
-              <a:t>12/6/2023</a:t>
+              <a:t>12/11/2023</a:t>
             </a:fld>
             <a:endParaRPr lang="en-US"/>
           </a:p>
@@ -2356,7 +2355,7 @@
           <a:p>
             <a:fld id="{FB8B2293-C92A-45D8-B67B-C67BEF3F85AE}" type="datetimeFigureOut">
               <a:rPr lang="en-US" smtClean="0"/>
-              <a:t>12/6/2023</a:t>
+              <a:t>12/11/2023</a:t>
             </a:fld>
             <a:endParaRPr lang="en-US"/>
           </a:p>
@@ -2569,7 +2568,7 @@
           <a:p>
             <a:fld id="{FB8B2293-C92A-45D8-B67B-C67BEF3F85AE}" type="datetimeFigureOut">
               <a:rPr lang="en-US" smtClean="0"/>
-              <a:t>12/6/2023</a:t>
+              <a:t>12/11/2023</a:t>
             </a:fld>
             <a:endParaRPr lang="en-US"/>
           </a:p>
@@ -2958,1827 +2957,6 @@
 </file>
 
 <file path=ppt/slides/slide1.xml><?xml version="1.0" encoding="utf-8"?>
-<p:sld xmlns:a="http://schemas.openxmlformats.org/drawingml/2006/main" xmlns:r="http://schemas.openxmlformats.org/officeDocument/2006/relationships" xmlns:p="http://schemas.openxmlformats.org/presentationml/2006/main">
-  <p:cSld>
-    <p:spTree>
-      <p:nvGrpSpPr>
-        <p:cNvPr id="1" name=""/>
-        <p:cNvGrpSpPr/>
-        <p:nvPr/>
-      </p:nvGrpSpPr>
-      <p:grpSpPr>
-        <a:xfrm>
-          <a:off x="0" y="0"/>
-          <a:ext cx="0" cy="0"/>
-          <a:chOff x="0" y="0"/>
-          <a:chExt cx="0" cy="0"/>
-        </a:xfrm>
-      </p:grpSpPr>
-      <p:sp>
-        <p:nvSpPr>
-          <p:cNvPr id="3" name="Oval 2">
-            <a:extLst>
-              <a:ext uri="{FF2B5EF4-FFF2-40B4-BE49-F238E27FC236}">
-                <a16:creationId xmlns:a16="http://schemas.microsoft.com/office/drawing/2014/main" id="{ED07D823-D54A-44FE-99C8-88A846A23E36}"/>
-              </a:ext>
-            </a:extLst>
-          </p:cNvPr>
-          <p:cNvSpPr/>
-          <p:nvPr/>
-        </p:nvSpPr>
-        <p:spPr>
-          <a:xfrm>
-            <a:off x="2661847" y="2526826"/>
-            <a:ext cx="1667336" cy="1689479"/>
-          </a:xfrm>
-          <a:prstGeom prst="ellipse">
-            <a:avLst/>
-          </a:prstGeom>
-          <a:solidFill>
-            <a:srgbClr val="B7833D">
-              <a:alpha val="28235"/>
-            </a:srgbClr>
-          </a:solidFill>
-          <a:ln w="19050">
-            <a:solidFill>
-              <a:schemeClr val="tx1"/>
-            </a:solidFill>
-          </a:ln>
-        </p:spPr>
-        <p:style>
-          <a:lnRef idx="2">
-            <a:schemeClr val="accent1">
-              <a:shade val="50000"/>
-            </a:schemeClr>
-          </a:lnRef>
-          <a:fillRef idx="1">
-            <a:schemeClr val="accent1"/>
-          </a:fillRef>
-          <a:effectRef idx="0">
-            <a:schemeClr val="accent1"/>
-          </a:effectRef>
-          <a:fontRef idx="minor">
-            <a:schemeClr val="lt1"/>
-          </a:fontRef>
-        </p:style>
-        <p:txBody>
-          <a:bodyPr rtlCol="0" anchor="ctr"/>
-          <a:lstStyle/>
-          <a:p>
-            <a:pPr algn="ctr"/>
-            <a:endParaRPr lang="en-US">
-              <a:solidFill>
-                <a:prstClr val="white"/>
-              </a:solidFill>
-            </a:endParaRPr>
-          </a:p>
-        </p:txBody>
-      </p:sp>
-      <p:sp>
-        <p:nvSpPr>
-          <p:cNvPr id="4" name="Oval 3">
-            <a:extLst>
-              <a:ext uri="{FF2B5EF4-FFF2-40B4-BE49-F238E27FC236}">
-                <a16:creationId xmlns:a16="http://schemas.microsoft.com/office/drawing/2014/main" id="{4D2742B7-8633-44C1-8C6A-0B4F315FAB59}"/>
-              </a:ext>
-            </a:extLst>
-          </p:cNvPr>
-          <p:cNvSpPr/>
-          <p:nvPr/>
-        </p:nvSpPr>
-        <p:spPr>
-          <a:xfrm>
-            <a:off x="3508238" y="1310776"/>
-            <a:ext cx="1667336" cy="1689479"/>
-          </a:xfrm>
-          <a:prstGeom prst="ellipse">
-            <a:avLst/>
-          </a:prstGeom>
-          <a:solidFill>
-            <a:srgbClr val="FFFFCC"/>
-          </a:solidFill>
-          <a:ln w="19050">
-            <a:solidFill>
-              <a:schemeClr val="tx1"/>
-            </a:solidFill>
-          </a:ln>
-          <a:effectLst>
-            <a:outerShdw blurRad="50800" dist="38100" dir="2700000" algn="tl" rotWithShape="0">
-              <a:prstClr val="black">
-                <a:alpha val="40000"/>
-              </a:prstClr>
-            </a:outerShdw>
-          </a:effectLst>
-        </p:spPr>
-        <p:style>
-          <a:lnRef idx="2">
-            <a:schemeClr val="accent1">
-              <a:shade val="50000"/>
-            </a:schemeClr>
-          </a:lnRef>
-          <a:fillRef idx="1">
-            <a:schemeClr val="accent1"/>
-          </a:fillRef>
-          <a:effectRef idx="0">
-            <a:schemeClr val="accent1"/>
-          </a:effectRef>
-          <a:fontRef idx="minor">
-            <a:schemeClr val="lt1"/>
-          </a:fontRef>
-        </p:style>
-        <p:txBody>
-          <a:bodyPr rtlCol="0" anchor="ctr"/>
-          <a:lstStyle/>
-          <a:p>
-            <a:pPr algn="ctr"/>
-            <a:endParaRPr lang="en-US">
-              <a:solidFill>
-                <a:prstClr val="white"/>
-              </a:solidFill>
-            </a:endParaRPr>
-          </a:p>
-        </p:txBody>
-      </p:sp>
-      <mc:AlternateContent xmlns:mc="http://schemas.openxmlformats.org/markup-compatibility/2006" xmlns:a14="http://schemas.microsoft.com/office/drawing/2010/main">
-        <mc:Choice Requires="a14">
-          <p:sp>
-            <p:nvSpPr>
-              <p:cNvPr id="6" name="TextBox 5">
-                <a:extLst>
-                  <a:ext uri="{FF2B5EF4-FFF2-40B4-BE49-F238E27FC236}">
-                    <a16:creationId xmlns:a16="http://schemas.microsoft.com/office/drawing/2014/main" id="{1308EB38-B959-43BB-B1FF-710E4D422947}"/>
-                  </a:ext>
-                </a:extLst>
-              </p:cNvPr>
-              <p:cNvSpPr txBox="1"/>
-              <p:nvPr/>
-            </p:nvSpPr>
-            <p:spPr>
-              <a:xfrm>
-                <a:off x="4185269" y="1684935"/>
-                <a:ext cx="369332" cy="369332"/>
-              </a:xfrm>
-              <a:prstGeom prst="rect">
-                <a:avLst/>
-              </a:prstGeom>
-              <a:noFill/>
-            </p:spPr>
-            <p:txBody>
-              <a:bodyPr wrap="none" rtlCol="0">
-                <a:spAutoFit/>
-              </a:bodyPr>
-              <a:lstStyle/>
-              <a:p>
-                <a:pPr/>
-                <a14:m>
-                  <m:oMathPara xmlns:m="http://schemas.openxmlformats.org/officeDocument/2006/math">
-                    <m:oMathParaPr>
-                      <m:jc m:val="centerGroup"/>
-                    </m:oMathParaPr>
-                    <m:oMath xmlns:m="http://schemas.openxmlformats.org/officeDocument/2006/math">
-                      <m:acc>
-                        <m:accPr>
-                          <m:chr m:val="⃗"/>
-                          <m:ctrlPr>
-                            <a:rPr lang="en-US" i="1" smtClean="0">
-                              <a:solidFill>
-                                <a:prstClr val="black"/>
-                              </a:solidFill>
-                              <a:latin typeface="Cambria Math" panose="02040503050406030204" pitchFamily="18" charset="0"/>
-                            </a:rPr>
-                          </m:ctrlPr>
-                        </m:accPr>
-                        <m:e>
-                          <m:r>
-                            <a:rPr lang="en-US" i="1" smtClean="0">
-                              <a:solidFill>
-                                <a:prstClr val="black"/>
-                              </a:solidFill>
-                              <a:latin typeface="Cambria Math"/>
-                            </a:rPr>
-                            <m:t>𝑣</m:t>
-                          </m:r>
-                        </m:e>
-                      </m:acc>
-                    </m:oMath>
-                  </m:oMathPara>
-                </a14:m>
-                <a:endParaRPr lang="en-US" dirty="0">
-                  <a:solidFill>
-                    <a:prstClr val="black"/>
-                  </a:solidFill>
-                </a:endParaRPr>
-              </a:p>
-            </p:txBody>
-          </p:sp>
-        </mc:Choice>
-        <mc:Fallback xmlns="">
-          <p:sp>
-            <p:nvSpPr>
-              <p:cNvPr id="6" name="TextBox 5">
-                <a:extLst>
-                  <a:ext uri="{FF2B5EF4-FFF2-40B4-BE49-F238E27FC236}">
-                    <a16:creationId xmlns:a16="http://schemas.microsoft.com/office/drawing/2014/main" id="{1308EB38-B959-43BB-B1FF-710E4D422947}"/>
-                  </a:ext>
-                </a:extLst>
-              </p:cNvPr>
-              <p:cNvSpPr txBox="1">
-                <a:spLocks noRot="1" noChangeAspect="1" noMove="1" noResize="1" noEditPoints="1" noAdjustHandles="1" noChangeArrowheads="1" noChangeShapeType="1" noTextEdit="1"/>
-              </p:cNvSpPr>
-              <p:nvPr/>
-            </p:nvSpPr>
-            <p:spPr>
-              <a:xfrm>
-                <a:off x="4185269" y="1684935"/>
-                <a:ext cx="369332" cy="369332"/>
-              </a:xfrm>
-              <a:prstGeom prst="rect">
-                <a:avLst/>
-              </a:prstGeom>
-              <a:blipFill>
-                <a:blip r:embed="rId2"/>
-                <a:stretch>
-                  <a:fillRect t="-22951" r="-28333"/>
-                </a:stretch>
-              </a:blipFill>
-            </p:spPr>
-            <p:txBody>
-              <a:bodyPr/>
-              <a:lstStyle/>
-              <a:p>
-                <a:r>
-                  <a:rPr lang="en-US">
-                    <a:noFill/>
-                  </a:rPr>
-                  <a:t> </a:t>
-                </a:r>
-              </a:p>
-            </p:txBody>
-          </p:sp>
-        </mc:Fallback>
-      </mc:AlternateContent>
-      <mc:AlternateContent xmlns:mc="http://schemas.openxmlformats.org/markup-compatibility/2006" xmlns:a14="http://schemas.microsoft.com/office/drawing/2010/main">
-        <mc:Choice Requires="a14">
-          <p:sp>
-            <p:nvSpPr>
-              <p:cNvPr id="7" name="TextBox 6">
-                <a:extLst>
-                  <a:ext uri="{FF2B5EF4-FFF2-40B4-BE49-F238E27FC236}">
-                    <a16:creationId xmlns:a16="http://schemas.microsoft.com/office/drawing/2014/main" id="{B1B08E1A-C95A-498C-A9E9-056907567DCF}"/>
-                  </a:ext>
-                </a:extLst>
-              </p:cNvPr>
-              <p:cNvSpPr txBox="1"/>
-              <p:nvPr/>
-            </p:nvSpPr>
-            <p:spPr>
-              <a:xfrm>
-                <a:off x="2533929" y="2409290"/>
-                <a:ext cx="481735" cy="369332"/>
-              </a:xfrm>
-              <a:prstGeom prst="rect">
-                <a:avLst/>
-              </a:prstGeom>
-              <a:noFill/>
-            </p:spPr>
-            <p:txBody>
-              <a:bodyPr wrap="none" rtlCol="0">
-                <a:spAutoFit/>
-              </a:bodyPr>
-              <a:lstStyle/>
-              <a:p>
-                <a:pPr/>
-                <a14:m>
-                  <m:oMathPara xmlns:m="http://schemas.openxmlformats.org/officeDocument/2006/math">
-                    <m:oMathParaPr>
-                      <m:jc m:val="centerGroup"/>
-                    </m:oMathParaPr>
-                    <m:oMath xmlns:m="http://schemas.openxmlformats.org/officeDocument/2006/math">
-                      <m:sSub>
-                        <m:sSubPr>
-                          <m:ctrlPr>
-                            <a:rPr lang="en-US" i="1" smtClean="0">
-                              <a:solidFill>
-                                <a:prstClr val="black"/>
-                              </a:solidFill>
-                              <a:latin typeface="Cambria Math" panose="02040503050406030204" pitchFamily="18" charset="0"/>
-                              <a:ea typeface="Cambria Math"/>
-                            </a:rPr>
-                          </m:ctrlPr>
-                        </m:sSubPr>
-                        <m:e>
-                          <m:r>
-                            <a:rPr lang="en-US" i="1" smtClean="0">
-                              <a:solidFill>
-                                <a:prstClr val="black"/>
-                              </a:solidFill>
-                              <a:latin typeface="Cambria Math"/>
-                              <a:ea typeface="Cambria Math"/>
-                            </a:rPr>
-                            <m:t>𝐵</m:t>
-                          </m:r>
-                        </m:e>
-                        <m:sub>
-                          <m:r>
-                            <a:rPr lang="en-US" i="1" smtClean="0">
-                              <a:solidFill>
-                                <a:prstClr val="black"/>
-                              </a:solidFill>
-                              <a:latin typeface="Cambria Math"/>
-                              <a:ea typeface="Cambria Math"/>
-                            </a:rPr>
-                            <m:t>1</m:t>
-                          </m:r>
-                        </m:sub>
-                      </m:sSub>
-                    </m:oMath>
-                  </m:oMathPara>
-                </a14:m>
-                <a:endParaRPr lang="en-US" dirty="0">
-                  <a:solidFill>
-                    <a:prstClr val="black"/>
-                  </a:solidFill>
-                </a:endParaRPr>
-              </a:p>
-            </p:txBody>
-          </p:sp>
-        </mc:Choice>
-        <mc:Fallback xmlns="">
-          <p:sp>
-            <p:nvSpPr>
-              <p:cNvPr id="7" name="TextBox 6">
-                <a:extLst>
-                  <a:ext uri="{FF2B5EF4-FFF2-40B4-BE49-F238E27FC236}">
-                    <a16:creationId xmlns:a16="http://schemas.microsoft.com/office/drawing/2014/main" id="{B1B08E1A-C95A-498C-A9E9-056907567DCF}"/>
-                  </a:ext>
-                </a:extLst>
-              </p:cNvPr>
-              <p:cNvSpPr txBox="1">
-                <a:spLocks noRot="1" noChangeAspect="1" noMove="1" noResize="1" noEditPoints="1" noAdjustHandles="1" noChangeArrowheads="1" noChangeShapeType="1" noTextEdit="1"/>
-              </p:cNvSpPr>
-              <p:nvPr/>
-            </p:nvSpPr>
-            <p:spPr>
-              <a:xfrm>
-                <a:off x="2533929" y="2409290"/>
-                <a:ext cx="481735" cy="369332"/>
-              </a:xfrm>
-              <a:prstGeom prst="rect">
-                <a:avLst/>
-              </a:prstGeom>
-              <a:blipFill>
-                <a:blip r:embed="rId3"/>
-                <a:stretch>
-                  <a:fillRect/>
-                </a:stretch>
-              </a:blipFill>
-            </p:spPr>
-            <p:txBody>
-              <a:bodyPr/>
-              <a:lstStyle/>
-              <a:p>
-                <a:r>
-                  <a:rPr lang="en-US">
-                    <a:noFill/>
-                  </a:rPr>
-                  <a:t> </a:t>
-                </a:r>
-              </a:p>
-            </p:txBody>
-          </p:sp>
-        </mc:Fallback>
-      </mc:AlternateContent>
-      <mc:AlternateContent xmlns:mc="http://schemas.openxmlformats.org/markup-compatibility/2006" xmlns:a14="http://schemas.microsoft.com/office/drawing/2010/main">
-        <mc:Choice Requires="a14">
-          <p:sp>
-            <p:nvSpPr>
-              <p:cNvPr id="8" name="TextBox 7">
-                <a:extLst>
-                  <a:ext uri="{FF2B5EF4-FFF2-40B4-BE49-F238E27FC236}">
-                    <a16:creationId xmlns:a16="http://schemas.microsoft.com/office/drawing/2014/main" id="{6E05E491-D31C-474C-9BFB-5585B5E6013F}"/>
-                  </a:ext>
-                </a:extLst>
-              </p:cNvPr>
-              <p:cNvSpPr txBox="1"/>
-              <p:nvPr/>
-            </p:nvSpPr>
-            <p:spPr>
-              <a:xfrm>
-                <a:off x="5166040" y="1955460"/>
-                <a:ext cx="487056" cy="369332"/>
-              </a:xfrm>
-              <a:prstGeom prst="rect">
-                <a:avLst/>
-              </a:prstGeom>
-              <a:noFill/>
-            </p:spPr>
-            <p:txBody>
-              <a:bodyPr wrap="none" rtlCol="0">
-                <a:spAutoFit/>
-              </a:bodyPr>
-              <a:lstStyle/>
-              <a:p>
-                <a:pPr/>
-                <a14:m>
-                  <m:oMathPara xmlns:m="http://schemas.openxmlformats.org/officeDocument/2006/math">
-                    <m:oMathParaPr>
-                      <m:jc m:val="centerGroup"/>
-                    </m:oMathParaPr>
-                    <m:oMath xmlns:m="http://schemas.openxmlformats.org/officeDocument/2006/math">
-                      <m:sSub>
-                        <m:sSubPr>
-                          <m:ctrlPr>
-                            <a:rPr lang="en-US" i="1" smtClean="0">
-                              <a:solidFill>
-                                <a:prstClr val="black"/>
-                              </a:solidFill>
-                              <a:latin typeface="Cambria Math" panose="02040503050406030204" pitchFamily="18" charset="0"/>
-                              <a:ea typeface="Cambria Math"/>
-                            </a:rPr>
-                          </m:ctrlPr>
-                        </m:sSubPr>
-                        <m:e>
-                          <m:r>
-                            <a:rPr lang="en-US" i="1" smtClean="0">
-                              <a:solidFill>
-                                <a:prstClr val="black"/>
-                              </a:solidFill>
-                              <a:latin typeface="Cambria Math"/>
-                              <a:ea typeface="Cambria Math"/>
-                            </a:rPr>
-                            <m:t>𝐵</m:t>
-                          </m:r>
-                        </m:e>
-                        <m:sub>
-                          <m:r>
-                            <a:rPr lang="en-US" i="1" smtClean="0">
-                              <a:solidFill>
-                                <a:prstClr val="black"/>
-                              </a:solidFill>
-                              <a:latin typeface="Cambria Math"/>
-                              <a:ea typeface="Cambria Math"/>
-                            </a:rPr>
-                            <m:t>2</m:t>
-                          </m:r>
-                        </m:sub>
-                      </m:sSub>
-                    </m:oMath>
-                  </m:oMathPara>
-                </a14:m>
-                <a:endParaRPr lang="en-US" dirty="0">
-                  <a:solidFill>
-                    <a:prstClr val="black"/>
-                  </a:solidFill>
-                </a:endParaRPr>
-              </a:p>
-            </p:txBody>
-          </p:sp>
-        </mc:Choice>
-        <mc:Fallback xmlns="">
-          <p:sp>
-            <p:nvSpPr>
-              <p:cNvPr id="8" name="TextBox 7">
-                <a:extLst>
-                  <a:ext uri="{FF2B5EF4-FFF2-40B4-BE49-F238E27FC236}">
-                    <a16:creationId xmlns:a16="http://schemas.microsoft.com/office/drawing/2014/main" id="{6E05E491-D31C-474C-9BFB-5585B5E6013F}"/>
-                  </a:ext>
-                </a:extLst>
-              </p:cNvPr>
-              <p:cNvSpPr txBox="1">
-                <a:spLocks noRot="1" noChangeAspect="1" noMove="1" noResize="1" noEditPoints="1" noAdjustHandles="1" noChangeArrowheads="1" noChangeShapeType="1" noTextEdit="1"/>
-              </p:cNvSpPr>
-              <p:nvPr/>
-            </p:nvSpPr>
-            <p:spPr>
-              <a:xfrm>
-                <a:off x="5166040" y="1955460"/>
-                <a:ext cx="487056" cy="369332"/>
-              </a:xfrm>
-              <a:prstGeom prst="rect">
-                <a:avLst/>
-              </a:prstGeom>
-              <a:blipFill>
-                <a:blip r:embed="rId4"/>
-                <a:stretch>
-                  <a:fillRect/>
-                </a:stretch>
-              </a:blipFill>
-            </p:spPr>
-            <p:txBody>
-              <a:bodyPr/>
-              <a:lstStyle/>
-              <a:p>
-                <a:r>
-                  <a:rPr lang="en-US">
-                    <a:noFill/>
-                  </a:rPr>
-                  <a:t> </a:t>
-                </a:r>
-              </a:p>
-            </p:txBody>
-          </p:sp>
-        </mc:Fallback>
-      </mc:AlternateContent>
-      <p:cxnSp>
-        <p:nvCxnSpPr>
-          <p:cNvPr id="11" name="Straight Arrow Connector 10">
-            <a:extLst>
-              <a:ext uri="{FF2B5EF4-FFF2-40B4-BE49-F238E27FC236}">
-                <a16:creationId xmlns:a16="http://schemas.microsoft.com/office/drawing/2014/main" id="{C5A73F0C-96F5-4C78-8478-58E407F2F61C}"/>
-              </a:ext>
-            </a:extLst>
-          </p:cNvPr>
-          <p:cNvCxnSpPr>
-            <a:cxnSpLocks/>
-          </p:cNvCxnSpPr>
-          <p:nvPr/>
-        </p:nvCxnSpPr>
-        <p:spPr>
-          <a:xfrm>
-            <a:off x="4341906" y="2177093"/>
-            <a:ext cx="824134" cy="2274862"/>
-          </a:xfrm>
-          <a:prstGeom prst="straightConnector1">
-            <a:avLst/>
-          </a:prstGeom>
-          <a:ln w="15875" cap="rnd">
-            <a:solidFill>
-              <a:schemeClr val="tx1"/>
-            </a:solidFill>
-            <a:prstDash val="dash"/>
-            <a:headEnd type="none"/>
-            <a:tailEnd type="none"/>
-          </a:ln>
-        </p:spPr>
-        <p:style>
-          <a:lnRef idx="1">
-            <a:schemeClr val="accent1"/>
-          </a:lnRef>
-          <a:fillRef idx="0">
-            <a:schemeClr val="accent1"/>
-          </a:fillRef>
-          <a:effectRef idx="0">
-            <a:schemeClr val="accent1"/>
-          </a:effectRef>
-          <a:fontRef idx="minor">
-            <a:schemeClr val="tx1"/>
-          </a:fontRef>
-        </p:style>
-      </p:cxnSp>
-      <p:cxnSp>
-        <p:nvCxnSpPr>
-          <p:cNvPr id="12" name="Straight Arrow Connector 11">
-            <a:extLst>
-              <a:ext uri="{FF2B5EF4-FFF2-40B4-BE49-F238E27FC236}">
-                <a16:creationId xmlns:a16="http://schemas.microsoft.com/office/drawing/2014/main" id="{9C829CDF-6DCD-4D4B-8244-A24A9C593597}"/>
-              </a:ext>
-            </a:extLst>
-          </p:cNvPr>
-          <p:cNvCxnSpPr/>
-          <p:nvPr/>
-        </p:nvCxnSpPr>
-        <p:spPr>
-          <a:xfrm>
-            <a:off x="4116545" y="1522223"/>
-            <a:ext cx="225360" cy="654870"/>
-          </a:xfrm>
-          <a:prstGeom prst="straightConnector1">
-            <a:avLst/>
-          </a:prstGeom>
-          <a:ln w="25400" cap="rnd">
-            <a:solidFill>
-              <a:schemeClr val="tx1"/>
-            </a:solidFill>
-            <a:headEnd type="arrow"/>
-            <a:tailEnd type="none"/>
-          </a:ln>
-          <a:effectLst>
-            <a:outerShdw blurRad="50800" dist="38100" dir="2700000" algn="tl" rotWithShape="0">
-              <a:prstClr val="black">
-                <a:alpha val="40000"/>
-              </a:prstClr>
-            </a:outerShdw>
-          </a:effectLst>
-        </p:spPr>
-        <p:style>
-          <a:lnRef idx="1">
-            <a:schemeClr val="accent1"/>
-          </a:lnRef>
-          <a:fillRef idx="0">
-            <a:schemeClr val="accent1"/>
-          </a:fillRef>
-          <a:effectRef idx="0">
-            <a:schemeClr val="accent1"/>
-          </a:effectRef>
-          <a:fontRef idx="minor">
-            <a:schemeClr val="tx1"/>
-          </a:fontRef>
-        </p:style>
-      </p:cxnSp>
-      <p:sp>
-        <p:nvSpPr>
-          <p:cNvPr id="26" name="Oval 25">
-            <a:extLst>
-              <a:ext uri="{FF2B5EF4-FFF2-40B4-BE49-F238E27FC236}">
-                <a16:creationId xmlns:a16="http://schemas.microsoft.com/office/drawing/2014/main" id="{BE932F57-3D04-4583-86A9-D339A80657B3}"/>
-              </a:ext>
-            </a:extLst>
-          </p:cNvPr>
-          <p:cNvSpPr/>
-          <p:nvPr/>
-        </p:nvSpPr>
-        <p:spPr>
-          <a:xfrm>
-            <a:off x="4286033" y="2101415"/>
-            <a:ext cx="104774" cy="110474"/>
-          </a:xfrm>
-          <a:prstGeom prst="ellipse">
-            <a:avLst/>
-          </a:prstGeom>
-          <a:solidFill>
-            <a:schemeClr val="tx1"/>
-          </a:solidFill>
-          <a:ln>
-            <a:noFill/>
-          </a:ln>
-        </p:spPr>
-        <p:style>
-          <a:lnRef idx="2">
-            <a:schemeClr val="accent1">
-              <a:shade val="50000"/>
-            </a:schemeClr>
-          </a:lnRef>
-          <a:fillRef idx="1">
-            <a:schemeClr val="accent1"/>
-          </a:fillRef>
-          <a:effectRef idx="0">
-            <a:schemeClr val="accent1"/>
-          </a:effectRef>
-          <a:fontRef idx="minor">
-            <a:schemeClr val="lt1"/>
-          </a:fontRef>
-        </p:style>
-        <p:txBody>
-          <a:bodyPr rtlCol="0" anchor="ctr"/>
-          <a:lstStyle/>
-          <a:p>
-            <a:pPr algn="ctr"/>
-            <a:endParaRPr lang="en-US"/>
-          </a:p>
-        </p:txBody>
-      </p:sp>
-    </p:spTree>
-    <p:extLst>
-      <p:ext uri="{BB962C8B-B14F-4D97-AF65-F5344CB8AC3E}">
-        <p14:creationId xmlns:p14="http://schemas.microsoft.com/office/powerpoint/2010/main" val="316654354"/>
-      </p:ext>
-    </p:extLst>
-  </p:cSld>
-  <p:clrMapOvr>
-    <a:masterClrMapping/>
-  </p:clrMapOvr>
-</p:sld>
-</file>
-
-<file path=ppt/slides/slide2.xml><?xml version="1.0" encoding="utf-8"?>
-<p:sld xmlns:a="http://schemas.openxmlformats.org/drawingml/2006/main" xmlns:r="http://schemas.openxmlformats.org/officeDocument/2006/relationships" xmlns:p="http://schemas.openxmlformats.org/presentationml/2006/main">
-  <p:cSld>
-    <p:spTree>
-      <p:nvGrpSpPr>
-        <p:cNvPr id="1" name=""/>
-        <p:cNvGrpSpPr/>
-        <p:nvPr/>
-      </p:nvGrpSpPr>
-      <p:grpSpPr>
-        <a:xfrm>
-          <a:off x="0" y="0"/>
-          <a:ext cx="0" cy="0"/>
-          <a:chOff x="0" y="0"/>
-          <a:chExt cx="0" cy="0"/>
-        </a:xfrm>
-      </p:grpSpPr>
-      <p:sp>
-        <p:nvSpPr>
-          <p:cNvPr id="3" name="Oval 2">
-            <a:extLst>
-              <a:ext uri="{FF2B5EF4-FFF2-40B4-BE49-F238E27FC236}">
-                <a16:creationId xmlns:a16="http://schemas.microsoft.com/office/drawing/2014/main" id="{DCA8E890-8280-4E58-B872-75F01ED22A78}"/>
-              </a:ext>
-            </a:extLst>
-          </p:cNvPr>
-          <p:cNvSpPr/>
-          <p:nvPr/>
-        </p:nvSpPr>
-        <p:spPr>
-          <a:xfrm>
-            <a:off x="2661847" y="2526826"/>
-            <a:ext cx="1667336" cy="1689479"/>
-          </a:xfrm>
-          <a:prstGeom prst="ellipse">
-            <a:avLst/>
-          </a:prstGeom>
-          <a:solidFill>
-            <a:srgbClr val="B7833D">
-              <a:alpha val="28235"/>
-            </a:srgbClr>
-          </a:solidFill>
-          <a:ln w="19050">
-            <a:solidFill>
-              <a:schemeClr val="tx1"/>
-            </a:solidFill>
-          </a:ln>
-        </p:spPr>
-        <p:style>
-          <a:lnRef idx="2">
-            <a:schemeClr val="accent1">
-              <a:shade val="50000"/>
-            </a:schemeClr>
-          </a:lnRef>
-          <a:fillRef idx="1">
-            <a:schemeClr val="accent1"/>
-          </a:fillRef>
-          <a:effectRef idx="0">
-            <a:schemeClr val="accent1"/>
-          </a:effectRef>
-          <a:fontRef idx="minor">
-            <a:schemeClr val="lt1"/>
-          </a:fontRef>
-        </p:style>
-        <p:txBody>
-          <a:bodyPr rtlCol="0" anchor="ctr"/>
-          <a:lstStyle/>
-          <a:p>
-            <a:pPr algn="ctr"/>
-            <a:endParaRPr lang="en-US">
-              <a:solidFill>
-                <a:prstClr val="white"/>
-              </a:solidFill>
-            </a:endParaRPr>
-          </a:p>
-        </p:txBody>
-      </p:sp>
-      <p:sp>
-        <p:nvSpPr>
-          <p:cNvPr id="4" name="Oval 3">
-            <a:extLst>
-              <a:ext uri="{FF2B5EF4-FFF2-40B4-BE49-F238E27FC236}">
-                <a16:creationId xmlns:a16="http://schemas.microsoft.com/office/drawing/2014/main" id="{052DBB75-F5DD-42C5-8E4A-518189C9BFA5}"/>
-              </a:ext>
-            </a:extLst>
-          </p:cNvPr>
-          <p:cNvSpPr/>
-          <p:nvPr/>
-        </p:nvSpPr>
-        <p:spPr>
-          <a:xfrm>
-            <a:off x="3508238" y="1310776"/>
-            <a:ext cx="1667336" cy="1689479"/>
-          </a:xfrm>
-          <a:prstGeom prst="ellipse">
-            <a:avLst/>
-          </a:prstGeom>
-          <a:solidFill>
-            <a:srgbClr val="FFFFCC"/>
-          </a:solidFill>
-          <a:ln w="19050">
-            <a:solidFill>
-              <a:schemeClr val="tx1"/>
-            </a:solidFill>
-          </a:ln>
-          <a:effectLst>
-            <a:outerShdw blurRad="50800" dist="38100" dir="2700000" algn="tl" rotWithShape="0">
-              <a:prstClr val="black">
-                <a:alpha val="40000"/>
-              </a:prstClr>
-            </a:outerShdw>
-          </a:effectLst>
-        </p:spPr>
-        <p:style>
-          <a:lnRef idx="2">
-            <a:schemeClr val="accent1">
-              <a:shade val="50000"/>
-            </a:schemeClr>
-          </a:lnRef>
-          <a:fillRef idx="1">
-            <a:schemeClr val="accent1"/>
-          </a:fillRef>
-          <a:effectRef idx="0">
-            <a:schemeClr val="accent1"/>
-          </a:effectRef>
-          <a:fontRef idx="minor">
-            <a:schemeClr val="lt1"/>
-          </a:fontRef>
-        </p:style>
-        <p:txBody>
-          <a:bodyPr rtlCol="0" anchor="ctr"/>
-          <a:lstStyle/>
-          <a:p>
-            <a:pPr algn="ctr"/>
-            <a:endParaRPr lang="en-US">
-              <a:solidFill>
-                <a:prstClr val="white"/>
-              </a:solidFill>
-            </a:endParaRPr>
-          </a:p>
-        </p:txBody>
-      </p:sp>
-      <p:sp>
-        <p:nvSpPr>
-          <p:cNvPr id="5" name="Oval 4">
-            <a:extLst>
-              <a:ext uri="{FF2B5EF4-FFF2-40B4-BE49-F238E27FC236}">
-                <a16:creationId xmlns:a16="http://schemas.microsoft.com/office/drawing/2014/main" id="{FAC27C85-28FD-477B-BBA5-67ED77A7BB5B}"/>
-              </a:ext>
-            </a:extLst>
-          </p:cNvPr>
-          <p:cNvSpPr/>
-          <p:nvPr/>
-        </p:nvSpPr>
-        <p:spPr>
-          <a:xfrm>
-            <a:off x="4194038" y="3245154"/>
-            <a:ext cx="1667336" cy="1689479"/>
-          </a:xfrm>
-          <a:prstGeom prst="ellipse">
-            <a:avLst/>
-          </a:prstGeom>
-          <a:noFill/>
-          <a:ln w="19050">
-            <a:solidFill>
-              <a:schemeClr val="tx1"/>
-            </a:solidFill>
-            <a:prstDash val="dash"/>
-          </a:ln>
-        </p:spPr>
-        <p:style>
-          <a:lnRef idx="2">
-            <a:schemeClr val="accent1">
-              <a:shade val="50000"/>
-            </a:schemeClr>
-          </a:lnRef>
-          <a:fillRef idx="1">
-            <a:schemeClr val="accent1"/>
-          </a:fillRef>
-          <a:effectRef idx="0">
-            <a:schemeClr val="accent1"/>
-          </a:effectRef>
-          <a:fontRef idx="minor">
-            <a:schemeClr val="lt1"/>
-          </a:fontRef>
-        </p:style>
-        <p:txBody>
-          <a:bodyPr rtlCol="0" anchor="ctr"/>
-          <a:lstStyle/>
-          <a:p>
-            <a:pPr algn="ctr"/>
-            <a:endParaRPr lang="en-US">
-              <a:solidFill>
-                <a:prstClr val="white"/>
-              </a:solidFill>
-            </a:endParaRPr>
-          </a:p>
-        </p:txBody>
-      </p:sp>
-      <mc:AlternateContent xmlns:mc="http://schemas.openxmlformats.org/markup-compatibility/2006" xmlns:a14="http://schemas.microsoft.com/office/drawing/2010/main">
-        <mc:Choice Requires="a14">
-          <p:sp>
-            <p:nvSpPr>
-              <p:cNvPr id="6" name="TextBox 5">
-                <a:extLst>
-                  <a:ext uri="{FF2B5EF4-FFF2-40B4-BE49-F238E27FC236}">
-                    <a16:creationId xmlns:a16="http://schemas.microsoft.com/office/drawing/2014/main" id="{9521C1A4-EAB3-41F6-A6DD-32739775BDDD}"/>
-                  </a:ext>
-                </a:extLst>
-              </p:cNvPr>
-              <p:cNvSpPr txBox="1"/>
-              <p:nvPr/>
-            </p:nvSpPr>
-            <p:spPr>
-              <a:xfrm>
-                <a:off x="4185269" y="1684935"/>
-                <a:ext cx="369332" cy="369332"/>
-              </a:xfrm>
-              <a:prstGeom prst="rect">
-                <a:avLst/>
-              </a:prstGeom>
-              <a:noFill/>
-            </p:spPr>
-            <p:txBody>
-              <a:bodyPr wrap="none" rtlCol="0">
-                <a:spAutoFit/>
-              </a:bodyPr>
-              <a:lstStyle/>
-              <a:p>
-                <a:pPr/>
-                <a14:m>
-                  <m:oMathPara xmlns:m="http://schemas.openxmlformats.org/officeDocument/2006/math">
-                    <m:oMathParaPr>
-                      <m:jc m:val="centerGroup"/>
-                    </m:oMathParaPr>
-                    <m:oMath xmlns:m="http://schemas.openxmlformats.org/officeDocument/2006/math">
-                      <m:acc>
-                        <m:accPr>
-                          <m:chr m:val="⃗"/>
-                          <m:ctrlPr>
-                            <a:rPr lang="en-US" i="1" smtClean="0">
-                              <a:solidFill>
-                                <a:prstClr val="black"/>
-                              </a:solidFill>
-                              <a:latin typeface="Cambria Math" panose="02040503050406030204" pitchFamily="18" charset="0"/>
-                            </a:rPr>
-                          </m:ctrlPr>
-                        </m:accPr>
-                        <m:e>
-                          <m:r>
-                            <a:rPr lang="en-US" i="1" smtClean="0">
-                              <a:solidFill>
-                                <a:prstClr val="black"/>
-                              </a:solidFill>
-                              <a:latin typeface="Cambria Math"/>
-                            </a:rPr>
-                            <m:t>𝑣</m:t>
-                          </m:r>
-                        </m:e>
-                      </m:acc>
-                    </m:oMath>
-                  </m:oMathPara>
-                </a14:m>
-                <a:endParaRPr lang="en-US" dirty="0">
-                  <a:solidFill>
-                    <a:prstClr val="black"/>
-                  </a:solidFill>
-                </a:endParaRPr>
-              </a:p>
-            </p:txBody>
-          </p:sp>
-        </mc:Choice>
-        <mc:Fallback xmlns="">
-          <p:sp>
-            <p:nvSpPr>
-              <p:cNvPr id="6" name="TextBox 5">
-                <a:extLst>
-                  <a:ext uri="{FF2B5EF4-FFF2-40B4-BE49-F238E27FC236}">
-                    <a16:creationId xmlns:a16="http://schemas.microsoft.com/office/drawing/2014/main" id="{9521C1A4-EAB3-41F6-A6DD-32739775BDDD}"/>
-                  </a:ext>
-                </a:extLst>
-              </p:cNvPr>
-              <p:cNvSpPr txBox="1">
-                <a:spLocks noRot="1" noChangeAspect="1" noMove="1" noResize="1" noEditPoints="1" noAdjustHandles="1" noChangeArrowheads="1" noChangeShapeType="1" noTextEdit="1"/>
-              </p:cNvSpPr>
-              <p:nvPr/>
-            </p:nvSpPr>
-            <p:spPr>
-              <a:xfrm>
-                <a:off x="4185269" y="1684935"/>
-                <a:ext cx="369332" cy="369332"/>
-              </a:xfrm>
-              <a:prstGeom prst="rect">
-                <a:avLst/>
-              </a:prstGeom>
-              <a:blipFill>
-                <a:blip r:embed="rId2"/>
-                <a:stretch>
-                  <a:fillRect t="-22951" r="-28333"/>
-                </a:stretch>
-              </a:blipFill>
-            </p:spPr>
-            <p:txBody>
-              <a:bodyPr/>
-              <a:lstStyle/>
-              <a:p>
-                <a:r>
-                  <a:rPr lang="en-US">
-                    <a:noFill/>
-                  </a:rPr>
-                  <a:t> </a:t>
-                </a:r>
-              </a:p>
-            </p:txBody>
-          </p:sp>
-        </mc:Fallback>
-      </mc:AlternateContent>
-      <mc:AlternateContent xmlns:mc="http://schemas.openxmlformats.org/markup-compatibility/2006" xmlns:a14="http://schemas.microsoft.com/office/drawing/2010/main">
-        <mc:Choice Requires="a14">
-          <p:sp>
-            <p:nvSpPr>
-              <p:cNvPr id="7" name="TextBox 6">
-                <a:extLst>
-                  <a:ext uri="{FF2B5EF4-FFF2-40B4-BE49-F238E27FC236}">
-                    <a16:creationId xmlns:a16="http://schemas.microsoft.com/office/drawing/2014/main" id="{2FF399A0-3049-433E-98C3-E30AF3FA3CD3}"/>
-                  </a:ext>
-                </a:extLst>
-              </p:cNvPr>
-              <p:cNvSpPr txBox="1"/>
-              <p:nvPr/>
-            </p:nvSpPr>
-            <p:spPr>
-              <a:xfrm>
-                <a:off x="2533929" y="2409290"/>
-                <a:ext cx="481735" cy="369332"/>
-              </a:xfrm>
-              <a:prstGeom prst="rect">
-                <a:avLst/>
-              </a:prstGeom>
-              <a:noFill/>
-            </p:spPr>
-            <p:txBody>
-              <a:bodyPr wrap="none" rtlCol="0">
-                <a:spAutoFit/>
-              </a:bodyPr>
-              <a:lstStyle/>
-              <a:p>
-                <a:pPr/>
-                <a14:m>
-                  <m:oMathPara xmlns:m="http://schemas.openxmlformats.org/officeDocument/2006/math">
-                    <m:oMathParaPr>
-                      <m:jc m:val="centerGroup"/>
-                    </m:oMathParaPr>
-                    <m:oMath xmlns:m="http://schemas.openxmlformats.org/officeDocument/2006/math">
-                      <m:sSub>
-                        <m:sSubPr>
-                          <m:ctrlPr>
-                            <a:rPr lang="en-US" i="1" smtClean="0">
-                              <a:solidFill>
-                                <a:prstClr val="black"/>
-                              </a:solidFill>
-                              <a:latin typeface="Cambria Math" panose="02040503050406030204" pitchFamily="18" charset="0"/>
-                              <a:ea typeface="Cambria Math"/>
-                            </a:rPr>
-                          </m:ctrlPr>
-                        </m:sSubPr>
-                        <m:e>
-                          <m:r>
-                            <a:rPr lang="en-US" i="1" smtClean="0">
-                              <a:solidFill>
-                                <a:prstClr val="black"/>
-                              </a:solidFill>
-                              <a:latin typeface="Cambria Math"/>
-                              <a:ea typeface="Cambria Math"/>
-                            </a:rPr>
-                            <m:t>𝐵</m:t>
-                          </m:r>
-                        </m:e>
-                        <m:sub>
-                          <m:r>
-                            <a:rPr lang="en-US" i="1" smtClean="0">
-                              <a:solidFill>
-                                <a:prstClr val="black"/>
-                              </a:solidFill>
-                              <a:latin typeface="Cambria Math"/>
-                              <a:ea typeface="Cambria Math"/>
-                            </a:rPr>
-                            <m:t>1</m:t>
-                          </m:r>
-                        </m:sub>
-                      </m:sSub>
-                    </m:oMath>
-                  </m:oMathPara>
-                </a14:m>
-                <a:endParaRPr lang="en-US" dirty="0">
-                  <a:solidFill>
-                    <a:prstClr val="black"/>
-                  </a:solidFill>
-                </a:endParaRPr>
-              </a:p>
-            </p:txBody>
-          </p:sp>
-        </mc:Choice>
-        <mc:Fallback xmlns="">
-          <p:sp>
-            <p:nvSpPr>
-              <p:cNvPr id="7" name="TextBox 6">
-                <a:extLst>
-                  <a:ext uri="{FF2B5EF4-FFF2-40B4-BE49-F238E27FC236}">
-                    <a16:creationId xmlns:a16="http://schemas.microsoft.com/office/drawing/2014/main" id="{2FF399A0-3049-433E-98C3-E30AF3FA3CD3}"/>
-                  </a:ext>
-                </a:extLst>
-              </p:cNvPr>
-              <p:cNvSpPr txBox="1">
-                <a:spLocks noRot="1" noChangeAspect="1" noMove="1" noResize="1" noEditPoints="1" noAdjustHandles="1" noChangeArrowheads="1" noChangeShapeType="1" noTextEdit="1"/>
-              </p:cNvSpPr>
-              <p:nvPr/>
-            </p:nvSpPr>
-            <p:spPr>
-              <a:xfrm>
-                <a:off x="2533929" y="2409290"/>
-                <a:ext cx="481735" cy="369332"/>
-              </a:xfrm>
-              <a:prstGeom prst="rect">
-                <a:avLst/>
-              </a:prstGeom>
-              <a:blipFill>
-                <a:blip r:embed="rId3"/>
-                <a:stretch>
-                  <a:fillRect/>
-                </a:stretch>
-              </a:blipFill>
-            </p:spPr>
-            <p:txBody>
-              <a:bodyPr/>
-              <a:lstStyle/>
-              <a:p>
-                <a:r>
-                  <a:rPr lang="en-US">
-                    <a:noFill/>
-                  </a:rPr>
-                  <a:t> </a:t>
-                </a:r>
-              </a:p>
-            </p:txBody>
-          </p:sp>
-        </mc:Fallback>
-      </mc:AlternateContent>
-      <mc:AlternateContent xmlns:mc="http://schemas.openxmlformats.org/markup-compatibility/2006" xmlns:a14="http://schemas.microsoft.com/office/drawing/2010/main">
-        <mc:Choice Requires="a14">
-          <p:sp>
-            <p:nvSpPr>
-              <p:cNvPr id="8" name="TextBox 7">
-                <a:extLst>
-                  <a:ext uri="{FF2B5EF4-FFF2-40B4-BE49-F238E27FC236}">
-                    <a16:creationId xmlns:a16="http://schemas.microsoft.com/office/drawing/2014/main" id="{211D460E-E7FA-4D29-8064-15626CD8B4FD}"/>
-                  </a:ext>
-                </a:extLst>
-              </p:cNvPr>
-              <p:cNvSpPr txBox="1"/>
-              <p:nvPr/>
-            </p:nvSpPr>
-            <p:spPr>
-              <a:xfrm>
-                <a:off x="5166040" y="1955460"/>
-                <a:ext cx="1826847" cy="646331"/>
-              </a:xfrm>
-              <a:prstGeom prst="rect">
-                <a:avLst/>
-              </a:prstGeom>
-              <a:noFill/>
-            </p:spPr>
-            <p:txBody>
-              <a:bodyPr wrap="none" rtlCol="0">
-                <a:spAutoFit/>
-              </a:bodyPr>
-              <a:lstStyle/>
-              <a:p>
-                <a14:m>
-                  <m:oMath xmlns:m="http://schemas.openxmlformats.org/officeDocument/2006/math">
-                    <m:sSub>
-                      <m:sSubPr>
-                        <m:ctrlPr>
-                          <a:rPr lang="en-US" i="1" smtClean="0">
-                            <a:solidFill>
-                              <a:prstClr val="black"/>
-                            </a:solidFill>
-                            <a:latin typeface="Cambria Math" panose="02040503050406030204" pitchFamily="18" charset="0"/>
-                            <a:ea typeface="Cambria Math"/>
-                          </a:rPr>
-                        </m:ctrlPr>
-                      </m:sSubPr>
-                      <m:e>
-                        <m:r>
-                          <a:rPr lang="en-US" i="1" smtClean="0">
-                            <a:solidFill>
-                              <a:prstClr val="black"/>
-                            </a:solidFill>
-                            <a:latin typeface="Cambria Math"/>
-                            <a:ea typeface="Cambria Math"/>
-                          </a:rPr>
-                          <m:t>𝐵</m:t>
-                        </m:r>
-                      </m:e>
-                      <m:sub>
-                        <m:r>
-                          <a:rPr lang="en-US" i="1" smtClean="0">
-                            <a:solidFill>
-                              <a:prstClr val="black"/>
-                            </a:solidFill>
-                            <a:latin typeface="Cambria Math"/>
-                            <a:ea typeface="Cambria Math"/>
-                          </a:rPr>
-                          <m:t>2</m:t>
-                        </m:r>
-                      </m:sub>
-                    </m:sSub>
-                  </m:oMath>
-                </a14:m>
-                <a:r>
-                  <a:rPr lang="en-US" dirty="0">
-                    <a:solidFill>
-                      <a:prstClr val="black"/>
-                    </a:solidFill>
-                  </a:rPr>
-                  <a:t> when collision</a:t>
-                </a:r>
-              </a:p>
-              <a:p>
-                <a:pPr algn="ctr"/>
-                <a:r>
-                  <a:rPr lang="en-US" dirty="0">
-                    <a:solidFill>
-                      <a:prstClr val="black"/>
-                    </a:solidFill>
-                  </a:rPr>
-                  <a:t>detected</a:t>
-                </a:r>
-              </a:p>
-            </p:txBody>
-          </p:sp>
-        </mc:Choice>
-        <mc:Fallback xmlns="">
-          <p:sp>
-            <p:nvSpPr>
-              <p:cNvPr id="8" name="TextBox 7">
-                <a:extLst>
-                  <a:ext uri="{FF2B5EF4-FFF2-40B4-BE49-F238E27FC236}">
-                    <a16:creationId xmlns:a16="http://schemas.microsoft.com/office/drawing/2014/main" id="{211D460E-E7FA-4D29-8064-15626CD8B4FD}"/>
-                  </a:ext>
-                </a:extLst>
-              </p:cNvPr>
-              <p:cNvSpPr txBox="1">
-                <a:spLocks noRot="1" noChangeAspect="1" noMove="1" noResize="1" noEditPoints="1" noAdjustHandles="1" noChangeArrowheads="1" noChangeShapeType="1" noTextEdit="1"/>
-              </p:cNvSpPr>
-              <p:nvPr/>
-            </p:nvSpPr>
-            <p:spPr>
-              <a:xfrm>
-                <a:off x="5166040" y="1955460"/>
-                <a:ext cx="1826847" cy="646331"/>
-              </a:xfrm>
-              <a:prstGeom prst="rect">
-                <a:avLst/>
-              </a:prstGeom>
-              <a:blipFill>
-                <a:blip r:embed="rId4"/>
-                <a:stretch>
-                  <a:fillRect t="-5660" r="-3000" b="-14151"/>
-                </a:stretch>
-              </a:blipFill>
-            </p:spPr>
-            <p:txBody>
-              <a:bodyPr/>
-              <a:lstStyle/>
-              <a:p>
-                <a:r>
-                  <a:rPr lang="en-US">
-                    <a:noFill/>
-                  </a:rPr>
-                  <a:t> </a:t>
-                </a:r>
-              </a:p>
-            </p:txBody>
-          </p:sp>
-        </mc:Fallback>
-      </mc:AlternateContent>
-      <p:sp>
-        <p:nvSpPr>
-          <p:cNvPr id="9" name="Right Brace 8">
-            <a:extLst>
-              <a:ext uri="{FF2B5EF4-FFF2-40B4-BE49-F238E27FC236}">
-                <a16:creationId xmlns:a16="http://schemas.microsoft.com/office/drawing/2014/main" id="{3CBFA0D8-B0C2-4ACD-9093-B60B70CC13FA}"/>
-              </a:ext>
-            </a:extLst>
-          </p:cNvPr>
-          <p:cNvSpPr/>
-          <p:nvPr/>
-        </p:nvSpPr>
-        <p:spPr>
-          <a:xfrm rot="20425377">
-            <a:off x="4807143" y="2003581"/>
-            <a:ext cx="215952" cy="2083036"/>
-          </a:xfrm>
-          <a:prstGeom prst="rightBrace">
-            <a:avLst>
-              <a:gd name="adj1" fmla="val 32066"/>
-              <a:gd name="adj2" fmla="val 50000"/>
-            </a:avLst>
-          </a:prstGeom>
-          <a:ln w="19050" cap="rnd">
-            <a:solidFill>
-              <a:schemeClr val="tx1"/>
-            </a:solidFill>
-            <a:round/>
-          </a:ln>
-          <a:effectLst>
-            <a:outerShdw blurRad="50800" dist="38100" dir="2700000" algn="tl" rotWithShape="0">
-              <a:prstClr val="black">
-                <a:alpha val="40000"/>
-              </a:prstClr>
-            </a:outerShdw>
-          </a:effectLst>
-        </p:spPr>
-        <p:style>
-          <a:lnRef idx="1">
-            <a:schemeClr val="accent1"/>
-          </a:lnRef>
-          <a:fillRef idx="0">
-            <a:schemeClr val="accent1"/>
-          </a:fillRef>
-          <a:effectRef idx="0">
-            <a:schemeClr val="accent1"/>
-          </a:effectRef>
-          <a:fontRef idx="minor">
-            <a:schemeClr val="tx1"/>
-          </a:fontRef>
-        </p:style>
-        <p:txBody>
-          <a:bodyPr rtlCol="0" anchor="ctr"/>
-          <a:lstStyle/>
-          <a:p>
-            <a:pPr algn="ctr"/>
-            <a:endParaRPr lang="en-US">
-              <a:solidFill>
-                <a:prstClr val="black"/>
-              </a:solidFill>
-            </a:endParaRPr>
-          </a:p>
-        </p:txBody>
-      </p:sp>
-      <mc:AlternateContent xmlns:mc="http://schemas.openxmlformats.org/markup-compatibility/2006" xmlns:a14="http://schemas.microsoft.com/office/drawing/2010/main">
-        <mc:Choice Requires="a14">
-          <p:sp>
-            <p:nvSpPr>
-              <p:cNvPr id="10" name="TextBox 9">
-                <a:extLst>
-                  <a:ext uri="{FF2B5EF4-FFF2-40B4-BE49-F238E27FC236}">
-                    <a16:creationId xmlns:a16="http://schemas.microsoft.com/office/drawing/2014/main" id="{C8FE2B72-A143-424F-9E6B-5FE351A2CB8D}"/>
-                  </a:ext>
-                </a:extLst>
-              </p:cNvPr>
-              <p:cNvSpPr txBox="1"/>
-              <p:nvPr/>
-            </p:nvSpPr>
-            <p:spPr>
-              <a:xfrm>
-                <a:off x="4966242" y="2805359"/>
-                <a:ext cx="386644" cy="369332"/>
-              </a:xfrm>
-              <a:prstGeom prst="rect">
-                <a:avLst/>
-              </a:prstGeom>
-              <a:noFill/>
-            </p:spPr>
-            <p:txBody>
-              <a:bodyPr wrap="none" rtlCol="0">
-                <a:spAutoFit/>
-              </a:bodyPr>
-              <a:lstStyle/>
-              <a:p>
-                <a:pPr/>
-                <a14:m>
-                  <m:oMathPara xmlns:m="http://schemas.openxmlformats.org/officeDocument/2006/math">
-                    <m:oMathParaPr>
-                      <m:jc m:val="centerGroup"/>
-                    </m:oMathParaPr>
-                    <m:oMath xmlns:m="http://schemas.openxmlformats.org/officeDocument/2006/math">
-                      <m:r>
-                        <a:rPr lang="en-US" i="1" smtClean="0">
-                          <a:solidFill>
-                            <a:prstClr val="black"/>
-                          </a:solidFill>
-                          <a:latin typeface="Cambria Math"/>
-                          <a:ea typeface="Cambria Math"/>
-                        </a:rPr>
-                        <m:t>𝑑</m:t>
-                      </m:r>
-                    </m:oMath>
-                  </m:oMathPara>
-                </a14:m>
-                <a:endParaRPr lang="en-US" dirty="0">
-                  <a:solidFill>
-                    <a:prstClr val="black"/>
-                  </a:solidFill>
-                </a:endParaRPr>
-              </a:p>
-            </p:txBody>
-          </p:sp>
-        </mc:Choice>
-        <mc:Fallback xmlns="">
-          <p:sp>
-            <p:nvSpPr>
-              <p:cNvPr id="10" name="TextBox 9">
-                <a:extLst>
-                  <a:ext uri="{FF2B5EF4-FFF2-40B4-BE49-F238E27FC236}">
-                    <a16:creationId xmlns:a16="http://schemas.microsoft.com/office/drawing/2014/main" id="{C8FE2B72-A143-424F-9E6B-5FE351A2CB8D}"/>
-                  </a:ext>
-                </a:extLst>
-              </p:cNvPr>
-              <p:cNvSpPr txBox="1">
-                <a:spLocks noRot="1" noChangeAspect="1" noMove="1" noResize="1" noEditPoints="1" noAdjustHandles="1" noChangeArrowheads="1" noChangeShapeType="1" noTextEdit="1"/>
-              </p:cNvSpPr>
-              <p:nvPr/>
-            </p:nvSpPr>
-            <p:spPr>
-              <a:xfrm>
-                <a:off x="4966242" y="2805359"/>
-                <a:ext cx="386644" cy="369332"/>
-              </a:xfrm>
-              <a:prstGeom prst="rect">
-                <a:avLst/>
-              </a:prstGeom>
-              <a:blipFill>
-                <a:blip r:embed="rId5"/>
-                <a:stretch>
-                  <a:fillRect/>
-                </a:stretch>
-              </a:blipFill>
-            </p:spPr>
-            <p:txBody>
-              <a:bodyPr/>
-              <a:lstStyle/>
-              <a:p>
-                <a:r>
-                  <a:rPr lang="en-US">
-                    <a:noFill/>
-                  </a:rPr>
-                  <a:t> </a:t>
-                </a:r>
-              </a:p>
-            </p:txBody>
-          </p:sp>
-        </mc:Fallback>
-      </mc:AlternateContent>
-      <p:cxnSp>
-        <p:nvCxnSpPr>
-          <p:cNvPr id="11" name="Straight Arrow Connector 10">
-            <a:extLst>
-              <a:ext uri="{FF2B5EF4-FFF2-40B4-BE49-F238E27FC236}">
-                <a16:creationId xmlns:a16="http://schemas.microsoft.com/office/drawing/2014/main" id="{67D82F80-48B2-4EBD-BAD7-0F24A036DE51}"/>
-              </a:ext>
-            </a:extLst>
-          </p:cNvPr>
-          <p:cNvCxnSpPr/>
-          <p:nvPr/>
-        </p:nvCxnSpPr>
-        <p:spPr>
-          <a:xfrm>
-            <a:off x="4341906" y="2177093"/>
-            <a:ext cx="1144219" cy="3158394"/>
-          </a:xfrm>
-          <a:prstGeom prst="straightConnector1">
-            <a:avLst/>
-          </a:prstGeom>
-          <a:ln w="15875" cap="rnd">
-            <a:solidFill>
-              <a:schemeClr val="tx1"/>
-            </a:solidFill>
-            <a:prstDash val="dash"/>
-            <a:headEnd type="none"/>
-            <a:tailEnd type="none"/>
-          </a:ln>
-        </p:spPr>
-        <p:style>
-          <a:lnRef idx="1">
-            <a:schemeClr val="accent1"/>
-          </a:lnRef>
-          <a:fillRef idx="0">
-            <a:schemeClr val="accent1"/>
-          </a:fillRef>
-          <a:effectRef idx="0">
-            <a:schemeClr val="accent1"/>
-          </a:effectRef>
-          <a:fontRef idx="minor">
-            <a:schemeClr val="tx1"/>
-          </a:fontRef>
-        </p:style>
-      </p:cxnSp>
-      <p:cxnSp>
-        <p:nvCxnSpPr>
-          <p:cNvPr id="12" name="Straight Arrow Connector 11">
-            <a:extLst>
-              <a:ext uri="{FF2B5EF4-FFF2-40B4-BE49-F238E27FC236}">
-                <a16:creationId xmlns:a16="http://schemas.microsoft.com/office/drawing/2014/main" id="{5035D7D4-EB66-41FE-B7A2-C7670BDD4607}"/>
-              </a:ext>
-            </a:extLst>
-          </p:cNvPr>
-          <p:cNvCxnSpPr/>
-          <p:nvPr/>
-        </p:nvCxnSpPr>
-        <p:spPr>
-          <a:xfrm>
-            <a:off x="4116545" y="1522223"/>
-            <a:ext cx="225360" cy="654870"/>
-          </a:xfrm>
-          <a:prstGeom prst="straightConnector1">
-            <a:avLst/>
-          </a:prstGeom>
-          <a:ln w="25400" cap="rnd">
-            <a:solidFill>
-              <a:schemeClr val="tx1"/>
-            </a:solidFill>
-            <a:headEnd type="arrow"/>
-            <a:tailEnd type="none"/>
-          </a:ln>
-          <a:effectLst>
-            <a:outerShdw blurRad="50800" dist="38100" dir="2700000" algn="tl" rotWithShape="0">
-              <a:prstClr val="black">
-                <a:alpha val="40000"/>
-              </a:prstClr>
-            </a:outerShdw>
-          </a:effectLst>
-        </p:spPr>
-        <p:style>
-          <a:lnRef idx="1">
-            <a:schemeClr val="accent1"/>
-          </a:lnRef>
-          <a:fillRef idx="0">
-            <a:schemeClr val="accent1"/>
-          </a:fillRef>
-          <a:effectRef idx="0">
-            <a:schemeClr val="accent1"/>
-          </a:effectRef>
-          <a:fontRef idx="minor">
-            <a:schemeClr val="tx1"/>
-          </a:fontRef>
-        </p:style>
-      </p:cxnSp>
-      <p:cxnSp>
-        <p:nvCxnSpPr>
-          <p:cNvPr id="14" name="Straight Arrow Connector 13">
-            <a:extLst>
-              <a:ext uri="{FF2B5EF4-FFF2-40B4-BE49-F238E27FC236}">
-                <a16:creationId xmlns:a16="http://schemas.microsoft.com/office/drawing/2014/main" id="{BCD5A9EC-FDE1-419C-80FE-36F51ACA36E3}"/>
-              </a:ext>
-            </a:extLst>
-          </p:cNvPr>
-          <p:cNvCxnSpPr/>
-          <p:nvPr/>
-        </p:nvCxnSpPr>
-        <p:spPr>
-          <a:xfrm>
-            <a:off x="4345317" y="2177093"/>
-            <a:ext cx="701641" cy="1951409"/>
-          </a:xfrm>
-          <a:prstGeom prst="straightConnector1">
-            <a:avLst/>
-          </a:prstGeom>
-          <a:ln w="15875" cap="rnd">
-            <a:solidFill>
-              <a:schemeClr val="tx1"/>
-            </a:solidFill>
-            <a:prstDash val="solid"/>
-            <a:headEnd type="none"/>
-            <a:tailEnd type="none"/>
-          </a:ln>
-        </p:spPr>
-        <p:style>
-          <a:lnRef idx="1">
-            <a:schemeClr val="accent1"/>
-          </a:lnRef>
-          <a:fillRef idx="0">
-            <a:schemeClr val="accent1"/>
-          </a:fillRef>
-          <a:effectRef idx="0">
-            <a:schemeClr val="accent1"/>
-          </a:effectRef>
-          <a:fontRef idx="minor">
-            <a:schemeClr val="tx1"/>
-          </a:fontRef>
-        </p:style>
-      </p:cxnSp>
-      <mc:AlternateContent xmlns:mc="http://schemas.openxmlformats.org/markup-compatibility/2006" xmlns:a14="http://schemas.microsoft.com/office/drawing/2010/main">
-        <mc:Choice Requires="a14">
-          <p:sp>
-            <p:nvSpPr>
-              <p:cNvPr id="21" name="TextBox 20">
-                <a:extLst>
-                  <a:ext uri="{FF2B5EF4-FFF2-40B4-BE49-F238E27FC236}">
-                    <a16:creationId xmlns:a16="http://schemas.microsoft.com/office/drawing/2014/main" id="{FE5B5D3A-6273-4868-9619-F05184CAE4F0}"/>
-                  </a:ext>
-                </a:extLst>
-              </p:cNvPr>
-              <p:cNvSpPr txBox="1"/>
-              <p:nvPr/>
-            </p:nvSpPr>
-            <p:spPr>
-              <a:xfrm>
-                <a:off x="5818304" y="3566406"/>
-                <a:ext cx="1041054" cy="369332"/>
-              </a:xfrm>
-              <a:prstGeom prst="rect">
-                <a:avLst/>
-              </a:prstGeom>
-              <a:noFill/>
-            </p:spPr>
-            <p:txBody>
-              <a:bodyPr wrap="none" rtlCol="0">
-                <a:spAutoFit/>
-              </a:bodyPr>
-              <a:lstStyle/>
-              <a:p>
-                <a14:m>
-                  <m:oMath xmlns:m="http://schemas.openxmlformats.org/officeDocument/2006/math">
-                    <m:sSub>
-                      <m:sSubPr>
-                        <m:ctrlPr>
-                          <a:rPr lang="en-US" i="1" smtClean="0">
-                            <a:solidFill>
-                              <a:prstClr val="black"/>
-                            </a:solidFill>
-                            <a:latin typeface="Cambria Math" panose="02040503050406030204" pitchFamily="18" charset="0"/>
-                            <a:ea typeface="Cambria Math"/>
-                          </a:rPr>
-                        </m:ctrlPr>
-                      </m:sSubPr>
-                      <m:e>
-                        <m:r>
-                          <a:rPr lang="en-US" i="1" smtClean="0">
-                            <a:solidFill>
-                              <a:prstClr val="black"/>
-                            </a:solidFill>
-                            <a:latin typeface="Cambria Math"/>
-                            <a:ea typeface="Cambria Math"/>
-                          </a:rPr>
-                          <m:t>𝐵</m:t>
-                        </m:r>
-                      </m:e>
-                      <m:sub>
-                        <m:r>
-                          <a:rPr lang="en-US" i="1" smtClean="0">
-                            <a:solidFill>
-                              <a:prstClr val="black"/>
-                            </a:solidFill>
-                            <a:latin typeface="Cambria Math"/>
-                            <a:ea typeface="Cambria Math"/>
-                          </a:rPr>
-                          <m:t>2</m:t>
-                        </m:r>
-                      </m:sub>
-                    </m:sSub>
-                  </m:oMath>
-                </a14:m>
-                <a:r>
-                  <a:rPr lang="en-US" dirty="0">
-                    <a:solidFill>
-                      <a:prstClr val="black"/>
-                    </a:solidFill>
-                  </a:rPr>
-                  <a:t> at TOI</a:t>
-                </a:r>
-              </a:p>
-            </p:txBody>
-          </p:sp>
-        </mc:Choice>
-        <mc:Fallback xmlns="">
-          <p:sp>
-            <p:nvSpPr>
-              <p:cNvPr id="21" name="TextBox 20">
-                <a:extLst>
-                  <a:ext uri="{FF2B5EF4-FFF2-40B4-BE49-F238E27FC236}">
-                    <a16:creationId xmlns:a16="http://schemas.microsoft.com/office/drawing/2014/main" id="{FE5B5D3A-6273-4868-9619-F05184CAE4F0}"/>
-                  </a:ext>
-                </a:extLst>
-              </p:cNvPr>
-              <p:cNvSpPr txBox="1">
-                <a:spLocks noRot="1" noChangeAspect="1" noMove="1" noResize="1" noEditPoints="1" noAdjustHandles="1" noChangeArrowheads="1" noChangeShapeType="1" noTextEdit="1"/>
-              </p:cNvSpPr>
-              <p:nvPr/>
-            </p:nvSpPr>
-            <p:spPr>
-              <a:xfrm>
-                <a:off x="5818304" y="3566406"/>
-                <a:ext cx="1041054" cy="369332"/>
-              </a:xfrm>
-              <a:prstGeom prst="rect">
-                <a:avLst/>
-              </a:prstGeom>
-              <a:blipFill>
-                <a:blip r:embed="rId6"/>
-                <a:stretch>
-                  <a:fillRect t="-8197" r="-5263" b="-24590"/>
-                </a:stretch>
-              </a:blipFill>
-            </p:spPr>
-            <p:txBody>
-              <a:bodyPr/>
-              <a:lstStyle/>
-              <a:p>
-                <a:r>
-                  <a:rPr lang="en-US">
-                    <a:noFill/>
-                  </a:rPr>
-                  <a:t> </a:t>
-                </a:r>
-              </a:p>
-            </p:txBody>
-          </p:sp>
-        </mc:Fallback>
-      </mc:AlternateContent>
-      <p:sp>
-        <p:nvSpPr>
-          <p:cNvPr id="22" name="Oval 21">
-            <a:extLst>
-              <a:ext uri="{FF2B5EF4-FFF2-40B4-BE49-F238E27FC236}">
-                <a16:creationId xmlns:a16="http://schemas.microsoft.com/office/drawing/2014/main" id="{9DAAD7DC-2589-498A-AB33-76DA0D8DA812}"/>
-              </a:ext>
-            </a:extLst>
-          </p:cNvPr>
-          <p:cNvSpPr/>
-          <p:nvPr/>
-        </p:nvSpPr>
-        <p:spPr>
-          <a:xfrm>
-            <a:off x="4973339" y="4028798"/>
-            <a:ext cx="104774" cy="110474"/>
-          </a:xfrm>
-          <a:prstGeom prst="ellipse">
-            <a:avLst/>
-          </a:prstGeom>
-          <a:solidFill>
-            <a:schemeClr val="tx1"/>
-          </a:solidFill>
-          <a:ln>
-            <a:noFill/>
-          </a:ln>
-        </p:spPr>
-        <p:style>
-          <a:lnRef idx="2">
-            <a:schemeClr val="accent1">
-              <a:shade val="50000"/>
-            </a:schemeClr>
-          </a:lnRef>
-          <a:fillRef idx="1">
-            <a:schemeClr val="accent1"/>
-          </a:fillRef>
-          <a:effectRef idx="0">
-            <a:schemeClr val="accent1"/>
-          </a:effectRef>
-          <a:fontRef idx="minor">
-            <a:schemeClr val="lt1"/>
-          </a:fontRef>
-        </p:style>
-        <p:txBody>
-          <a:bodyPr rtlCol="0" anchor="ctr"/>
-          <a:lstStyle/>
-          <a:p>
-            <a:pPr algn="ctr"/>
-            <a:endParaRPr lang="en-US"/>
-          </a:p>
-        </p:txBody>
-      </p:sp>
-      <p:sp>
-        <p:nvSpPr>
-          <p:cNvPr id="24" name="Oval 23">
-            <a:extLst>
-              <a:ext uri="{FF2B5EF4-FFF2-40B4-BE49-F238E27FC236}">
-                <a16:creationId xmlns:a16="http://schemas.microsoft.com/office/drawing/2014/main" id="{51A58059-8CC9-4347-8EA6-8226BF23FB85}"/>
-              </a:ext>
-            </a:extLst>
-          </p:cNvPr>
-          <p:cNvSpPr/>
-          <p:nvPr/>
-        </p:nvSpPr>
-        <p:spPr>
-          <a:xfrm>
-            <a:off x="4286033" y="2101415"/>
-            <a:ext cx="104774" cy="110474"/>
-          </a:xfrm>
-          <a:prstGeom prst="ellipse">
-            <a:avLst/>
-          </a:prstGeom>
-          <a:solidFill>
-            <a:schemeClr val="tx1"/>
-          </a:solidFill>
-          <a:ln>
-            <a:noFill/>
-          </a:ln>
-        </p:spPr>
-        <p:style>
-          <a:lnRef idx="2">
-            <a:schemeClr val="accent1">
-              <a:shade val="50000"/>
-            </a:schemeClr>
-          </a:lnRef>
-          <a:fillRef idx="1">
-            <a:schemeClr val="accent1"/>
-          </a:fillRef>
-          <a:effectRef idx="0">
-            <a:schemeClr val="accent1"/>
-          </a:effectRef>
-          <a:fontRef idx="minor">
-            <a:schemeClr val="lt1"/>
-          </a:fontRef>
-        </p:style>
-        <p:txBody>
-          <a:bodyPr rtlCol="0" anchor="ctr"/>
-          <a:lstStyle/>
-          <a:p>
-            <a:pPr algn="ctr"/>
-            <a:endParaRPr lang="en-US"/>
-          </a:p>
-        </p:txBody>
-      </p:sp>
-    </p:spTree>
-    <p:extLst>
-      <p:ext uri="{BB962C8B-B14F-4D97-AF65-F5344CB8AC3E}">
-        <p14:creationId xmlns:p14="http://schemas.microsoft.com/office/powerpoint/2010/main" val="2191281402"/>
-      </p:ext>
-    </p:extLst>
-  </p:cSld>
-  <p:clrMapOvr>
-    <a:masterClrMapping/>
-  </p:clrMapOvr>
-</p:sld>
-</file>
-
-<file path=ppt/slides/slide3.xml><?xml version="1.0" encoding="utf-8"?>
 <p:sld xmlns:a="http://schemas.openxmlformats.org/drawingml/2006/main" xmlns:r="http://schemas.openxmlformats.org/officeDocument/2006/relationships" xmlns:p="http://schemas.openxmlformats.org/presentationml/2006/main">
   <p:cSld>
     <p:spTree>
@@ -6535,7 +4713,7 @@
 </p:sld>
 </file>
 
-<file path=ppt/slides/slide4.xml><?xml version="1.0" encoding="utf-8"?>
+<file path=ppt/slides/slide2.xml><?xml version="1.0" encoding="utf-8"?>
 <p:sld xmlns:a="http://schemas.openxmlformats.org/drawingml/2006/main" xmlns:r="http://schemas.openxmlformats.org/officeDocument/2006/relationships" xmlns:p="http://schemas.openxmlformats.org/presentationml/2006/main">
   <p:cSld>
     <p:spTree>
@@ -6552,141 +4730,63 @@
           <a:chExt cx="0" cy="0"/>
         </a:xfrm>
       </p:grpSpPr>
-      <p:grpSp>
-        <p:nvGrpSpPr>
-          <p:cNvPr id="4" name="Group 3">
-            <a:extLst>
-              <a:ext uri="{FF2B5EF4-FFF2-40B4-BE49-F238E27FC236}">
-                <a16:creationId xmlns:a16="http://schemas.microsoft.com/office/drawing/2014/main" id="{F0E36B9B-7748-425E-ADA1-A8CD4034BEAC}"/>
-              </a:ext>
-            </a:extLst>
-          </p:cNvPr>
-          <p:cNvGrpSpPr/>
+      <p:sp>
+        <p:nvSpPr>
+          <p:cNvPr id="6" name="Oval 5"/>
+          <p:cNvSpPr/>
           <p:nvPr/>
-        </p:nvGrpSpPr>
-        <p:grpSpPr>
+        </p:nvSpPr>
+        <p:spPr>
           <a:xfrm>
-            <a:off x="3935371" y="1096821"/>
-            <a:ext cx="2728270" cy="2711449"/>
-            <a:chOff x="4209655" y="811165"/>
-            <a:chExt cx="2728270" cy="2711449"/>
+            <a:off x="3935371" y="1550138"/>
+            <a:ext cx="2272141" cy="2258132"/>
           </a:xfrm>
-        </p:grpSpPr>
-        <p:sp>
-          <p:nvSpPr>
-            <p:cNvPr id="6" name="Oval 5"/>
-            <p:cNvSpPr/>
-            <p:nvPr/>
-          </p:nvSpPr>
-          <p:spPr>
-            <a:xfrm>
-              <a:off x="4209655" y="811165"/>
-              <a:ext cx="2728270" cy="2711449"/>
-            </a:xfrm>
-            <a:prstGeom prst="ellipse">
-              <a:avLst/>
-            </a:prstGeom>
-            <a:solidFill>
-              <a:schemeClr val="accent4">
-                <a:lumMod val="60000"/>
-                <a:lumOff val="40000"/>
-                <a:alpha val="34000"/>
-              </a:schemeClr>
-            </a:solidFill>
-            <a:ln w="19050">
-              <a:solidFill>
-                <a:schemeClr val="tx1"/>
-              </a:solidFill>
-            </a:ln>
-            <a:effectLst/>
-          </p:spPr>
-          <p:style>
-            <a:lnRef idx="2">
-              <a:schemeClr val="accent1">
-                <a:shade val="50000"/>
-              </a:schemeClr>
-            </a:lnRef>
-            <a:fillRef idx="1">
-              <a:schemeClr val="accent1"/>
-            </a:fillRef>
-            <a:effectRef idx="0">
-              <a:schemeClr val="accent1"/>
-            </a:effectRef>
-            <a:fontRef idx="minor">
-              <a:schemeClr val="lt1"/>
-            </a:fontRef>
-          </p:style>
-          <p:txBody>
-            <a:bodyPr rtlCol="0" anchor="ctr"/>
-            <a:lstStyle/>
-            <a:p>
-              <a:pPr algn="ctr"/>
-              <a:endParaRPr lang="en-US">
-                <a:solidFill>
-                  <a:prstClr val="white"/>
-                </a:solidFill>
-              </a:endParaRPr>
-            </a:p>
-          </p:txBody>
-        </p:sp>
-        <p:sp>
-          <p:nvSpPr>
-            <p:cNvPr id="27" name="Oval 26"/>
-            <p:cNvSpPr/>
-            <p:nvPr/>
-          </p:nvSpPr>
-          <p:spPr>
-            <a:xfrm>
-              <a:off x="5518189" y="2113943"/>
-              <a:ext cx="111202" cy="105893"/>
-            </a:xfrm>
-            <a:prstGeom prst="ellipse">
-              <a:avLst/>
-            </a:prstGeom>
+          <a:prstGeom prst="ellipse">
+            <a:avLst/>
+          </a:prstGeom>
+          <a:solidFill>
+            <a:schemeClr val="accent4">
+              <a:lumMod val="60000"/>
+              <a:lumOff val="40000"/>
+              <a:alpha val="34000"/>
+            </a:schemeClr>
+          </a:solidFill>
+          <a:ln w="19050">
             <a:solidFill>
               <a:schemeClr val="tx1"/>
             </a:solidFill>
-            <a:ln>
-              <a:noFill/>
-            </a:ln>
-            <a:effectLst>
-              <a:outerShdw blurRad="50800" dist="38100" dir="2700000" algn="tl" rotWithShape="0">
-                <a:prstClr val="black">
-                  <a:alpha val="40000"/>
-                </a:prstClr>
-              </a:outerShdw>
-            </a:effectLst>
-          </p:spPr>
-          <p:style>
-            <a:lnRef idx="2">
-              <a:schemeClr val="accent1">
-                <a:shade val="50000"/>
-              </a:schemeClr>
-            </a:lnRef>
-            <a:fillRef idx="1">
-              <a:schemeClr val="accent1"/>
-            </a:fillRef>
-            <a:effectRef idx="0">
-              <a:schemeClr val="accent1"/>
-            </a:effectRef>
-            <a:fontRef idx="minor">
-              <a:schemeClr val="lt1"/>
-            </a:fontRef>
-          </p:style>
-          <p:txBody>
-            <a:bodyPr rtlCol="0" anchor="ctr"/>
-            <a:lstStyle/>
-            <a:p>
-              <a:pPr algn="ctr"/>
-              <a:endParaRPr lang="en-US">
-                <a:solidFill>
-                  <a:prstClr val="white"/>
-                </a:solidFill>
-              </a:endParaRPr>
-            </a:p>
-          </p:txBody>
-        </p:sp>
-      </p:grpSp>
+          </a:ln>
+          <a:effectLst/>
+        </p:spPr>
+        <p:style>
+          <a:lnRef idx="2">
+            <a:schemeClr val="accent1">
+              <a:shade val="50000"/>
+            </a:schemeClr>
+          </a:lnRef>
+          <a:fillRef idx="1">
+            <a:schemeClr val="accent1"/>
+          </a:fillRef>
+          <a:effectRef idx="0">
+            <a:schemeClr val="accent1"/>
+          </a:effectRef>
+          <a:fontRef idx="minor">
+            <a:schemeClr val="lt1"/>
+          </a:fontRef>
+        </p:style>
+        <p:txBody>
+          <a:bodyPr rtlCol="0" anchor="ctr"/>
+          <a:lstStyle/>
+          <a:p>
+            <a:pPr algn="ctr"/>
+            <a:endParaRPr lang="en-US">
+              <a:solidFill>
+                <a:prstClr val="white"/>
+              </a:solidFill>
+            </a:endParaRPr>
+          </a:p>
+        </p:txBody>
+      </p:sp>
       <p:sp>
         <p:nvSpPr>
           <p:cNvPr id="20" name="TextBox 19"/>
@@ -6695,7 +4795,7 @@
         </p:nvSpPr>
         <p:spPr>
           <a:xfrm>
-            <a:off x="2317010" y="2939945"/>
+            <a:off x="2552286" y="2957061"/>
             <a:ext cx="762000" cy="400110"/>
           </a:xfrm>
           <a:prstGeom prst="rect">
@@ -6733,8 +4833,8 @@
         </p:nvCxnSpPr>
         <p:spPr>
           <a:xfrm flipH="1">
-            <a:off x="1531434" y="3335255"/>
-            <a:ext cx="6146830" cy="0"/>
+            <a:off x="1824038" y="3335255"/>
+            <a:ext cx="5153026" cy="0"/>
           </a:xfrm>
           <a:prstGeom prst="straightConnector1">
             <a:avLst/>
@@ -6778,7 +4878,7 @@
             </p:nvSpPr>
             <p:spPr>
               <a:xfrm>
-                <a:off x="4686937" y="1616082"/>
+                <a:off x="4552066" y="1666225"/>
                 <a:ext cx="1247777" cy="424283"/>
               </a:xfrm>
               <a:prstGeom prst="rect">
@@ -6950,7 +5050,7 @@
             </p:nvSpPr>
             <p:spPr>
               <a:xfrm>
-                <a:off x="4686937" y="1616082"/>
+                <a:off x="4552066" y="1666225"/>
                 <a:ext cx="1247777" cy="424283"/>
               </a:xfrm>
               <a:prstGeom prst="rect">
@@ -6959,7 +5059,7 @@
               <a:blipFill>
                 <a:blip r:embed="rId2"/>
                 <a:stretch>
-                  <a:fillRect t="-15714" r="-3902" b="-20000"/>
+                  <a:fillRect t="-15714" r="-4412" b="-20000"/>
                 </a:stretch>
               </a:blipFill>
             </p:spPr>
@@ -6988,7 +5088,7 @@
             </p:nvSpPr>
             <p:spPr>
               <a:xfrm>
-                <a:off x="4371843" y="2119789"/>
+                <a:off x="4259212" y="2259449"/>
                 <a:ext cx="870759" cy="391261"/>
               </a:xfrm>
               <a:prstGeom prst="rect">
@@ -7127,7 +5227,7 @@
             </p:nvSpPr>
             <p:spPr>
               <a:xfrm>
-                <a:off x="4371843" y="2119789"/>
+                <a:off x="4259212" y="2259449"/>
                 <a:ext cx="870759" cy="391261"/>
               </a:xfrm>
               <a:prstGeom prst="rect">
@@ -7136,7 +5236,7 @@
               <a:blipFill>
                 <a:blip r:embed="rId3"/>
                 <a:stretch>
-                  <a:fillRect l="-2098" r="-6294" b="-10938"/>
+                  <a:fillRect l="-2797" r="-5594" b="-10938"/>
                 </a:stretch>
               </a:blipFill>
             </p:spPr>
@@ -7165,7 +5265,7 @@
             </p:nvSpPr>
             <p:spPr>
               <a:xfrm>
-                <a:off x="6611464" y="3333571"/>
+                <a:off x="6098896" y="3310804"/>
                 <a:ext cx="1066800" cy="391261"/>
               </a:xfrm>
               <a:prstGeom prst="rect">
@@ -7261,7 +5361,7 @@
             </p:nvSpPr>
             <p:spPr>
               <a:xfrm>
-                <a:off x="6611464" y="3333571"/>
+                <a:off x="6098896" y="3310804"/>
                 <a:ext cx="1066800" cy="391261"/>
               </a:xfrm>
               <a:prstGeom prst="rect">
@@ -7270,7 +5370,7 @@
               <a:blipFill>
                 <a:blip r:embed="rId4"/>
                 <a:stretch>
-                  <a:fillRect b="-3125"/>
+                  <a:fillRect b="-4688"/>
                 </a:stretch>
               </a:blipFill>
             </p:spPr>
@@ -7299,8 +5399,8 @@
         </p:nvCxnSpPr>
         <p:spPr>
           <a:xfrm flipH="1">
-            <a:off x="1635558" y="1096821"/>
-            <a:ext cx="5015872" cy="5043784"/>
+            <a:off x="2038350" y="1466850"/>
+            <a:ext cx="4235828" cy="4292600"/>
           </a:xfrm>
           <a:prstGeom prst="straightConnector1">
             <a:avLst/>
@@ -7385,7 +5485,7 @@
             </p:nvSpPr>
             <p:spPr>
               <a:xfrm>
-                <a:off x="2677809" y="3845513"/>
+                <a:off x="2910273" y="3801467"/>
                 <a:ext cx="457200" cy="369332"/>
               </a:xfrm>
               <a:prstGeom prst="rect">
@@ -7438,7 +5538,7 @@
             </p:nvSpPr>
             <p:spPr>
               <a:xfrm>
-                <a:off x="2677809" y="3845513"/>
+                <a:off x="2910273" y="3801467"/>
                 <a:ext cx="457200" cy="369332"/>
               </a:xfrm>
               <a:prstGeom prst="rect">
@@ -7466,6 +5566,46 @@
           </p:sp>
         </mc:Fallback>
       </mc:AlternateContent>
+      <p:cxnSp>
+        <p:nvCxnSpPr>
+          <p:cNvPr id="21" name="Straight Arrow Connector 20"/>
+          <p:cNvCxnSpPr>
+            <a:cxnSpLocks/>
+          </p:cNvCxnSpPr>
+          <p:nvPr/>
+        </p:nvCxnSpPr>
+        <p:spPr>
+          <a:xfrm flipH="1">
+            <a:off x="3295650" y="2046516"/>
+            <a:ext cx="2416423" cy="2449284"/>
+          </a:xfrm>
+          <a:prstGeom prst="straightConnector1">
+            <a:avLst/>
+          </a:prstGeom>
+          <a:ln w="22225" cap="rnd">
+            <a:solidFill>
+              <a:schemeClr val="tx1"/>
+            </a:solidFill>
+            <a:prstDash val="solid"/>
+            <a:headEnd type="none"/>
+            <a:tailEnd type="none"/>
+          </a:ln>
+        </p:spPr>
+        <p:style>
+          <a:lnRef idx="1">
+            <a:schemeClr val="accent1"/>
+          </a:lnRef>
+          <a:fillRef idx="0">
+            <a:schemeClr val="accent1"/>
+          </a:fillRef>
+          <a:effectRef idx="0">
+            <a:schemeClr val="accent1"/>
+          </a:effectRef>
+          <a:fontRef idx="minor">
+            <a:schemeClr val="tx1"/>
+          </a:fontRef>
+        </p:style>
+      </p:cxnSp>
       <p:sp>
         <p:nvSpPr>
           <p:cNvPr id="18" name="Rectangle 17"/>
@@ -7474,7 +5614,7 @@
         </p:nvSpPr>
         <p:spPr>
           <a:xfrm>
-            <a:off x="3085568" y="3350154"/>
+            <a:off x="3291273" y="3335754"/>
             <a:ext cx="152400" cy="152400"/>
           </a:xfrm>
           <a:prstGeom prst="rect">
@@ -7524,7 +5664,7 @@
         </p:nvSpPr>
         <p:spPr>
           <a:xfrm>
-            <a:off x="3025846" y="3295735"/>
+            <a:off x="3230247" y="3287108"/>
             <a:ext cx="111202" cy="105893"/>
           </a:xfrm>
           <a:prstGeom prst="ellipse">
@@ -7575,46 +5715,6 @@
       </p:sp>
       <p:cxnSp>
         <p:nvCxnSpPr>
-          <p:cNvPr id="21" name="Straight Arrow Connector 20"/>
-          <p:cNvCxnSpPr>
-            <a:cxnSpLocks/>
-          </p:cNvCxnSpPr>
-          <p:nvPr/>
-        </p:nvCxnSpPr>
-        <p:spPr>
-          <a:xfrm flipH="1">
-            <a:off x="3107473" y="2046516"/>
-            <a:ext cx="2604599" cy="2608657"/>
-          </a:xfrm>
-          <a:prstGeom prst="straightConnector1">
-            <a:avLst/>
-          </a:prstGeom>
-          <a:ln w="22225" cap="rnd">
-            <a:solidFill>
-              <a:schemeClr val="tx1"/>
-            </a:solidFill>
-            <a:prstDash val="solid"/>
-            <a:headEnd type="none"/>
-            <a:tailEnd type="none"/>
-          </a:ln>
-        </p:spPr>
-        <p:style>
-          <a:lnRef idx="1">
-            <a:schemeClr val="accent1"/>
-          </a:lnRef>
-          <a:fillRef idx="0">
-            <a:schemeClr val="accent1"/>
-          </a:fillRef>
-          <a:effectRef idx="0">
-            <a:schemeClr val="accent1"/>
-          </a:effectRef>
-          <a:fontRef idx="minor">
-            <a:schemeClr val="tx1"/>
-          </a:fontRef>
-        </p:style>
-      </p:cxnSp>
-      <p:cxnSp>
-        <p:nvCxnSpPr>
           <p:cNvPr id="22" name="Straight Arrow Connector 21"/>
           <p:cNvCxnSpPr>
             <a:cxnSpLocks/>
@@ -7623,8 +5723,8 @@
         </p:nvCxnSpPr>
         <p:spPr>
           <a:xfrm>
-            <a:off x="5298854" y="2452545"/>
-            <a:ext cx="0" cy="887510"/>
+            <a:off x="5069632" y="2696245"/>
+            <a:ext cx="0" cy="643810"/>
           </a:xfrm>
           <a:prstGeom prst="straightConnector1">
             <a:avLst/>
@@ -7661,7 +5761,7 @@
         </p:nvSpPr>
         <p:spPr>
           <a:xfrm>
-            <a:off x="5142334" y="3183651"/>
+            <a:off x="4918414" y="3183253"/>
             <a:ext cx="152400" cy="152400"/>
           </a:xfrm>
           <a:prstGeom prst="rect">
@@ -7703,8 +5803,8 @@
           </a:p>
         </p:txBody>
       </p:sp>
-      <mc:AlternateContent xmlns:mc="http://schemas.openxmlformats.org/markup-compatibility/2006">
-        <mc:Choice xmlns:a14="http://schemas.microsoft.com/office/drawing/2010/main" Requires="a14">
+      <mc:AlternateContent xmlns:mc="http://schemas.openxmlformats.org/markup-compatibility/2006" xmlns:a14="http://schemas.microsoft.com/office/drawing/2010/main">
+        <mc:Choice Requires="a14">
           <p:sp>
             <p:nvSpPr>
               <p:cNvPr id="24" name="TextBox 23"/>
@@ -7756,7 +5856,7 @@
             </p:txBody>
           </p:sp>
         </mc:Choice>
-        <mc:Fallback>
+        <mc:Fallback xmlns="">
           <p:sp>
             <p:nvSpPr>
               <p:cNvPr id="24" name="TextBox 23"/>
@@ -7850,10 +5950,10 @@
       </p:sp>
       <p:grpSp>
         <p:nvGrpSpPr>
-          <p:cNvPr id="26" name="Group 25">
+          <p:cNvPr id="12" name="Group 11">
             <a:extLst>
               <a:ext uri="{FF2B5EF4-FFF2-40B4-BE49-F238E27FC236}">
-                <a16:creationId xmlns:a16="http://schemas.microsoft.com/office/drawing/2014/main" id="{50A214C8-E5C6-4887-BE1A-AD55DB24B3C3}"/>
+                <a16:creationId xmlns:a16="http://schemas.microsoft.com/office/drawing/2014/main" id="{F954C6C3-3B6D-4151-A30C-4C75E12E89AC}"/>
               </a:ext>
             </a:extLst>
           </p:cNvPr>
@@ -7862,10 +5962,10 @@
         </p:nvGrpSpPr>
         <p:grpSpPr>
           <a:xfrm>
-            <a:off x="1725721" y="3333571"/>
-            <a:ext cx="2711452" cy="2711449"/>
-            <a:chOff x="1629281" y="3331091"/>
-            <a:chExt cx="2711452" cy="2711449"/>
+            <a:off x="2151098" y="3348681"/>
+            <a:ext cx="2272141" cy="2272138"/>
+            <a:chOff x="1937497" y="3575325"/>
+            <a:chExt cx="2272141" cy="2272138"/>
           </a:xfrm>
         </p:grpSpPr>
         <p:sp>
@@ -7876,8 +5976,8 @@
           </p:nvSpPr>
           <p:spPr>
             <a:xfrm>
-              <a:off x="1629281" y="3331091"/>
-              <a:ext cx="2711452" cy="2711449"/>
+              <a:off x="1937497" y="3575325"/>
+              <a:ext cx="2272141" cy="2272138"/>
             </a:xfrm>
             <a:prstGeom prst="ellipse">
               <a:avLst/>
@@ -7927,7 +6027,7 @@
           </p:nvSpPr>
           <p:spPr>
             <a:xfrm>
-              <a:off x="2929406" y="4633869"/>
+              <a:off x="3017966" y="4658448"/>
               <a:ext cx="111202" cy="105893"/>
             </a:xfrm>
             <a:prstGeom prst="ellipse">
@@ -7987,7 +6087,7 @@
             </p:nvSpPr>
             <p:spPr>
               <a:xfrm>
-                <a:off x="5611306" y="2670878"/>
+                <a:off x="5207377" y="2779747"/>
                 <a:ext cx="1066800" cy="391261"/>
               </a:xfrm>
               <a:prstGeom prst="rect">
@@ -8108,7 +6208,7 @@
             </p:nvSpPr>
             <p:spPr>
               <a:xfrm>
-                <a:off x="5611306" y="2670878"/>
+                <a:off x="5207377" y="2779747"/>
                 <a:ext cx="1066800" cy="391261"/>
               </a:xfrm>
               <a:prstGeom prst="rect">
@@ -8117,7 +6217,7 @@
               <a:blipFill>
                 <a:blip r:embed="rId7"/>
                 <a:stretch>
-                  <a:fillRect b="-4688"/>
+                  <a:fillRect b="-3125"/>
                 </a:stretch>
               </a:blipFill>
             </p:spPr>
@@ -8144,8 +6244,8 @@
         </p:nvSpPr>
         <p:spPr>
           <a:xfrm rot="5400000">
-            <a:off x="4786363" y="3108700"/>
-            <a:ext cx="215952" cy="841002"/>
+            <a:off x="4684174" y="3202518"/>
+            <a:ext cx="158716" cy="595793"/>
           </a:xfrm>
           <a:prstGeom prst="rightBrace">
             <a:avLst>
@@ -8204,7 +6304,7 @@
             </p:nvSpPr>
             <p:spPr>
               <a:xfrm>
-                <a:off x="4675009" y="3675047"/>
+                <a:off x="4646625" y="3479618"/>
                 <a:ext cx="457200" cy="369332"/>
               </a:xfrm>
               <a:prstGeom prst="rect">
@@ -8282,7 +6382,7 @@
             </p:nvSpPr>
             <p:spPr>
               <a:xfrm>
-                <a:off x="4675009" y="3675047"/>
+                <a:off x="4646625" y="3479618"/>
                 <a:ext cx="457200" cy="369332"/>
               </a:xfrm>
               <a:prstGeom prst="rect">
@@ -8310,61 +6410,8 @@
           </p:sp>
         </mc:Fallback>
       </mc:AlternateContent>
-      <p:sp>
-        <p:nvSpPr>
-          <p:cNvPr id="33" name="Pie 32"/>
-          <p:cNvSpPr/>
-          <p:nvPr/>
-        </p:nvSpPr>
-        <p:spPr>
-          <a:xfrm rot="10800000">
-            <a:off x="4205036" y="3103287"/>
-            <a:ext cx="457200" cy="457200"/>
-          </a:xfrm>
-          <a:prstGeom prst="pie">
-            <a:avLst>
-              <a:gd name="adj1" fmla="val 18920410"/>
-              <a:gd name="adj2" fmla="val 21599672"/>
-            </a:avLst>
-          </a:prstGeom>
-          <a:noFill/>
-          <a:ln w="15875">
-            <a:solidFill>
-              <a:schemeClr val="tx1"/>
-            </a:solidFill>
-          </a:ln>
-        </p:spPr>
-        <p:style>
-          <a:lnRef idx="2">
-            <a:schemeClr val="accent1">
-              <a:shade val="50000"/>
-            </a:schemeClr>
-          </a:lnRef>
-          <a:fillRef idx="1">
-            <a:schemeClr val="accent1"/>
-          </a:fillRef>
-          <a:effectRef idx="0">
-            <a:schemeClr val="accent1"/>
-          </a:effectRef>
-          <a:fontRef idx="minor">
-            <a:schemeClr val="lt1"/>
-          </a:fontRef>
-        </p:style>
-        <p:txBody>
-          <a:bodyPr rtlCol="0" anchor="ctr"/>
-          <a:lstStyle/>
-          <a:p>
-            <a:pPr algn="ctr"/>
-            <a:endParaRPr lang="en-US">
-              <a:solidFill>
-                <a:prstClr val="black"/>
-              </a:solidFill>
-            </a:endParaRPr>
-          </a:p>
-        </p:txBody>
-      </p:sp>
-      <mc:AlternateContent xmlns:mc="http://schemas.openxmlformats.org/markup-compatibility/2006" xmlns:a14="http://schemas.microsoft.com/office/drawing/2010/main">
-        <mc:Choice Requires="a14">
+      <mc:AlternateContent xmlns:mc="http://schemas.openxmlformats.org/markup-compatibility/2006">
+        <mc:Choice xmlns:a14="http://schemas.microsoft.com/office/drawing/2010/main" Requires="a14">
           <p:sp>
             <p:nvSpPr>
               <p:cNvPr id="34" name="TextBox 33"/>
@@ -8373,7 +6420,7 @@
             </p:nvSpPr>
             <p:spPr>
               <a:xfrm>
-                <a:off x="3847600" y="3310804"/>
+                <a:off x="3915046" y="3288099"/>
                 <a:ext cx="394146" cy="400110"/>
               </a:xfrm>
               <a:prstGeom prst="rect">
@@ -8416,7 +6463,7 @@
             </p:txBody>
           </p:sp>
         </mc:Choice>
-        <mc:Fallback xmlns="">
+        <mc:Fallback>
           <p:sp>
             <p:nvSpPr>
               <p:cNvPr id="34" name="TextBox 33"/>
@@ -8427,14 +6474,14 @@
             </p:nvSpPr>
             <p:spPr>
               <a:xfrm>
-                <a:off x="3847600" y="3310804"/>
+                <a:off x="3915046" y="3288099"/>
                 <a:ext cx="394146" cy="400110"/>
               </a:xfrm>
               <a:prstGeom prst="rect">
                 <a:avLst/>
               </a:prstGeom>
-              <a:blipFill rotWithShape="0">
-                <a:blip r:embed="rId11"/>
+              <a:blipFill>
+                <a:blip r:embed="rId9"/>
                 <a:stretch>
                   <a:fillRect/>
                 </a:stretch>
@@ -8463,8 +6510,8 @@
         </p:nvSpPr>
         <p:spPr>
           <a:xfrm rot="16200000">
-            <a:off x="3649929" y="2413931"/>
-            <a:ext cx="215952" cy="1352911"/>
+            <a:off x="3752790" y="2516791"/>
+            <a:ext cx="215952" cy="1147191"/>
           </a:xfrm>
           <a:prstGeom prst="rightBrace">
             <a:avLst>
@@ -8523,7 +6570,7 @@
             </p:nvSpPr>
             <p:spPr>
               <a:xfrm>
-                <a:off x="3478171" y="2610911"/>
+                <a:off x="3589190" y="2629817"/>
                 <a:ext cx="457200" cy="369332"/>
               </a:xfrm>
               <a:prstGeom prst="rect">
@@ -8601,14 +6648,14 @@
             </p:nvSpPr>
             <p:spPr>
               <a:xfrm>
-                <a:off x="3478171" y="2610911"/>
+                <a:off x="3589190" y="2629817"/>
                 <a:ext cx="457200" cy="369332"/>
               </a:xfrm>
               <a:prstGeom prst="rect">
                 <a:avLst/>
               </a:prstGeom>
               <a:blipFill>
-                <a:blip r:embed="rId12"/>
+                <a:blip r:embed="rId10"/>
                 <a:stretch>
                   <a:fillRect/>
                 </a:stretch>
@@ -8643,8 +6690,8 @@
         </p:nvSpPr>
         <p:spPr>
           <a:xfrm>
-            <a:off x="5442878" y="2452545"/>
-            <a:ext cx="215952" cy="842359"/>
+            <a:off x="5176618" y="2686381"/>
+            <a:ext cx="152400" cy="624423"/>
           </a:xfrm>
           <a:prstGeom prst="rightBrace">
             <a:avLst>
@@ -8704,15 +6751,13 @@
           </p:cNvPr>
           <p:cNvCxnSpPr>
             <a:cxnSpLocks/>
-            <a:stCxn id="19" idx="4"/>
-            <a:endCxn id="28" idx="0"/>
           </p:cNvCxnSpPr>
           <p:nvPr/>
         </p:nvCxnSpPr>
         <p:spPr>
           <a:xfrm>
-            <a:off x="3081447" y="3401628"/>
-            <a:ext cx="0" cy="1234721"/>
+            <a:off x="3287168" y="3343275"/>
+            <a:ext cx="0" cy="1134226"/>
           </a:xfrm>
           <a:prstGeom prst="straightConnector1">
             <a:avLst/>
@@ -8741,10 +6786,67 @@
           </a:fontRef>
         </p:style>
       </p:cxnSp>
+      <p:sp>
+        <p:nvSpPr>
+          <p:cNvPr id="27" name="Oval 26"/>
+          <p:cNvSpPr/>
+          <p:nvPr/>
+        </p:nvSpPr>
+        <p:spPr>
+          <a:xfrm>
+            <a:off x="5015840" y="2626258"/>
+            <a:ext cx="111202" cy="105893"/>
+          </a:xfrm>
+          <a:prstGeom prst="ellipse">
+            <a:avLst/>
+          </a:prstGeom>
+          <a:solidFill>
+            <a:schemeClr val="tx1"/>
+          </a:solidFill>
+          <a:ln>
+            <a:noFill/>
+          </a:ln>
+          <a:effectLst>
+            <a:outerShdw blurRad="50800" dist="38100" dir="2700000" algn="tl" rotWithShape="0">
+              <a:prstClr val="black">
+                <a:alpha val="40000"/>
+              </a:prstClr>
+            </a:outerShdw>
+          </a:effectLst>
+        </p:spPr>
+        <p:style>
+          <a:lnRef idx="2">
+            <a:schemeClr val="accent1">
+              <a:shade val="50000"/>
+            </a:schemeClr>
+          </a:lnRef>
+          <a:fillRef idx="1">
+            <a:schemeClr val="accent1"/>
+          </a:fillRef>
+          <a:effectRef idx="0">
+            <a:schemeClr val="accent1"/>
+          </a:effectRef>
+          <a:fontRef idx="minor">
+            <a:schemeClr val="lt1"/>
+          </a:fontRef>
+        </p:style>
+        <p:txBody>
+          <a:bodyPr rtlCol="0" anchor="ctr"/>
+          <a:lstStyle/>
+          <a:p>
+            <a:pPr algn="ctr"/>
+            <a:endParaRPr lang="en-US">
+              <a:solidFill>
+                <a:prstClr val="white"/>
+              </a:solidFill>
+            </a:endParaRPr>
+          </a:p>
+        </p:txBody>
+      </p:sp>
     </p:spTree>
     <p:extLst>
       <p:ext uri="{BB962C8B-B14F-4D97-AF65-F5344CB8AC3E}">
-        <p14:creationId xmlns:p14="http://schemas.microsoft.com/office/powerpoint/2010/main" val="2249907278"/>
+        <p14:creationId xmlns:p14="http://schemas.microsoft.com/office/powerpoint/2010/main" val="2084266725"/>
       </p:ext>
     </p:extLst>
   </p:cSld>
@@ -9517,68 +7619,15 @@
                                   </p:childTnLst>
                                 </p:cTn>
                               </p:par>
-                            </p:childTnLst>
-                          </p:cTn>
-                        </p:par>
-                      </p:childTnLst>
-                    </p:cTn>
-                  </p:par>
-                  <p:par>
-                    <p:cTn id="71" fill="hold">
-                      <p:stCondLst>
-                        <p:cond delay="indefinite"/>
-                      </p:stCondLst>
-                      <p:childTnLst>
-                        <p:par>
-                          <p:cTn id="72" fill="hold">
-                            <p:stCondLst>
-                              <p:cond delay="0"/>
-                            </p:stCondLst>
-                            <p:childTnLst>
                               <p:par>
-                                <p:cTn id="73" presetID="10" presetClass="entr" presetSubtype="0" fill="hold" grpId="0" nodeType="clickEffect">
+                                <p:cTn id="71" presetID="10" presetClass="entr" presetSubtype="0" fill="hold" grpId="0" nodeType="withEffect">
                                   <p:stCondLst>
                                     <p:cond delay="0"/>
                                   </p:stCondLst>
                                   <p:childTnLst>
                                     <p:set>
                                       <p:cBhvr>
-                                        <p:cTn id="74" dur="1" fill="hold">
-                                          <p:stCondLst>
-                                            <p:cond delay="0"/>
-                                          </p:stCondLst>
-                                        </p:cTn>
-                                        <p:tgtEl>
-                                          <p:spTgt spid="33"/>
-                                        </p:tgtEl>
-                                        <p:attrNameLst>
-                                          <p:attrName>style.visibility</p:attrName>
-                                        </p:attrNameLst>
-                                      </p:cBhvr>
-                                      <p:to>
-                                        <p:strVal val="visible"/>
-                                      </p:to>
-                                    </p:set>
-                                    <p:animEffect transition="in" filter="fade">
-                                      <p:cBhvr>
-                                        <p:cTn id="75" dur="500"/>
-                                        <p:tgtEl>
-                                          <p:spTgt spid="33"/>
-                                        </p:tgtEl>
-                                      </p:cBhvr>
-                                    </p:animEffect>
-                                  </p:childTnLst>
-                                </p:cTn>
-                              </p:par>
-                              <p:par>
-                                <p:cTn id="76" presetID="10" presetClass="entr" presetSubtype="0" fill="hold" grpId="0" nodeType="withEffect">
-                                  <p:stCondLst>
-                                    <p:cond delay="0"/>
-                                  </p:stCondLst>
-                                  <p:childTnLst>
-                                    <p:set>
-                                      <p:cBhvr>
-                                        <p:cTn id="77" dur="1" fill="hold">
+                                        <p:cTn id="72" dur="1" fill="hold">
                                           <p:stCondLst>
                                             <p:cond delay="0"/>
                                           </p:stCondLst>
@@ -9596,7 +7645,7 @@
                                     </p:set>
                                     <p:animEffect transition="in" filter="fade">
                                       <p:cBhvr>
-                                        <p:cTn id="78" dur="500"/>
+                                        <p:cTn id="73" dur="500"/>
                                         <p:tgtEl>
                                           <p:spTgt spid="34"/>
                                         </p:tgtEl>
@@ -9612,26 +7661,26 @@
                     </p:cTn>
                   </p:par>
                   <p:par>
-                    <p:cTn id="79" fill="hold">
+                    <p:cTn id="74" fill="hold">
                       <p:stCondLst>
                         <p:cond delay="indefinite"/>
                       </p:stCondLst>
                       <p:childTnLst>
                         <p:par>
-                          <p:cTn id="80" fill="hold">
+                          <p:cTn id="75" fill="hold">
                             <p:stCondLst>
                               <p:cond delay="0"/>
                             </p:stCondLst>
                             <p:childTnLst>
                               <p:par>
-                                <p:cTn id="81" presetID="10" presetClass="entr" presetSubtype="0" fill="hold" grpId="0" nodeType="clickEffect">
+                                <p:cTn id="76" presetID="10" presetClass="entr" presetSubtype="0" fill="hold" grpId="0" nodeType="clickEffect">
                                   <p:stCondLst>
                                     <p:cond delay="0"/>
                                   </p:stCondLst>
                                   <p:childTnLst>
                                     <p:set>
                                       <p:cBhvr>
-                                        <p:cTn id="82" dur="1" fill="hold">
+                                        <p:cTn id="77" dur="1" fill="hold">
                                           <p:stCondLst>
                                             <p:cond delay="0"/>
                                           </p:stCondLst>
@@ -9649,7 +7698,7 @@
                                     </p:set>
                                     <p:animEffect transition="in" filter="fade">
                                       <p:cBhvr>
-                                        <p:cTn id="83" dur="500"/>
+                                        <p:cTn id="78" dur="500"/>
                                         <p:tgtEl>
                                           <p:spTgt spid="35"/>
                                         </p:tgtEl>
@@ -9659,14 +7708,14 @@
                                 </p:cTn>
                               </p:par>
                               <p:par>
-                                <p:cTn id="84" presetID="10" presetClass="entr" presetSubtype="0" fill="hold" grpId="0" nodeType="withEffect">
+                                <p:cTn id="79" presetID="10" presetClass="entr" presetSubtype="0" fill="hold" grpId="0" nodeType="withEffect">
                                   <p:stCondLst>
                                     <p:cond delay="0"/>
                                   </p:stCondLst>
                                   <p:childTnLst>
                                     <p:set>
                                       <p:cBhvr>
-                                        <p:cTn id="85" dur="1" fill="hold">
+                                        <p:cTn id="80" dur="1" fill="hold">
                                           <p:stCondLst>
                                             <p:cond delay="0"/>
                                           </p:stCondLst>
@@ -9684,7 +7733,7 @@
                                     </p:set>
                                     <p:animEffect transition="in" filter="fade">
                                       <p:cBhvr>
-                                        <p:cTn id="86" dur="500"/>
+                                        <p:cTn id="81" dur="500"/>
                                         <p:tgtEl>
                                           <p:spTgt spid="36"/>
                                         </p:tgtEl>
@@ -9700,26 +7749,26 @@
                     </p:cTn>
                   </p:par>
                   <p:par>
-                    <p:cTn id="87" fill="hold">
+                    <p:cTn id="82" fill="hold">
                       <p:stCondLst>
                         <p:cond delay="indefinite"/>
                       </p:stCondLst>
                       <p:childTnLst>
                         <p:par>
-                          <p:cTn id="88" fill="hold">
+                          <p:cTn id="83" fill="hold">
                             <p:stCondLst>
                               <p:cond delay="0"/>
                             </p:stCondLst>
                             <p:childTnLst>
                               <p:par>
-                                <p:cTn id="89" presetID="10" presetClass="entr" presetSubtype="0" fill="hold" grpId="0" nodeType="clickEffect">
+                                <p:cTn id="84" presetID="10" presetClass="entr" presetSubtype="0" fill="hold" grpId="0" nodeType="clickEffect">
                                   <p:stCondLst>
                                     <p:cond delay="0"/>
                                   </p:stCondLst>
                                   <p:childTnLst>
                                     <p:set>
                                       <p:cBhvr>
-                                        <p:cTn id="90" dur="1" fill="hold">
+                                        <p:cTn id="85" dur="1" fill="hold">
                                           <p:stCondLst>
                                             <p:cond delay="0"/>
                                           </p:stCondLst>
@@ -9737,7 +7786,7 @@
                                     </p:set>
                                     <p:animEffect transition="in" filter="fade">
                                       <p:cBhvr>
-                                        <p:cTn id="91" dur="500"/>
+                                        <p:cTn id="86" dur="500"/>
                                         <p:tgtEl>
                                           <p:spTgt spid="32"/>
                                         </p:tgtEl>
@@ -9747,14 +7796,14 @@
                                 </p:cTn>
                               </p:par>
                               <p:par>
-                                <p:cTn id="92" presetID="10" presetClass="entr" presetSubtype="0" fill="hold" nodeType="withEffect">
+                                <p:cTn id="87" presetID="10" presetClass="entr" presetSubtype="0" fill="hold" nodeType="withEffect">
                                   <p:stCondLst>
                                     <p:cond delay="0"/>
                                   </p:stCondLst>
                                   <p:childTnLst>
                                     <p:set>
                                       <p:cBhvr>
-                                        <p:cTn id="93" dur="1" fill="hold">
+                                        <p:cTn id="88" dur="1" fill="hold">
                                           <p:stCondLst>
                                             <p:cond delay="0"/>
                                           </p:stCondLst>
@@ -9772,7 +7821,7 @@
                                     </p:set>
                                     <p:animEffect transition="in" filter="fade">
                                       <p:cBhvr>
-                                        <p:cTn id="94" dur="500"/>
+                                        <p:cTn id="89" dur="500"/>
                                         <p:tgtEl>
                                           <p:spTgt spid="37"/>
                                         </p:tgtEl>
@@ -9822,11 +7871,3495 @@
       <p:bldP spid="29" grpId="0"/>
       <p:bldP spid="30" grpId="0" animBg="1"/>
       <p:bldP spid="31" grpId="0"/>
-      <p:bldP spid="33" grpId="0" animBg="1"/>
       <p:bldP spid="34" grpId="0"/>
       <p:bldP spid="35" grpId="0" animBg="1"/>
       <p:bldP spid="36" grpId="0"/>
       <p:bldP spid="32" grpId="0" animBg="1"/>
+    </p:bldLst>
+  </p:timing>
+</p:sld>
+</file>
+
+<file path=ppt/slides/slide3.xml><?xml version="1.0" encoding="utf-8"?>
+<p:sld xmlns:a="http://schemas.openxmlformats.org/drawingml/2006/main" xmlns:r="http://schemas.openxmlformats.org/officeDocument/2006/relationships" xmlns:p="http://schemas.openxmlformats.org/presentationml/2006/main">
+  <p:cSld>
+    <p:spTree>
+      <p:nvGrpSpPr>
+        <p:cNvPr id="1" name=""/>
+        <p:cNvGrpSpPr/>
+        <p:nvPr/>
+      </p:nvGrpSpPr>
+      <p:grpSpPr>
+        <a:xfrm>
+          <a:off x="0" y="0"/>
+          <a:ext cx="0" cy="0"/>
+          <a:chOff x="0" y="0"/>
+          <a:chExt cx="0" cy="0"/>
+        </a:xfrm>
+      </p:grpSpPr>
+      <p:sp>
+        <p:nvSpPr>
+          <p:cNvPr id="20" name="TextBox 19"/>
+          <p:cNvSpPr txBox="1"/>
+          <p:nvPr/>
+        </p:nvSpPr>
+        <p:spPr>
+          <a:xfrm>
+            <a:off x="2943102" y="2051020"/>
+            <a:ext cx="762000" cy="400110"/>
+          </a:xfrm>
+          <a:prstGeom prst="rect">
+            <a:avLst/>
+          </a:prstGeom>
+          <a:noFill/>
+        </p:spPr>
+        <p:txBody>
+          <a:bodyPr wrap="square" rtlCol="0">
+            <a:spAutoFit/>
+          </a:bodyPr>
+          <a:lstStyle/>
+          <a:p>
+            <a:pPr algn="ctr"/>
+            <a:r>
+              <a:rPr lang="en-US" sz="2000" dirty="0">
+                <a:solidFill>
+                  <a:prstClr val="black"/>
+                </a:solidFill>
+                <a:latin typeface="Times New Roman" pitchFamily="18" charset="0"/>
+                <a:cs typeface="Times New Roman" pitchFamily="18" charset="0"/>
+              </a:rPr>
+              <a:t>POI</a:t>
+            </a:r>
+          </a:p>
+        </p:txBody>
+      </p:sp>
+      <mc:AlternateContent xmlns:mc="http://schemas.openxmlformats.org/markup-compatibility/2006">
+        <mc:Choice xmlns:a14="http://schemas.microsoft.com/office/drawing/2010/main" Requires="a14">
+          <p:sp>
+            <p:nvSpPr>
+              <p:cNvPr id="10" name="TextBox 9"/>
+              <p:cNvSpPr txBox="1"/>
+              <p:nvPr/>
+            </p:nvSpPr>
+            <p:spPr>
+              <a:xfrm>
+                <a:off x="6154846" y="2105039"/>
+                <a:ext cx="1066800" cy="391261"/>
+              </a:xfrm>
+              <a:prstGeom prst="rect">
+                <a:avLst/>
+              </a:prstGeom>
+              <a:noFill/>
+            </p:spPr>
+            <p:txBody>
+              <a:bodyPr wrap="square" rtlCol="0">
+                <a:spAutoFit/>
+              </a:bodyPr>
+              <a:lstStyle/>
+              <a:p>
+                <a:pPr/>
+                <a14:m>
+                  <m:oMathPara xmlns:m="http://schemas.openxmlformats.org/officeDocument/2006/math">
+                    <m:oMathParaPr>
+                      <m:jc m:val="centerGroup"/>
+                    </m:oMathParaPr>
+                    <m:oMath xmlns:m="http://schemas.openxmlformats.org/officeDocument/2006/math">
+                      <m:r>
+                        <a:rPr lang="en-US" i="1" smtClean="0">
+                          <a:solidFill>
+                            <a:prstClr val="black"/>
+                          </a:solidFill>
+                          <a:latin typeface="Cambria Math"/>
+                        </a:rPr>
+                        <m:t>𝑦</m:t>
+                      </m:r>
+                      <m:r>
+                        <a:rPr lang="en-US" i="1" smtClean="0">
+                          <a:solidFill>
+                            <a:prstClr val="black"/>
+                          </a:solidFill>
+                          <a:latin typeface="Cambria Math"/>
+                        </a:rPr>
+                        <m:t>=</m:t>
+                      </m:r>
+                      <m:sSub>
+                        <m:sSubPr>
+                          <m:ctrlPr>
+                            <a:rPr lang="en-US" i="1" smtClean="0">
+                              <a:solidFill>
+                                <a:prstClr val="black"/>
+                              </a:solidFill>
+                              <a:latin typeface="Cambria Math" panose="02040503050406030204" pitchFamily="18" charset="0"/>
+                            </a:rPr>
+                          </m:ctrlPr>
+                        </m:sSubPr>
+                        <m:e>
+                          <m:r>
+                            <a:rPr lang="en-US" i="1" smtClean="0">
+                              <a:solidFill>
+                                <a:prstClr val="black"/>
+                              </a:solidFill>
+                              <a:latin typeface="Cambria Math"/>
+                            </a:rPr>
+                            <m:t>𝑤</m:t>
+                          </m:r>
+                        </m:e>
+                        <m:sub>
+                          <m:r>
+                            <a:rPr lang="en-US" i="1" smtClean="0">
+                              <a:solidFill>
+                                <a:prstClr val="black"/>
+                              </a:solidFill>
+                              <a:latin typeface="Cambria Math"/>
+                            </a:rPr>
+                            <m:t>𝑦</m:t>
+                          </m:r>
+                        </m:sub>
+                      </m:sSub>
+                    </m:oMath>
+                  </m:oMathPara>
+                </a14:m>
+                <a:endParaRPr lang="en-US" dirty="0">
+                  <a:solidFill>
+                    <a:prstClr val="black"/>
+                  </a:solidFill>
+                </a:endParaRPr>
+              </a:p>
+            </p:txBody>
+          </p:sp>
+        </mc:Choice>
+        <mc:Fallback>
+          <p:sp>
+            <p:nvSpPr>
+              <p:cNvPr id="10" name="TextBox 9"/>
+              <p:cNvSpPr txBox="1">
+                <a:spLocks noRot="1" noChangeAspect="1" noMove="1" noResize="1" noEditPoints="1" noAdjustHandles="1" noChangeArrowheads="1" noChangeShapeType="1" noTextEdit="1"/>
+              </p:cNvSpPr>
+              <p:nvPr/>
+            </p:nvSpPr>
+            <p:spPr>
+              <a:xfrm>
+                <a:off x="6154846" y="2105039"/>
+                <a:ext cx="1066800" cy="391261"/>
+              </a:xfrm>
+              <a:prstGeom prst="rect">
+                <a:avLst/>
+              </a:prstGeom>
+              <a:blipFill>
+                <a:blip r:embed="rId2"/>
+                <a:stretch>
+                  <a:fillRect b="-4688"/>
+                </a:stretch>
+              </a:blipFill>
+            </p:spPr>
+            <p:txBody>
+              <a:bodyPr/>
+              <a:lstStyle/>
+              <a:p>
+                <a:r>
+                  <a:rPr lang="en-US">
+                    <a:noFill/>
+                  </a:rPr>
+                  <a:t> </a:t>
+                </a:r>
+              </a:p>
+            </p:txBody>
+          </p:sp>
+        </mc:Fallback>
+      </mc:AlternateContent>
+      <mc:AlternateContent xmlns:mc="http://schemas.openxmlformats.org/markup-compatibility/2006">
+        <mc:Choice xmlns:a14="http://schemas.microsoft.com/office/drawing/2010/main" Requires="a14">
+          <p:sp>
+            <p:nvSpPr>
+              <p:cNvPr id="17" name="TextBox 16"/>
+              <p:cNvSpPr txBox="1"/>
+              <p:nvPr/>
+            </p:nvSpPr>
+            <p:spPr>
+              <a:xfrm>
+                <a:off x="2961073" y="2982317"/>
+                <a:ext cx="457200" cy="369332"/>
+              </a:xfrm>
+              <a:prstGeom prst="rect">
+                <a:avLst/>
+              </a:prstGeom>
+              <a:noFill/>
+            </p:spPr>
+            <p:txBody>
+              <a:bodyPr wrap="square" rtlCol="0">
+                <a:spAutoFit/>
+              </a:bodyPr>
+              <a:lstStyle/>
+              <a:p>
+                <a:pPr/>
+                <a14:m>
+                  <m:oMathPara xmlns:m="http://schemas.openxmlformats.org/officeDocument/2006/math">
+                    <m:oMathParaPr>
+                      <m:jc m:val="centerGroup"/>
+                    </m:oMathParaPr>
+                    <m:oMath xmlns:m="http://schemas.openxmlformats.org/officeDocument/2006/math">
+                      <m:r>
+                        <a:rPr lang="en-US" i="1" smtClean="0">
+                          <a:solidFill>
+                            <a:prstClr val="black"/>
+                          </a:solidFill>
+                          <a:latin typeface="Cambria Math"/>
+                        </a:rPr>
+                        <m:t>𝑟</m:t>
+                      </m:r>
+                    </m:oMath>
+                  </m:oMathPara>
+                </a14:m>
+                <a:endParaRPr lang="en-US" dirty="0">
+                  <a:solidFill>
+                    <a:prstClr val="black"/>
+                  </a:solidFill>
+                </a:endParaRPr>
+              </a:p>
+            </p:txBody>
+          </p:sp>
+        </mc:Choice>
+        <mc:Fallback>
+          <p:sp>
+            <p:nvSpPr>
+              <p:cNvPr id="17" name="TextBox 16"/>
+              <p:cNvSpPr txBox="1">
+                <a:spLocks noRot="1" noChangeAspect="1" noMove="1" noResize="1" noEditPoints="1" noAdjustHandles="1" noChangeArrowheads="1" noChangeShapeType="1" noTextEdit="1"/>
+              </p:cNvSpPr>
+              <p:nvPr/>
+            </p:nvSpPr>
+            <p:spPr>
+              <a:xfrm>
+                <a:off x="2961073" y="2982317"/>
+                <a:ext cx="457200" cy="369332"/>
+              </a:xfrm>
+              <a:prstGeom prst="rect">
+                <a:avLst/>
+              </a:prstGeom>
+              <a:blipFill>
+                <a:blip r:embed="rId3"/>
+                <a:stretch>
+                  <a:fillRect/>
+                </a:stretch>
+              </a:blipFill>
+            </p:spPr>
+            <p:txBody>
+              <a:bodyPr/>
+              <a:lstStyle/>
+              <a:p>
+                <a:r>
+                  <a:rPr lang="en-US">
+                    <a:noFill/>
+                  </a:rPr>
+                  <a:t> </a:t>
+                </a:r>
+              </a:p>
+            </p:txBody>
+          </p:sp>
+        </mc:Fallback>
+      </mc:AlternateContent>
+      <p:sp>
+        <p:nvSpPr>
+          <p:cNvPr id="18" name="Rectangle 17"/>
+          <p:cNvSpPr/>
+          <p:nvPr/>
+        </p:nvSpPr>
+        <p:spPr>
+          <a:xfrm>
+            <a:off x="3342073" y="2516604"/>
+            <a:ext cx="152400" cy="152400"/>
+          </a:xfrm>
+          <a:prstGeom prst="rect">
+            <a:avLst/>
+          </a:prstGeom>
+          <a:noFill/>
+          <a:ln w="15875">
+            <a:solidFill>
+              <a:schemeClr val="tx1"/>
+            </a:solidFill>
+          </a:ln>
+        </p:spPr>
+        <p:style>
+          <a:lnRef idx="2">
+            <a:schemeClr val="accent1">
+              <a:shade val="50000"/>
+            </a:schemeClr>
+          </a:lnRef>
+          <a:fillRef idx="1">
+            <a:schemeClr val="accent1"/>
+          </a:fillRef>
+          <a:effectRef idx="0">
+            <a:schemeClr val="accent1"/>
+          </a:effectRef>
+          <a:fontRef idx="minor">
+            <a:schemeClr val="lt1"/>
+          </a:fontRef>
+        </p:style>
+        <p:txBody>
+          <a:bodyPr rtlCol="0" anchor="ctr"/>
+          <a:lstStyle/>
+          <a:p>
+            <a:pPr algn="ctr"/>
+            <a:endParaRPr lang="en-US">
+              <a:solidFill>
+                <a:prstClr val="white"/>
+              </a:solidFill>
+            </a:endParaRPr>
+          </a:p>
+        </p:txBody>
+      </p:sp>
+      <p:sp>
+        <p:nvSpPr>
+          <p:cNvPr id="19" name="Oval 18"/>
+          <p:cNvSpPr/>
+          <p:nvPr/>
+        </p:nvSpPr>
+        <p:spPr>
+          <a:xfrm>
+            <a:off x="3281047" y="2467958"/>
+            <a:ext cx="111202" cy="105893"/>
+          </a:xfrm>
+          <a:prstGeom prst="ellipse">
+            <a:avLst/>
+          </a:prstGeom>
+          <a:solidFill>
+            <a:schemeClr val="tx1"/>
+          </a:solidFill>
+          <a:ln>
+            <a:noFill/>
+          </a:ln>
+          <a:effectLst>
+            <a:outerShdw blurRad="50800" dist="38100" dir="2700000" algn="tl" rotWithShape="0">
+              <a:prstClr val="black">
+                <a:alpha val="40000"/>
+              </a:prstClr>
+            </a:outerShdw>
+          </a:effectLst>
+        </p:spPr>
+        <p:style>
+          <a:lnRef idx="2">
+            <a:schemeClr val="accent1">
+              <a:shade val="50000"/>
+            </a:schemeClr>
+          </a:lnRef>
+          <a:fillRef idx="1">
+            <a:schemeClr val="accent1"/>
+          </a:fillRef>
+          <a:effectRef idx="0">
+            <a:schemeClr val="accent1"/>
+          </a:effectRef>
+          <a:fontRef idx="minor">
+            <a:schemeClr val="lt1"/>
+          </a:fontRef>
+        </p:style>
+        <p:txBody>
+          <a:bodyPr rtlCol="0" anchor="ctr"/>
+          <a:lstStyle/>
+          <a:p>
+            <a:pPr algn="ctr"/>
+            <a:endParaRPr lang="en-US">
+              <a:solidFill>
+                <a:prstClr val="white"/>
+              </a:solidFill>
+            </a:endParaRPr>
+          </a:p>
+        </p:txBody>
+      </p:sp>
+      <p:cxnSp>
+        <p:nvCxnSpPr>
+          <p:cNvPr id="22" name="Straight Arrow Connector 21"/>
+          <p:cNvCxnSpPr>
+            <a:cxnSpLocks/>
+            <a:stCxn id="27" idx="4"/>
+            <a:endCxn id="41" idx="0"/>
+          </p:cNvCxnSpPr>
+          <p:nvPr/>
+        </p:nvCxnSpPr>
+        <p:spPr>
+          <a:xfrm flipH="1">
+            <a:off x="5111113" y="1913001"/>
+            <a:ext cx="11128" cy="3524564"/>
+          </a:xfrm>
+          <a:prstGeom prst="straightConnector1">
+            <a:avLst/>
+          </a:prstGeom>
+          <a:ln w="22225" cap="rnd">
+            <a:solidFill>
+              <a:schemeClr val="tx1"/>
+            </a:solidFill>
+            <a:prstDash val="solid"/>
+            <a:headEnd type="none"/>
+            <a:tailEnd type="none"/>
+          </a:ln>
+        </p:spPr>
+        <p:style>
+          <a:lnRef idx="1">
+            <a:schemeClr val="accent1"/>
+          </a:lnRef>
+          <a:fillRef idx="0">
+            <a:schemeClr val="accent1"/>
+          </a:fillRef>
+          <a:effectRef idx="0">
+            <a:schemeClr val="accent1"/>
+          </a:effectRef>
+          <a:fontRef idx="minor">
+            <a:schemeClr val="tx1"/>
+          </a:fontRef>
+        </p:style>
+      </p:cxnSp>
+      <p:sp>
+        <p:nvSpPr>
+          <p:cNvPr id="23" name="Rectangle 22"/>
+          <p:cNvSpPr/>
+          <p:nvPr/>
+        </p:nvSpPr>
+        <p:spPr>
+          <a:xfrm>
+            <a:off x="4958714" y="3504944"/>
+            <a:ext cx="152400" cy="152400"/>
+          </a:xfrm>
+          <a:prstGeom prst="rect">
+            <a:avLst/>
+          </a:prstGeom>
+          <a:noFill/>
+          <a:ln w="15875">
+            <a:solidFill>
+              <a:schemeClr val="tx1"/>
+            </a:solidFill>
+          </a:ln>
+        </p:spPr>
+        <p:style>
+          <a:lnRef idx="2">
+            <a:schemeClr val="accent1">
+              <a:shade val="50000"/>
+            </a:schemeClr>
+          </a:lnRef>
+          <a:fillRef idx="1">
+            <a:schemeClr val="accent1"/>
+          </a:fillRef>
+          <a:effectRef idx="0">
+            <a:schemeClr val="accent1"/>
+          </a:effectRef>
+          <a:fontRef idx="minor">
+            <a:schemeClr val="lt1"/>
+          </a:fontRef>
+        </p:style>
+        <p:txBody>
+          <a:bodyPr rtlCol="0" anchor="ctr"/>
+          <a:lstStyle/>
+          <a:p>
+            <a:pPr algn="ctr"/>
+            <a:endParaRPr lang="en-US">
+              <a:solidFill>
+                <a:prstClr val="white"/>
+              </a:solidFill>
+            </a:endParaRPr>
+          </a:p>
+        </p:txBody>
+      </p:sp>
+      <p:grpSp>
+        <p:nvGrpSpPr>
+          <p:cNvPr id="12" name="Group 11">
+            <a:extLst>
+              <a:ext uri="{FF2B5EF4-FFF2-40B4-BE49-F238E27FC236}">
+                <a16:creationId xmlns:a16="http://schemas.microsoft.com/office/drawing/2014/main" id="{F954C6C3-3B6D-4151-A30C-4C75E12E89AC}"/>
+              </a:ext>
+            </a:extLst>
+          </p:cNvPr>
+          <p:cNvGrpSpPr/>
+          <p:nvPr/>
+        </p:nvGrpSpPr>
+        <p:grpSpPr>
+          <a:xfrm>
+            <a:off x="2201898" y="2529531"/>
+            <a:ext cx="2272141" cy="2272138"/>
+            <a:chOff x="1937497" y="3575325"/>
+            <a:chExt cx="2272141" cy="2272138"/>
+          </a:xfrm>
+        </p:grpSpPr>
+        <p:sp>
+          <p:nvSpPr>
+            <p:cNvPr id="15" name="Oval 14"/>
+            <p:cNvSpPr/>
+            <p:nvPr/>
+          </p:nvSpPr>
+          <p:spPr>
+            <a:xfrm>
+              <a:off x="1937497" y="3575325"/>
+              <a:ext cx="2272141" cy="2272138"/>
+            </a:xfrm>
+            <a:prstGeom prst="ellipse">
+              <a:avLst/>
+            </a:prstGeom>
+            <a:noFill/>
+            <a:ln w="19050">
+              <a:solidFill>
+                <a:schemeClr val="tx1"/>
+              </a:solidFill>
+              <a:prstDash val="dash"/>
+            </a:ln>
+          </p:spPr>
+          <p:style>
+            <a:lnRef idx="2">
+              <a:schemeClr val="accent1">
+                <a:shade val="50000"/>
+              </a:schemeClr>
+            </a:lnRef>
+            <a:fillRef idx="1">
+              <a:schemeClr val="accent1"/>
+            </a:fillRef>
+            <a:effectRef idx="0">
+              <a:schemeClr val="accent1"/>
+            </a:effectRef>
+            <a:fontRef idx="minor">
+              <a:schemeClr val="lt1"/>
+            </a:fontRef>
+          </p:style>
+          <p:txBody>
+            <a:bodyPr rtlCol="0" anchor="ctr"/>
+            <a:lstStyle/>
+            <a:p>
+              <a:pPr algn="ctr"/>
+              <a:endParaRPr lang="en-US">
+                <a:solidFill>
+                  <a:prstClr val="white"/>
+                </a:solidFill>
+              </a:endParaRPr>
+            </a:p>
+          </p:txBody>
+        </p:sp>
+        <p:sp>
+          <p:nvSpPr>
+            <p:cNvPr id="28" name="Oval 27"/>
+            <p:cNvSpPr/>
+            <p:nvPr/>
+          </p:nvSpPr>
+          <p:spPr>
+            <a:xfrm>
+              <a:off x="3017966" y="4658448"/>
+              <a:ext cx="111202" cy="105893"/>
+            </a:xfrm>
+            <a:prstGeom prst="ellipse">
+              <a:avLst/>
+            </a:prstGeom>
+            <a:solidFill>
+              <a:schemeClr val="tx1"/>
+            </a:solidFill>
+            <a:ln>
+              <a:noFill/>
+            </a:ln>
+            <a:effectLst>
+              <a:outerShdw blurRad="50800" dist="38100" dir="2700000" algn="tl" rotWithShape="0">
+                <a:prstClr val="black">
+                  <a:alpha val="40000"/>
+                </a:prstClr>
+              </a:outerShdw>
+            </a:effectLst>
+          </p:spPr>
+          <p:style>
+            <a:lnRef idx="2">
+              <a:schemeClr val="accent1">
+                <a:shade val="50000"/>
+              </a:schemeClr>
+            </a:lnRef>
+            <a:fillRef idx="1">
+              <a:schemeClr val="accent1"/>
+            </a:fillRef>
+            <a:effectRef idx="0">
+              <a:schemeClr val="accent1"/>
+            </a:effectRef>
+            <a:fontRef idx="minor">
+              <a:schemeClr val="lt1"/>
+            </a:fontRef>
+          </p:style>
+          <p:txBody>
+            <a:bodyPr rtlCol="0" anchor="ctr"/>
+            <a:lstStyle/>
+            <a:p>
+              <a:pPr algn="ctr"/>
+              <a:endParaRPr lang="en-US">
+                <a:solidFill>
+                  <a:prstClr val="white"/>
+                </a:solidFill>
+              </a:endParaRPr>
+            </a:p>
+          </p:txBody>
+        </p:sp>
+      </p:grpSp>
+      <p:sp>
+        <p:nvSpPr>
+          <p:cNvPr id="35" name="Right Brace 34"/>
+          <p:cNvSpPr/>
+          <p:nvPr/>
+        </p:nvSpPr>
+        <p:spPr>
+          <a:xfrm>
+            <a:off x="5249367" y="1846972"/>
+            <a:ext cx="215952" cy="1808459"/>
+          </a:xfrm>
+          <a:prstGeom prst="rightBrace">
+            <a:avLst>
+              <a:gd name="adj1" fmla="val 35873"/>
+              <a:gd name="adj2" fmla="val 50000"/>
+            </a:avLst>
+          </a:prstGeom>
+          <a:ln w="19050" cap="rnd">
+            <a:solidFill>
+              <a:schemeClr val="tx1"/>
+            </a:solidFill>
+            <a:round/>
+          </a:ln>
+          <a:effectLst>
+            <a:outerShdw blurRad="50800" dist="38100" dir="2700000" algn="tl" rotWithShape="0">
+              <a:prstClr val="black">
+                <a:alpha val="40000"/>
+              </a:prstClr>
+            </a:outerShdw>
+          </a:effectLst>
+        </p:spPr>
+        <p:style>
+          <a:lnRef idx="1">
+            <a:schemeClr val="accent1"/>
+          </a:lnRef>
+          <a:fillRef idx="0">
+            <a:schemeClr val="accent1"/>
+          </a:fillRef>
+          <a:effectRef idx="0">
+            <a:schemeClr val="accent1"/>
+          </a:effectRef>
+          <a:fontRef idx="minor">
+            <a:schemeClr val="tx1"/>
+          </a:fontRef>
+        </p:style>
+        <p:txBody>
+          <a:bodyPr rtlCol="0" anchor="ctr"/>
+          <a:lstStyle/>
+          <a:p>
+            <a:pPr algn="ctr"/>
+            <a:endParaRPr lang="en-US">
+              <a:solidFill>
+                <a:prstClr val="black"/>
+              </a:solidFill>
+            </a:endParaRPr>
+          </a:p>
+        </p:txBody>
+      </p:sp>
+      <p:cxnSp>
+        <p:nvCxnSpPr>
+          <p:cNvPr id="37" name="Straight Arrow Connector 36">
+            <a:extLst>
+              <a:ext uri="{FF2B5EF4-FFF2-40B4-BE49-F238E27FC236}">
+                <a16:creationId xmlns:a16="http://schemas.microsoft.com/office/drawing/2014/main" id="{796AF3A6-8BB2-4101-9104-F2277CDDAA19}"/>
+              </a:ext>
+            </a:extLst>
+          </p:cNvPr>
+          <p:cNvCxnSpPr>
+            <a:cxnSpLocks/>
+          </p:cNvCxnSpPr>
+          <p:nvPr/>
+        </p:nvCxnSpPr>
+        <p:spPr>
+          <a:xfrm>
+            <a:off x="3337968" y="2524125"/>
+            <a:ext cx="0" cy="1134226"/>
+          </a:xfrm>
+          <a:prstGeom prst="straightConnector1">
+            <a:avLst/>
+          </a:prstGeom>
+          <a:ln w="22225" cap="rnd">
+            <a:solidFill>
+              <a:schemeClr val="tx1"/>
+            </a:solidFill>
+            <a:prstDash val="solid"/>
+            <a:headEnd type="none"/>
+            <a:tailEnd type="none"/>
+          </a:ln>
+        </p:spPr>
+        <p:style>
+          <a:lnRef idx="1">
+            <a:schemeClr val="accent1"/>
+          </a:lnRef>
+          <a:fillRef idx="0">
+            <a:schemeClr val="accent1"/>
+          </a:fillRef>
+          <a:effectRef idx="0">
+            <a:schemeClr val="accent1"/>
+          </a:effectRef>
+          <a:fontRef idx="minor">
+            <a:schemeClr val="tx1"/>
+          </a:fontRef>
+        </p:style>
+      </p:cxnSp>
+      <p:grpSp>
+        <p:nvGrpSpPr>
+          <p:cNvPr id="26" name="Group 25">
+            <a:extLst>
+              <a:ext uri="{FF2B5EF4-FFF2-40B4-BE49-F238E27FC236}">
+                <a16:creationId xmlns:a16="http://schemas.microsoft.com/office/drawing/2014/main" id="{59900D13-3125-4B25-8667-5211B9FFC6DF}"/>
+              </a:ext>
+            </a:extLst>
+          </p:cNvPr>
+          <p:cNvGrpSpPr/>
+          <p:nvPr/>
+        </p:nvGrpSpPr>
+        <p:grpSpPr>
+          <a:xfrm>
+            <a:off x="3986171" y="730988"/>
+            <a:ext cx="2272141" cy="2258132"/>
+            <a:chOff x="3986171" y="730988"/>
+            <a:chExt cx="2272141" cy="2258132"/>
+          </a:xfrm>
+        </p:grpSpPr>
+        <p:sp>
+          <p:nvSpPr>
+            <p:cNvPr id="6" name="Oval 5"/>
+            <p:cNvSpPr/>
+            <p:nvPr/>
+          </p:nvSpPr>
+          <p:spPr>
+            <a:xfrm>
+              <a:off x="3986171" y="730988"/>
+              <a:ext cx="2272141" cy="2258132"/>
+            </a:xfrm>
+            <a:prstGeom prst="ellipse">
+              <a:avLst/>
+            </a:prstGeom>
+            <a:solidFill>
+              <a:schemeClr val="bg1">
+                <a:lumMod val="75000"/>
+                <a:alpha val="34000"/>
+              </a:schemeClr>
+            </a:solidFill>
+            <a:ln w="19050">
+              <a:solidFill>
+                <a:schemeClr val="bg1">
+                  <a:lumMod val="65000"/>
+                </a:schemeClr>
+              </a:solidFill>
+            </a:ln>
+            <a:effectLst/>
+          </p:spPr>
+          <p:style>
+            <a:lnRef idx="2">
+              <a:schemeClr val="accent1">
+                <a:shade val="50000"/>
+              </a:schemeClr>
+            </a:lnRef>
+            <a:fillRef idx="1">
+              <a:schemeClr val="accent1"/>
+            </a:fillRef>
+            <a:effectRef idx="0">
+              <a:schemeClr val="accent1"/>
+            </a:effectRef>
+            <a:fontRef idx="minor">
+              <a:schemeClr val="lt1"/>
+            </a:fontRef>
+          </p:style>
+          <p:txBody>
+            <a:bodyPr rtlCol="0" anchor="ctr"/>
+            <a:lstStyle/>
+            <a:p>
+              <a:pPr algn="ctr"/>
+              <a:endParaRPr lang="en-US">
+                <a:solidFill>
+                  <a:prstClr val="white"/>
+                </a:solidFill>
+              </a:endParaRPr>
+            </a:p>
+          </p:txBody>
+        </p:sp>
+        <p:sp>
+          <p:nvSpPr>
+            <p:cNvPr id="27" name="Oval 26"/>
+            <p:cNvSpPr/>
+            <p:nvPr/>
+          </p:nvSpPr>
+          <p:spPr>
+            <a:xfrm>
+              <a:off x="5066640" y="1807108"/>
+              <a:ext cx="111202" cy="105893"/>
+            </a:xfrm>
+            <a:prstGeom prst="ellipse">
+              <a:avLst/>
+            </a:prstGeom>
+            <a:solidFill>
+              <a:schemeClr val="tx1"/>
+            </a:solidFill>
+            <a:ln>
+              <a:noFill/>
+            </a:ln>
+            <a:effectLst>
+              <a:outerShdw blurRad="50800" dist="38100" dir="2700000" algn="tl" rotWithShape="0">
+                <a:prstClr val="black">
+                  <a:alpha val="40000"/>
+                </a:prstClr>
+              </a:outerShdw>
+            </a:effectLst>
+          </p:spPr>
+          <p:style>
+            <a:lnRef idx="2">
+              <a:schemeClr val="accent1">
+                <a:shade val="50000"/>
+              </a:schemeClr>
+            </a:lnRef>
+            <a:fillRef idx="1">
+              <a:schemeClr val="accent1"/>
+            </a:fillRef>
+            <a:effectRef idx="0">
+              <a:schemeClr val="accent1"/>
+            </a:effectRef>
+            <a:fontRef idx="minor">
+              <a:schemeClr val="lt1"/>
+            </a:fontRef>
+          </p:style>
+          <p:txBody>
+            <a:bodyPr rtlCol="0" anchor="ctr"/>
+            <a:lstStyle/>
+            <a:p>
+              <a:pPr algn="ctr"/>
+              <a:endParaRPr lang="en-US">
+                <a:solidFill>
+                  <a:prstClr val="white"/>
+                </a:solidFill>
+              </a:endParaRPr>
+            </a:p>
+          </p:txBody>
+        </p:sp>
+      </p:grpSp>
+      <p:cxnSp>
+        <p:nvCxnSpPr>
+          <p:cNvPr id="33" name="Straight Arrow Connector 32">
+            <a:extLst>
+              <a:ext uri="{FF2B5EF4-FFF2-40B4-BE49-F238E27FC236}">
+                <a16:creationId xmlns:a16="http://schemas.microsoft.com/office/drawing/2014/main" id="{A64F843D-35FB-465E-93E8-25535F3749E2}"/>
+              </a:ext>
+            </a:extLst>
+          </p:cNvPr>
+          <p:cNvCxnSpPr>
+            <a:cxnSpLocks/>
+          </p:cNvCxnSpPr>
+          <p:nvPr/>
+        </p:nvCxnSpPr>
+        <p:spPr>
+          <a:xfrm flipH="1">
+            <a:off x="3365086" y="3655431"/>
+            <a:ext cx="1755346" cy="0"/>
+          </a:xfrm>
+          <a:prstGeom prst="straightConnector1">
+            <a:avLst/>
+          </a:prstGeom>
+          <a:ln w="22225" cap="rnd">
+            <a:solidFill>
+              <a:schemeClr val="tx1"/>
+            </a:solidFill>
+            <a:prstDash val="solid"/>
+            <a:headEnd type="none"/>
+            <a:tailEnd type="none"/>
+          </a:ln>
+        </p:spPr>
+        <p:style>
+          <a:lnRef idx="1">
+            <a:schemeClr val="accent1"/>
+          </a:lnRef>
+          <a:fillRef idx="0">
+            <a:schemeClr val="accent1"/>
+          </a:fillRef>
+          <a:effectRef idx="0">
+            <a:schemeClr val="accent1"/>
+          </a:effectRef>
+          <a:fontRef idx="minor">
+            <a:schemeClr val="tx1"/>
+          </a:fontRef>
+        </p:style>
+      </p:cxnSp>
+      <p:cxnSp>
+        <p:nvCxnSpPr>
+          <p:cNvPr id="38" name="Straight Arrow Connector 37">
+            <a:extLst>
+              <a:ext uri="{FF2B5EF4-FFF2-40B4-BE49-F238E27FC236}">
+                <a16:creationId xmlns:a16="http://schemas.microsoft.com/office/drawing/2014/main" id="{C845E3D9-30DA-4861-AF14-B977AB0C50B1}"/>
+              </a:ext>
+            </a:extLst>
+          </p:cNvPr>
+          <p:cNvCxnSpPr>
+            <a:cxnSpLocks/>
+          </p:cNvCxnSpPr>
+          <p:nvPr/>
+        </p:nvCxnSpPr>
+        <p:spPr>
+          <a:xfrm flipH="1">
+            <a:off x="3333750" y="1860550"/>
+            <a:ext cx="1784350" cy="1803401"/>
+          </a:xfrm>
+          <a:prstGeom prst="straightConnector1">
+            <a:avLst/>
+          </a:prstGeom>
+          <a:ln w="22225" cap="rnd">
+            <a:solidFill>
+              <a:schemeClr val="tx1"/>
+            </a:solidFill>
+            <a:prstDash val="solid"/>
+            <a:headEnd type="none"/>
+            <a:tailEnd type="none"/>
+          </a:ln>
+        </p:spPr>
+        <p:style>
+          <a:lnRef idx="1">
+            <a:schemeClr val="accent1"/>
+          </a:lnRef>
+          <a:fillRef idx="0">
+            <a:schemeClr val="accent1"/>
+          </a:fillRef>
+          <a:effectRef idx="0">
+            <a:schemeClr val="accent1"/>
+          </a:effectRef>
+          <a:fontRef idx="minor">
+            <a:schemeClr val="tx1"/>
+          </a:fontRef>
+        </p:style>
+      </p:cxnSp>
+      <p:grpSp>
+        <p:nvGrpSpPr>
+          <p:cNvPr id="39" name="Group 38">
+            <a:extLst>
+              <a:ext uri="{FF2B5EF4-FFF2-40B4-BE49-F238E27FC236}">
+                <a16:creationId xmlns:a16="http://schemas.microsoft.com/office/drawing/2014/main" id="{2CCE2A66-57BB-49A7-B678-081DBD66918B}"/>
+              </a:ext>
+            </a:extLst>
+          </p:cNvPr>
+          <p:cNvGrpSpPr/>
+          <p:nvPr/>
+        </p:nvGrpSpPr>
+        <p:grpSpPr>
+          <a:xfrm>
+            <a:off x="3975043" y="4361445"/>
+            <a:ext cx="2272141" cy="2258132"/>
+            <a:chOff x="3986171" y="730988"/>
+            <a:chExt cx="2272141" cy="2258132"/>
+          </a:xfrm>
+        </p:grpSpPr>
+        <p:sp>
+          <p:nvSpPr>
+            <p:cNvPr id="40" name="Oval 39">
+              <a:extLst>
+                <a:ext uri="{FF2B5EF4-FFF2-40B4-BE49-F238E27FC236}">
+                  <a16:creationId xmlns:a16="http://schemas.microsoft.com/office/drawing/2014/main" id="{F2593111-B78A-4C23-BD8E-6A30ACD8D618}"/>
+                </a:ext>
+              </a:extLst>
+            </p:cNvPr>
+            <p:cNvSpPr/>
+            <p:nvPr/>
+          </p:nvSpPr>
+          <p:spPr>
+            <a:xfrm>
+              <a:off x="3986171" y="730988"/>
+              <a:ext cx="2272141" cy="2258132"/>
+            </a:xfrm>
+            <a:prstGeom prst="ellipse">
+              <a:avLst/>
+            </a:prstGeom>
+            <a:solidFill>
+              <a:schemeClr val="accent4">
+                <a:lumMod val="60000"/>
+                <a:lumOff val="40000"/>
+                <a:alpha val="34000"/>
+              </a:schemeClr>
+            </a:solidFill>
+            <a:ln w="19050">
+              <a:solidFill>
+                <a:schemeClr val="tx1"/>
+              </a:solidFill>
+            </a:ln>
+            <a:effectLst/>
+          </p:spPr>
+          <p:style>
+            <a:lnRef idx="2">
+              <a:schemeClr val="accent1">
+                <a:shade val="50000"/>
+              </a:schemeClr>
+            </a:lnRef>
+            <a:fillRef idx="1">
+              <a:schemeClr val="accent1"/>
+            </a:fillRef>
+            <a:effectRef idx="0">
+              <a:schemeClr val="accent1"/>
+            </a:effectRef>
+            <a:fontRef idx="minor">
+              <a:schemeClr val="lt1"/>
+            </a:fontRef>
+          </p:style>
+          <p:txBody>
+            <a:bodyPr rtlCol="0" anchor="ctr"/>
+            <a:lstStyle/>
+            <a:p>
+              <a:pPr algn="ctr"/>
+              <a:endParaRPr lang="en-US">
+                <a:solidFill>
+                  <a:prstClr val="white"/>
+                </a:solidFill>
+              </a:endParaRPr>
+            </a:p>
+          </p:txBody>
+        </p:sp>
+        <p:sp>
+          <p:nvSpPr>
+            <p:cNvPr id="41" name="Oval 40">
+              <a:extLst>
+                <a:ext uri="{FF2B5EF4-FFF2-40B4-BE49-F238E27FC236}">
+                  <a16:creationId xmlns:a16="http://schemas.microsoft.com/office/drawing/2014/main" id="{A7018F2E-AE63-467C-8F4E-33E77ADEDFC8}"/>
+                </a:ext>
+              </a:extLst>
+            </p:cNvPr>
+            <p:cNvSpPr/>
+            <p:nvPr/>
+          </p:nvSpPr>
+          <p:spPr>
+            <a:xfrm>
+              <a:off x="5066640" y="1807108"/>
+              <a:ext cx="111202" cy="105893"/>
+            </a:xfrm>
+            <a:prstGeom prst="ellipse">
+              <a:avLst/>
+            </a:prstGeom>
+            <a:solidFill>
+              <a:schemeClr val="tx1"/>
+            </a:solidFill>
+            <a:ln>
+              <a:noFill/>
+            </a:ln>
+            <a:effectLst>
+              <a:outerShdw blurRad="50800" dist="38100" dir="2700000" algn="tl" rotWithShape="0">
+                <a:prstClr val="black">
+                  <a:alpha val="40000"/>
+                </a:prstClr>
+              </a:outerShdw>
+            </a:effectLst>
+          </p:spPr>
+          <p:style>
+            <a:lnRef idx="2">
+              <a:schemeClr val="accent1">
+                <a:shade val="50000"/>
+              </a:schemeClr>
+            </a:lnRef>
+            <a:fillRef idx="1">
+              <a:schemeClr val="accent1"/>
+            </a:fillRef>
+            <a:effectRef idx="0">
+              <a:schemeClr val="accent1"/>
+            </a:effectRef>
+            <a:fontRef idx="minor">
+              <a:schemeClr val="lt1"/>
+            </a:fontRef>
+          </p:style>
+          <p:txBody>
+            <a:bodyPr rtlCol="0" anchor="ctr"/>
+            <a:lstStyle/>
+            <a:p>
+              <a:pPr algn="ctr"/>
+              <a:endParaRPr lang="en-US">
+                <a:solidFill>
+                  <a:prstClr val="white"/>
+                </a:solidFill>
+              </a:endParaRPr>
+            </a:p>
+          </p:txBody>
+        </p:sp>
+      </p:grpSp>
+      <p:sp>
+        <p:nvSpPr>
+          <p:cNvPr id="42" name="Right Brace 41">
+            <a:extLst>
+              <a:ext uri="{FF2B5EF4-FFF2-40B4-BE49-F238E27FC236}">
+                <a16:creationId xmlns:a16="http://schemas.microsoft.com/office/drawing/2014/main" id="{61092FD7-D368-44F0-A589-2F6A04112E33}"/>
+              </a:ext>
+            </a:extLst>
+          </p:cNvPr>
+          <p:cNvSpPr/>
+          <p:nvPr/>
+        </p:nvSpPr>
+        <p:spPr>
+          <a:xfrm>
+            <a:off x="5249367" y="3682052"/>
+            <a:ext cx="215952" cy="1808459"/>
+          </a:xfrm>
+          <a:prstGeom prst="rightBrace">
+            <a:avLst>
+              <a:gd name="adj1" fmla="val 35873"/>
+              <a:gd name="adj2" fmla="val 50000"/>
+            </a:avLst>
+          </a:prstGeom>
+          <a:ln w="19050" cap="rnd">
+            <a:solidFill>
+              <a:schemeClr val="tx1"/>
+            </a:solidFill>
+            <a:round/>
+          </a:ln>
+          <a:effectLst>
+            <a:outerShdw blurRad="50800" dist="38100" dir="2700000" algn="tl" rotWithShape="0">
+              <a:prstClr val="black">
+                <a:alpha val="40000"/>
+              </a:prstClr>
+            </a:outerShdw>
+          </a:effectLst>
+        </p:spPr>
+        <p:style>
+          <a:lnRef idx="1">
+            <a:schemeClr val="accent1"/>
+          </a:lnRef>
+          <a:fillRef idx="0">
+            <a:schemeClr val="accent1"/>
+          </a:fillRef>
+          <a:effectRef idx="0">
+            <a:schemeClr val="accent1"/>
+          </a:effectRef>
+          <a:fontRef idx="minor">
+            <a:schemeClr val="tx1"/>
+          </a:fontRef>
+        </p:style>
+        <p:txBody>
+          <a:bodyPr rtlCol="0" anchor="ctr"/>
+          <a:lstStyle/>
+          <a:p>
+            <a:pPr algn="ctr"/>
+            <a:endParaRPr lang="en-US">
+              <a:solidFill>
+                <a:prstClr val="black"/>
+              </a:solidFill>
+            </a:endParaRPr>
+          </a:p>
+        </p:txBody>
+      </p:sp>
+      <p:cxnSp>
+        <p:nvCxnSpPr>
+          <p:cNvPr id="43" name="Straight Arrow Connector 42">
+            <a:extLst>
+              <a:ext uri="{FF2B5EF4-FFF2-40B4-BE49-F238E27FC236}">
+                <a16:creationId xmlns:a16="http://schemas.microsoft.com/office/drawing/2014/main" id="{F36296F5-BC56-4C60-984F-94B2029F7923}"/>
+              </a:ext>
+            </a:extLst>
+          </p:cNvPr>
+          <p:cNvCxnSpPr>
+            <a:cxnSpLocks/>
+          </p:cNvCxnSpPr>
+          <p:nvPr/>
+        </p:nvCxnSpPr>
+        <p:spPr>
+          <a:xfrm flipH="1" flipV="1">
+            <a:off x="3340100" y="3657600"/>
+            <a:ext cx="1778000" cy="1835150"/>
+          </a:xfrm>
+          <a:prstGeom prst="straightConnector1">
+            <a:avLst/>
+          </a:prstGeom>
+          <a:ln w="22225" cap="rnd">
+            <a:solidFill>
+              <a:schemeClr val="tx1"/>
+            </a:solidFill>
+            <a:prstDash val="solid"/>
+            <a:headEnd type="none"/>
+            <a:tailEnd type="none"/>
+          </a:ln>
+        </p:spPr>
+        <p:style>
+          <a:lnRef idx="1">
+            <a:schemeClr val="accent1"/>
+          </a:lnRef>
+          <a:fillRef idx="0">
+            <a:schemeClr val="accent1"/>
+          </a:fillRef>
+          <a:effectRef idx="0">
+            <a:schemeClr val="accent1"/>
+          </a:effectRef>
+          <a:fontRef idx="minor">
+            <a:schemeClr val="tx1"/>
+          </a:fontRef>
+        </p:style>
+      </p:cxnSp>
+      <mc:AlternateContent xmlns:mc="http://schemas.openxmlformats.org/markup-compatibility/2006">
+        <mc:Choice xmlns:a14="http://schemas.microsoft.com/office/drawing/2010/main" Requires="a14">
+          <p:sp>
+            <p:nvSpPr>
+              <p:cNvPr id="49" name="TextBox 48">
+                <a:extLst>
+                  <a:ext uri="{FF2B5EF4-FFF2-40B4-BE49-F238E27FC236}">
+                    <a16:creationId xmlns:a16="http://schemas.microsoft.com/office/drawing/2014/main" id="{9F58FAD0-446D-4A19-8ED0-BD427B0D0A93}"/>
+                  </a:ext>
+                </a:extLst>
+              </p:cNvPr>
+              <p:cNvSpPr txBox="1"/>
+              <p:nvPr/>
+            </p:nvSpPr>
+            <p:spPr>
+              <a:xfrm>
+                <a:off x="5382271" y="2552842"/>
+                <a:ext cx="1506267" cy="391261"/>
+              </a:xfrm>
+              <a:prstGeom prst="rect">
+                <a:avLst/>
+              </a:prstGeom>
+              <a:noFill/>
+            </p:spPr>
+            <p:txBody>
+              <a:bodyPr wrap="square" rtlCol="0">
+                <a:spAutoFit/>
+              </a:bodyPr>
+              <a:lstStyle/>
+              <a:p>
+                <a:pPr/>
+                <a14:m>
+                  <m:oMathPara xmlns:m="http://schemas.openxmlformats.org/officeDocument/2006/math">
+                    <m:oMathParaPr>
+                      <m:jc m:val="centerGroup"/>
+                    </m:oMathParaPr>
+                    <m:oMath xmlns:m="http://schemas.openxmlformats.org/officeDocument/2006/math">
+                      <m:sSub>
+                        <m:sSubPr>
+                          <m:ctrlPr>
+                            <a:rPr lang="en-US" i="1" smtClean="0">
+                              <a:solidFill>
+                                <a:prstClr val="black"/>
+                              </a:solidFill>
+                              <a:latin typeface="Cambria Math" panose="02040503050406030204" pitchFamily="18" charset="0"/>
+                            </a:rPr>
+                          </m:ctrlPr>
+                        </m:sSubPr>
+                        <m:e>
+                          <m:r>
+                            <a:rPr lang="en-US" i="1" smtClean="0">
+                              <a:solidFill>
+                                <a:prstClr val="black"/>
+                              </a:solidFill>
+                              <a:latin typeface="Cambria Math"/>
+                            </a:rPr>
+                            <m:t>𝑝</m:t>
+                          </m:r>
+                        </m:e>
+                        <m:sub>
+                          <m:r>
+                            <a:rPr lang="en-US" i="1" smtClean="0">
+                              <a:solidFill>
+                                <a:prstClr val="black"/>
+                              </a:solidFill>
+                              <a:latin typeface="Cambria Math"/>
+                            </a:rPr>
+                            <m:t>𝑦</m:t>
+                          </m:r>
+                        </m:sub>
+                      </m:sSub>
+                      <m:r>
+                        <a:rPr lang="en-US" i="1" smtClean="0">
+                          <a:solidFill>
+                            <a:prstClr val="black"/>
+                          </a:solidFill>
+                          <a:latin typeface="Cambria Math"/>
+                        </a:rPr>
+                        <m:t>−</m:t>
+                      </m:r>
+                      <m:sSub>
+                        <m:sSubPr>
+                          <m:ctrlPr>
+                            <a:rPr lang="en-US" i="1" smtClean="0">
+                              <a:solidFill>
+                                <a:prstClr val="black"/>
+                              </a:solidFill>
+                              <a:latin typeface="Cambria Math" panose="02040503050406030204" pitchFamily="18" charset="0"/>
+                            </a:rPr>
+                          </m:ctrlPr>
+                        </m:sSubPr>
+                        <m:e>
+                          <m:r>
+                            <a:rPr lang="en-US" i="1" smtClean="0">
+                              <a:solidFill>
+                                <a:prstClr val="black"/>
+                              </a:solidFill>
+                              <a:latin typeface="Cambria Math"/>
+                            </a:rPr>
+                            <m:t>𝑤</m:t>
+                          </m:r>
+                        </m:e>
+                        <m:sub>
+                          <m:r>
+                            <a:rPr lang="en-US" i="1" smtClean="0">
+                              <a:solidFill>
+                                <a:prstClr val="black"/>
+                              </a:solidFill>
+                              <a:latin typeface="Cambria Math"/>
+                            </a:rPr>
+                            <m:t>𝑦</m:t>
+                          </m:r>
+                        </m:sub>
+                      </m:sSub>
+                      <m:r>
+                        <a:rPr lang="en-US" b="0" i="1" smtClean="0">
+                          <a:solidFill>
+                            <a:prstClr val="black"/>
+                          </a:solidFill>
+                          <a:latin typeface="Cambria Math" panose="02040503050406030204" pitchFamily="18" charset="0"/>
+                        </a:rPr>
+                        <m:t>+</m:t>
+                      </m:r>
+                      <m:r>
+                        <a:rPr lang="en-US" b="0" i="1" smtClean="0">
+                          <a:solidFill>
+                            <a:prstClr val="black"/>
+                          </a:solidFill>
+                          <a:latin typeface="Cambria Math" panose="02040503050406030204" pitchFamily="18" charset="0"/>
+                        </a:rPr>
+                        <m:t>𝑟</m:t>
+                      </m:r>
+                    </m:oMath>
+                  </m:oMathPara>
+                </a14:m>
+                <a:endParaRPr lang="en-US" dirty="0">
+                  <a:solidFill>
+                    <a:prstClr val="black"/>
+                  </a:solidFill>
+                </a:endParaRPr>
+              </a:p>
+            </p:txBody>
+          </p:sp>
+        </mc:Choice>
+        <mc:Fallback>
+          <p:sp>
+            <p:nvSpPr>
+              <p:cNvPr id="49" name="TextBox 48">
+                <a:extLst>
+                  <a:ext uri="{FF2B5EF4-FFF2-40B4-BE49-F238E27FC236}">
+                    <a16:creationId xmlns:a16="http://schemas.microsoft.com/office/drawing/2014/main" id="{9F58FAD0-446D-4A19-8ED0-BD427B0D0A93}"/>
+                  </a:ext>
+                </a:extLst>
+              </p:cNvPr>
+              <p:cNvSpPr txBox="1">
+                <a:spLocks noRot="1" noChangeAspect="1" noMove="1" noResize="1" noEditPoints="1" noAdjustHandles="1" noChangeArrowheads="1" noChangeShapeType="1" noTextEdit="1"/>
+              </p:cNvSpPr>
+              <p:nvPr/>
+            </p:nvSpPr>
+            <p:spPr>
+              <a:xfrm>
+                <a:off x="5382271" y="2552842"/>
+                <a:ext cx="1506267" cy="391261"/>
+              </a:xfrm>
+              <a:prstGeom prst="rect">
+                <a:avLst/>
+              </a:prstGeom>
+              <a:blipFill>
+                <a:blip r:embed="rId4"/>
+                <a:stretch>
+                  <a:fillRect b="-3125"/>
+                </a:stretch>
+              </a:blipFill>
+            </p:spPr>
+            <p:txBody>
+              <a:bodyPr/>
+              <a:lstStyle/>
+              <a:p>
+                <a:r>
+                  <a:rPr lang="en-US">
+                    <a:noFill/>
+                  </a:rPr>
+                  <a:t> </a:t>
+                </a:r>
+              </a:p>
+            </p:txBody>
+          </p:sp>
+        </mc:Fallback>
+      </mc:AlternateContent>
+      <mc:AlternateContent xmlns:mc="http://schemas.openxmlformats.org/markup-compatibility/2006">
+        <mc:Choice xmlns:a14="http://schemas.microsoft.com/office/drawing/2010/main" Requires="a14">
+          <p:sp>
+            <p:nvSpPr>
+              <p:cNvPr id="50" name="TextBox 49">
+                <a:extLst>
+                  <a:ext uri="{FF2B5EF4-FFF2-40B4-BE49-F238E27FC236}">
+                    <a16:creationId xmlns:a16="http://schemas.microsoft.com/office/drawing/2014/main" id="{6069A3BE-2E4E-45E9-9346-4B9E299870DE}"/>
+                  </a:ext>
+                </a:extLst>
+              </p:cNvPr>
+              <p:cNvSpPr txBox="1"/>
+              <p:nvPr/>
+            </p:nvSpPr>
+            <p:spPr>
+              <a:xfrm>
+                <a:off x="5399626" y="4402846"/>
+                <a:ext cx="1506267" cy="391261"/>
+              </a:xfrm>
+              <a:prstGeom prst="rect">
+                <a:avLst/>
+              </a:prstGeom>
+              <a:noFill/>
+            </p:spPr>
+            <p:txBody>
+              <a:bodyPr wrap="square" rtlCol="0">
+                <a:spAutoFit/>
+              </a:bodyPr>
+              <a:lstStyle/>
+              <a:p>
+                <a:pPr/>
+                <a14:m>
+                  <m:oMathPara xmlns:m="http://schemas.openxmlformats.org/officeDocument/2006/math">
+                    <m:oMathParaPr>
+                      <m:jc m:val="centerGroup"/>
+                    </m:oMathParaPr>
+                    <m:oMath xmlns:m="http://schemas.openxmlformats.org/officeDocument/2006/math">
+                      <m:sSub>
+                        <m:sSubPr>
+                          <m:ctrlPr>
+                            <a:rPr lang="en-US" i="1" smtClean="0">
+                              <a:solidFill>
+                                <a:prstClr val="black"/>
+                              </a:solidFill>
+                              <a:latin typeface="Cambria Math" panose="02040503050406030204" pitchFamily="18" charset="0"/>
+                            </a:rPr>
+                          </m:ctrlPr>
+                        </m:sSubPr>
+                        <m:e>
+                          <m:r>
+                            <a:rPr lang="en-US" i="1" smtClean="0">
+                              <a:solidFill>
+                                <a:prstClr val="black"/>
+                              </a:solidFill>
+                              <a:latin typeface="Cambria Math"/>
+                            </a:rPr>
+                            <m:t>𝑝</m:t>
+                          </m:r>
+                        </m:e>
+                        <m:sub>
+                          <m:r>
+                            <a:rPr lang="en-US" i="1" smtClean="0">
+                              <a:solidFill>
+                                <a:prstClr val="black"/>
+                              </a:solidFill>
+                              <a:latin typeface="Cambria Math"/>
+                            </a:rPr>
+                            <m:t>𝑦</m:t>
+                          </m:r>
+                        </m:sub>
+                      </m:sSub>
+                      <m:r>
+                        <a:rPr lang="en-US" i="1" smtClean="0">
+                          <a:solidFill>
+                            <a:prstClr val="black"/>
+                          </a:solidFill>
+                          <a:latin typeface="Cambria Math"/>
+                        </a:rPr>
+                        <m:t>−</m:t>
+                      </m:r>
+                      <m:sSub>
+                        <m:sSubPr>
+                          <m:ctrlPr>
+                            <a:rPr lang="en-US" i="1" smtClean="0">
+                              <a:solidFill>
+                                <a:prstClr val="black"/>
+                              </a:solidFill>
+                              <a:latin typeface="Cambria Math" panose="02040503050406030204" pitchFamily="18" charset="0"/>
+                            </a:rPr>
+                          </m:ctrlPr>
+                        </m:sSubPr>
+                        <m:e>
+                          <m:r>
+                            <a:rPr lang="en-US" i="1" smtClean="0">
+                              <a:solidFill>
+                                <a:prstClr val="black"/>
+                              </a:solidFill>
+                              <a:latin typeface="Cambria Math"/>
+                            </a:rPr>
+                            <m:t>𝑤</m:t>
+                          </m:r>
+                        </m:e>
+                        <m:sub>
+                          <m:r>
+                            <a:rPr lang="en-US" i="1" smtClean="0">
+                              <a:solidFill>
+                                <a:prstClr val="black"/>
+                              </a:solidFill>
+                              <a:latin typeface="Cambria Math"/>
+                            </a:rPr>
+                            <m:t>𝑦</m:t>
+                          </m:r>
+                        </m:sub>
+                      </m:sSub>
+                      <m:r>
+                        <a:rPr lang="en-US" b="0" i="1" smtClean="0">
+                          <a:solidFill>
+                            <a:prstClr val="black"/>
+                          </a:solidFill>
+                          <a:latin typeface="Cambria Math" panose="02040503050406030204" pitchFamily="18" charset="0"/>
+                        </a:rPr>
+                        <m:t>+</m:t>
+                      </m:r>
+                      <m:r>
+                        <a:rPr lang="en-US" b="0" i="1" smtClean="0">
+                          <a:solidFill>
+                            <a:prstClr val="black"/>
+                          </a:solidFill>
+                          <a:latin typeface="Cambria Math" panose="02040503050406030204" pitchFamily="18" charset="0"/>
+                        </a:rPr>
+                        <m:t>𝑟</m:t>
+                      </m:r>
+                    </m:oMath>
+                  </m:oMathPara>
+                </a14:m>
+                <a:endParaRPr lang="en-US" dirty="0">
+                  <a:solidFill>
+                    <a:prstClr val="black"/>
+                  </a:solidFill>
+                </a:endParaRPr>
+              </a:p>
+            </p:txBody>
+          </p:sp>
+        </mc:Choice>
+        <mc:Fallback>
+          <p:sp>
+            <p:nvSpPr>
+              <p:cNvPr id="50" name="TextBox 49">
+                <a:extLst>
+                  <a:ext uri="{FF2B5EF4-FFF2-40B4-BE49-F238E27FC236}">
+                    <a16:creationId xmlns:a16="http://schemas.microsoft.com/office/drawing/2014/main" id="{6069A3BE-2E4E-45E9-9346-4B9E299870DE}"/>
+                  </a:ext>
+                </a:extLst>
+              </p:cNvPr>
+              <p:cNvSpPr txBox="1">
+                <a:spLocks noRot="1" noChangeAspect="1" noMove="1" noResize="1" noEditPoints="1" noAdjustHandles="1" noChangeArrowheads="1" noChangeShapeType="1" noTextEdit="1"/>
+              </p:cNvSpPr>
+              <p:nvPr/>
+            </p:nvSpPr>
+            <p:spPr>
+              <a:xfrm>
+                <a:off x="5399626" y="4402846"/>
+                <a:ext cx="1506267" cy="391261"/>
+              </a:xfrm>
+              <a:prstGeom prst="rect">
+                <a:avLst/>
+              </a:prstGeom>
+              <a:blipFill>
+                <a:blip r:embed="rId5"/>
+                <a:stretch>
+                  <a:fillRect b="-4688"/>
+                </a:stretch>
+              </a:blipFill>
+            </p:spPr>
+            <p:txBody>
+              <a:bodyPr/>
+              <a:lstStyle/>
+              <a:p>
+                <a:r>
+                  <a:rPr lang="en-US">
+                    <a:noFill/>
+                  </a:rPr>
+                  <a:t> </a:t>
+                </a:r>
+              </a:p>
+            </p:txBody>
+          </p:sp>
+        </mc:Fallback>
+      </mc:AlternateContent>
+      <p:cxnSp>
+        <p:nvCxnSpPr>
+          <p:cNvPr id="5" name="Straight Arrow Connector 4"/>
+          <p:cNvCxnSpPr>
+            <a:cxnSpLocks/>
+          </p:cNvCxnSpPr>
+          <p:nvPr/>
+        </p:nvCxnSpPr>
+        <p:spPr>
+          <a:xfrm flipH="1">
+            <a:off x="1874838" y="2516105"/>
+            <a:ext cx="5153026" cy="0"/>
+          </a:xfrm>
+          <a:prstGeom prst="straightConnector1">
+            <a:avLst/>
+          </a:prstGeom>
+          <a:ln w="31750" cap="sq">
+            <a:solidFill>
+              <a:schemeClr val="tx1"/>
+            </a:solidFill>
+            <a:tailEnd type="none"/>
+          </a:ln>
+          <a:effectLst>
+            <a:outerShdw blurRad="50800" dist="38100" dir="2700000" algn="tl" rotWithShape="0">
+              <a:prstClr val="black">
+                <a:alpha val="40000"/>
+              </a:prstClr>
+            </a:outerShdw>
+          </a:effectLst>
+        </p:spPr>
+        <p:style>
+          <a:lnRef idx="1">
+            <a:schemeClr val="accent1"/>
+          </a:lnRef>
+          <a:fillRef idx="0">
+            <a:schemeClr val="accent1"/>
+          </a:fillRef>
+          <a:effectRef idx="0">
+            <a:schemeClr val="accent1"/>
+          </a:effectRef>
+          <a:fontRef idx="minor">
+            <a:schemeClr val="tx1"/>
+          </a:fontRef>
+        </p:style>
+      </p:cxnSp>
+      <mc:AlternateContent xmlns:mc="http://schemas.openxmlformats.org/markup-compatibility/2006">
+        <mc:Choice xmlns:a14="http://schemas.microsoft.com/office/drawing/2010/main" Requires="a14">
+          <p:sp>
+            <p:nvSpPr>
+              <p:cNvPr id="54" name="TextBox 53">
+                <a:extLst>
+                  <a:ext uri="{FF2B5EF4-FFF2-40B4-BE49-F238E27FC236}">
+                    <a16:creationId xmlns:a16="http://schemas.microsoft.com/office/drawing/2014/main" id="{EF77ABFC-85D5-4E20-9C60-917D333C49A4}"/>
+                  </a:ext>
+                </a:extLst>
+              </p:cNvPr>
+              <p:cNvSpPr txBox="1"/>
+              <p:nvPr/>
+            </p:nvSpPr>
+            <p:spPr>
+              <a:xfrm>
+                <a:off x="4582771" y="5372015"/>
+                <a:ext cx="653554" cy="369332"/>
+              </a:xfrm>
+              <a:prstGeom prst="rect">
+                <a:avLst/>
+              </a:prstGeom>
+              <a:noFill/>
+            </p:spPr>
+            <p:txBody>
+              <a:bodyPr wrap="square" rtlCol="0">
+                <a:spAutoFit/>
+              </a:bodyPr>
+              <a:lstStyle/>
+              <a:p>
+                <a:pPr/>
+                <a14:m>
+                  <m:oMathPara xmlns:m="http://schemas.openxmlformats.org/officeDocument/2006/math">
+                    <m:oMathParaPr>
+                      <m:jc m:val="centerGroup"/>
+                    </m:oMathParaPr>
+                    <m:oMath xmlns:m="http://schemas.openxmlformats.org/officeDocument/2006/math">
+                      <m:acc>
+                        <m:accPr>
+                          <m:chr m:val="⃗"/>
+                          <m:ctrlPr>
+                            <a:rPr lang="en-US" i="1" smtClean="0">
+                              <a:solidFill>
+                                <a:prstClr val="black"/>
+                              </a:solidFill>
+                              <a:latin typeface="Cambria Math" panose="02040503050406030204" pitchFamily="18" charset="0"/>
+                            </a:rPr>
+                          </m:ctrlPr>
+                        </m:accPr>
+                        <m:e>
+                          <m:r>
+                            <a:rPr lang="en-US" b="0" i="1" smtClean="0">
+                              <a:solidFill>
+                                <a:prstClr val="black"/>
+                              </a:solidFill>
+                              <a:latin typeface="Cambria Math" panose="02040503050406030204" pitchFamily="18" charset="0"/>
+                            </a:rPr>
+                            <m:t>𝑝</m:t>
+                          </m:r>
+                        </m:e>
+                      </m:acc>
+                      <m:r>
+                        <a:rPr lang="en-US" b="0" i="1" smtClean="0">
+                          <a:solidFill>
+                            <a:prstClr val="black"/>
+                          </a:solidFill>
+                          <a:latin typeface="Cambria Math" panose="02040503050406030204" pitchFamily="18" charset="0"/>
+                        </a:rPr>
+                        <m:t>′</m:t>
+                      </m:r>
+                    </m:oMath>
+                  </m:oMathPara>
+                </a14:m>
+                <a:endParaRPr lang="en-US" dirty="0">
+                  <a:solidFill>
+                    <a:prstClr val="black"/>
+                  </a:solidFill>
+                </a:endParaRPr>
+              </a:p>
+            </p:txBody>
+          </p:sp>
+        </mc:Choice>
+        <mc:Fallback>
+          <p:sp>
+            <p:nvSpPr>
+              <p:cNvPr id="54" name="TextBox 53">
+                <a:extLst>
+                  <a:ext uri="{FF2B5EF4-FFF2-40B4-BE49-F238E27FC236}">
+                    <a16:creationId xmlns:a16="http://schemas.microsoft.com/office/drawing/2014/main" id="{EF77ABFC-85D5-4E20-9C60-917D333C49A4}"/>
+                  </a:ext>
+                </a:extLst>
+              </p:cNvPr>
+              <p:cNvSpPr txBox="1">
+                <a:spLocks noRot="1" noChangeAspect="1" noMove="1" noResize="1" noEditPoints="1" noAdjustHandles="1" noChangeArrowheads="1" noChangeShapeType="1" noTextEdit="1"/>
+              </p:cNvSpPr>
+              <p:nvPr/>
+            </p:nvSpPr>
+            <p:spPr>
+              <a:xfrm>
+                <a:off x="4582771" y="5372015"/>
+                <a:ext cx="653554" cy="369332"/>
+              </a:xfrm>
+              <a:prstGeom prst="rect">
+                <a:avLst/>
+              </a:prstGeom>
+              <a:blipFill>
+                <a:blip r:embed="rId6"/>
+                <a:stretch>
+                  <a:fillRect t="-22951" r="-14019" b="-6557"/>
+                </a:stretch>
+              </a:blipFill>
+            </p:spPr>
+            <p:txBody>
+              <a:bodyPr/>
+              <a:lstStyle/>
+              <a:p>
+                <a:r>
+                  <a:rPr lang="en-US">
+                    <a:noFill/>
+                  </a:rPr>
+                  <a:t> </a:t>
+                </a:r>
+              </a:p>
+            </p:txBody>
+          </p:sp>
+        </mc:Fallback>
+      </mc:AlternateContent>
+      <mc:AlternateContent xmlns:mc="http://schemas.openxmlformats.org/markup-compatibility/2006">
+        <mc:Choice xmlns:a14="http://schemas.microsoft.com/office/drawing/2010/main" Requires="a14">
+          <p:sp>
+            <p:nvSpPr>
+              <p:cNvPr id="9" name="TextBox 8"/>
+              <p:cNvSpPr txBox="1"/>
+              <p:nvPr/>
+            </p:nvSpPr>
+            <p:spPr>
+              <a:xfrm>
+                <a:off x="4272208" y="1445219"/>
+                <a:ext cx="870759" cy="391261"/>
+              </a:xfrm>
+              <a:prstGeom prst="rect">
+                <a:avLst/>
+              </a:prstGeom>
+              <a:noFill/>
+            </p:spPr>
+            <p:txBody>
+              <a:bodyPr wrap="square" rtlCol="0">
+                <a:spAutoFit/>
+              </a:bodyPr>
+              <a:lstStyle/>
+              <a:p>
+                <a:pPr/>
+                <a14:m>
+                  <m:oMathPara xmlns:m="http://schemas.openxmlformats.org/officeDocument/2006/math">
+                    <m:oMathParaPr>
+                      <m:jc m:val="centerGroup"/>
+                    </m:oMathParaPr>
+                    <m:oMath xmlns:m="http://schemas.openxmlformats.org/officeDocument/2006/math">
+                      <m:r>
+                        <a:rPr lang="en-US" i="1" smtClean="0">
+                          <a:solidFill>
+                            <a:prstClr val="black"/>
+                          </a:solidFill>
+                          <a:latin typeface="Cambria Math"/>
+                        </a:rPr>
+                        <m:t>[</m:t>
+                      </m:r>
+                      <m:sSub>
+                        <m:sSubPr>
+                          <m:ctrlPr>
+                            <a:rPr lang="en-US" i="1" smtClean="0">
+                              <a:solidFill>
+                                <a:prstClr val="black"/>
+                              </a:solidFill>
+                              <a:latin typeface="Cambria Math" panose="02040503050406030204" pitchFamily="18" charset="0"/>
+                            </a:rPr>
+                          </m:ctrlPr>
+                        </m:sSubPr>
+                        <m:e>
+                          <m:r>
+                            <a:rPr lang="en-US" i="1" smtClean="0">
+                              <a:solidFill>
+                                <a:prstClr val="black"/>
+                              </a:solidFill>
+                              <a:latin typeface="Cambria Math"/>
+                            </a:rPr>
+                            <m:t>𝑝</m:t>
+                          </m:r>
+                        </m:e>
+                        <m:sub>
+                          <m:r>
+                            <a:rPr lang="en-US" i="1" smtClean="0">
+                              <a:solidFill>
+                                <a:prstClr val="black"/>
+                              </a:solidFill>
+                              <a:latin typeface="Cambria Math"/>
+                            </a:rPr>
+                            <m:t>𝑥</m:t>
+                          </m:r>
+                        </m:sub>
+                      </m:sSub>
+                      <m:r>
+                        <a:rPr lang="en-US" i="1" smtClean="0">
+                          <a:solidFill>
+                            <a:prstClr val="black"/>
+                          </a:solidFill>
+                          <a:latin typeface="Cambria Math"/>
+                        </a:rPr>
+                        <m:t>,</m:t>
+                      </m:r>
+                      <m:sSub>
+                        <m:sSubPr>
+                          <m:ctrlPr>
+                            <a:rPr lang="en-US" i="1" smtClean="0">
+                              <a:solidFill>
+                                <a:prstClr val="black"/>
+                              </a:solidFill>
+                              <a:latin typeface="Cambria Math" panose="02040503050406030204" pitchFamily="18" charset="0"/>
+                            </a:rPr>
+                          </m:ctrlPr>
+                        </m:sSubPr>
+                        <m:e>
+                          <m:r>
+                            <a:rPr lang="en-US" i="1" smtClean="0">
+                              <a:solidFill>
+                                <a:prstClr val="black"/>
+                              </a:solidFill>
+                              <a:latin typeface="Cambria Math"/>
+                            </a:rPr>
+                            <m:t>𝑝</m:t>
+                          </m:r>
+                        </m:e>
+                        <m:sub>
+                          <m:r>
+                            <a:rPr lang="en-US" i="1" smtClean="0">
+                              <a:solidFill>
+                                <a:prstClr val="black"/>
+                              </a:solidFill>
+                              <a:latin typeface="Cambria Math"/>
+                            </a:rPr>
+                            <m:t>𝑦</m:t>
+                          </m:r>
+                        </m:sub>
+                      </m:sSub>
+                      <m:r>
+                        <a:rPr lang="en-US" smtClean="0">
+                          <a:solidFill>
+                            <a:prstClr val="black"/>
+                          </a:solidFill>
+                          <a:latin typeface="Cambria Math"/>
+                        </a:rPr>
+                        <m:t>]</m:t>
+                      </m:r>
+                    </m:oMath>
+                  </m:oMathPara>
+                </a14:m>
+                <a:endParaRPr lang="en-US" i="1" dirty="0">
+                  <a:solidFill>
+                    <a:prstClr val="black"/>
+                  </a:solidFill>
+                </a:endParaRPr>
+              </a:p>
+            </p:txBody>
+          </p:sp>
+        </mc:Choice>
+        <mc:Fallback>
+          <p:sp>
+            <p:nvSpPr>
+              <p:cNvPr id="9" name="TextBox 8"/>
+              <p:cNvSpPr txBox="1">
+                <a:spLocks noRot="1" noChangeAspect="1" noMove="1" noResize="1" noEditPoints="1" noAdjustHandles="1" noChangeArrowheads="1" noChangeShapeType="1" noTextEdit="1"/>
+              </p:cNvSpPr>
+              <p:nvPr/>
+            </p:nvSpPr>
+            <p:spPr>
+              <a:xfrm>
+                <a:off x="4272208" y="1445219"/>
+                <a:ext cx="870759" cy="391261"/>
+              </a:xfrm>
+              <a:prstGeom prst="rect">
+                <a:avLst/>
+              </a:prstGeom>
+              <a:blipFill>
+                <a:blip r:embed="rId7"/>
+                <a:stretch>
+                  <a:fillRect l="-2797" r="-5594" b="-10938"/>
+                </a:stretch>
+              </a:blipFill>
+            </p:spPr>
+            <p:txBody>
+              <a:bodyPr/>
+              <a:lstStyle/>
+              <a:p>
+                <a:r>
+                  <a:rPr lang="en-US">
+                    <a:noFill/>
+                  </a:rPr>
+                  <a:t> </a:t>
+                </a:r>
+              </a:p>
+            </p:txBody>
+          </p:sp>
+        </mc:Fallback>
+      </mc:AlternateContent>
+      <mc:AlternateContent xmlns:mc="http://schemas.openxmlformats.org/markup-compatibility/2006">
+        <mc:Choice xmlns:a14="http://schemas.microsoft.com/office/drawing/2010/main" Requires="a14">
+          <p:sp>
+            <p:nvSpPr>
+              <p:cNvPr id="55" name="TextBox 54">
+                <a:extLst>
+                  <a:ext uri="{FF2B5EF4-FFF2-40B4-BE49-F238E27FC236}">
+                    <a16:creationId xmlns:a16="http://schemas.microsoft.com/office/drawing/2014/main" id="{DDBA68FB-6F31-434F-8DD2-9AC40E114F43}"/>
+                  </a:ext>
+                </a:extLst>
+              </p:cNvPr>
+              <p:cNvSpPr txBox="1"/>
+              <p:nvPr/>
+            </p:nvSpPr>
+            <p:spPr>
+              <a:xfrm>
+                <a:off x="5429004" y="1091186"/>
+                <a:ext cx="1247777" cy="424283"/>
+              </a:xfrm>
+              <a:prstGeom prst="rect">
+                <a:avLst/>
+              </a:prstGeom>
+              <a:noFill/>
+            </p:spPr>
+            <p:txBody>
+              <a:bodyPr wrap="none" rtlCol="0">
+                <a:spAutoFit/>
+              </a:bodyPr>
+              <a:lstStyle/>
+              <a:p>
+                <a14:m>
+                  <m:oMath xmlns:m="http://schemas.openxmlformats.org/officeDocument/2006/math">
+                    <m:acc>
+                      <m:accPr>
+                        <m:chr m:val="⃗"/>
+                        <m:ctrlPr>
+                          <a:rPr lang="en-US" sz="2000" i="1" smtClean="0">
+                            <a:solidFill>
+                              <a:prstClr val="black"/>
+                            </a:solidFill>
+                            <a:latin typeface="Cambria Math" panose="02040503050406030204" pitchFamily="18" charset="0"/>
+                          </a:rPr>
+                        </m:ctrlPr>
+                      </m:accPr>
+                      <m:e>
+                        <m:r>
+                          <a:rPr lang="en-US" sz="2000" i="1" smtClean="0">
+                            <a:solidFill>
+                              <a:prstClr val="black"/>
+                            </a:solidFill>
+                            <a:latin typeface="Cambria Math"/>
+                          </a:rPr>
+                          <m:t>𝑣</m:t>
+                        </m:r>
+                      </m:e>
+                    </m:acc>
+                  </m:oMath>
+                </a14:m>
+                <a:r>
+                  <a:rPr lang="en-US" sz="2000" dirty="0">
+                    <a:solidFill>
+                      <a:prstClr val="black"/>
+                    </a:solidFill>
+                  </a:rPr>
+                  <a:t>=[</a:t>
+                </a:r>
+                <a14:m>
+                  <m:oMath xmlns:m="http://schemas.openxmlformats.org/officeDocument/2006/math">
+                    <m:sSub>
+                      <m:sSubPr>
+                        <m:ctrlPr>
+                          <a:rPr lang="en-US" sz="2000" i="1">
+                            <a:solidFill>
+                              <a:prstClr val="black"/>
+                            </a:solidFill>
+                            <a:latin typeface="Cambria Math" panose="02040503050406030204" pitchFamily="18" charset="0"/>
+                            <a:cs typeface="Times New Roman" pitchFamily="18" charset="0"/>
+                          </a:rPr>
+                        </m:ctrlPr>
+                      </m:sSubPr>
+                      <m:e>
+                        <m:r>
+                          <a:rPr lang="en-US" sz="2000" i="1">
+                            <a:solidFill>
+                              <a:prstClr val="black"/>
+                            </a:solidFill>
+                            <a:latin typeface="Cambria Math"/>
+                            <a:cs typeface="Times New Roman" pitchFamily="18" charset="0"/>
+                          </a:rPr>
+                          <m:t>𝑣</m:t>
+                        </m:r>
+                      </m:e>
+                      <m:sub>
+                        <m:r>
+                          <a:rPr lang="en-US" sz="2000" i="1">
+                            <a:solidFill>
+                              <a:prstClr val="black"/>
+                            </a:solidFill>
+                            <a:latin typeface="Cambria Math"/>
+                            <a:cs typeface="Times New Roman" pitchFamily="18" charset="0"/>
+                          </a:rPr>
+                          <m:t>𝑥</m:t>
+                        </m:r>
+                      </m:sub>
+                    </m:sSub>
+                  </m:oMath>
+                </a14:m>
+                <a:r>
+                  <a:rPr lang="en-US" sz="2000" dirty="0">
+                    <a:solidFill>
+                      <a:prstClr val="black"/>
+                    </a:solidFill>
+                  </a:rPr>
+                  <a:t>,</a:t>
+                </a:r>
+                <a:r>
+                  <a:rPr lang="en-US" sz="2000" dirty="0">
+                    <a:solidFill>
+                      <a:prstClr val="black"/>
+                    </a:solidFill>
+                    <a:cs typeface="Times New Roman" pitchFamily="18" charset="0"/>
+                  </a:rPr>
+                  <a:t> </a:t>
+                </a:r>
+                <a14:m>
+                  <m:oMath xmlns:m="http://schemas.openxmlformats.org/officeDocument/2006/math">
+                    <m:sSub>
+                      <m:sSubPr>
+                        <m:ctrlPr>
+                          <a:rPr lang="en-US" sz="2000" i="1">
+                            <a:solidFill>
+                              <a:prstClr val="black"/>
+                            </a:solidFill>
+                            <a:latin typeface="Cambria Math" panose="02040503050406030204" pitchFamily="18" charset="0"/>
+                            <a:cs typeface="Times New Roman" pitchFamily="18" charset="0"/>
+                          </a:rPr>
+                        </m:ctrlPr>
+                      </m:sSubPr>
+                      <m:e>
+                        <m:r>
+                          <a:rPr lang="en-US" sz="2000" i="1">
+                            <a:solidFill>
+                              <a:prstClr val="black"/>
+                            </a:solidFill>
+                            <a:latin typeface="Cambria Math"/>
+                            <a:cs typeface="Times New Roman" pitchFamily="18" charset="0"/>
+                          </a:rPr>
+                          <m:t>𝑣</m:t>
+                        </m:r>
+                      </m:e>
+                      <m:sub>
+                        <m:r>
+                          <a:rPr lang="en-US" sz="2000" i="1" smtClean="0">
+                            <a:solidFill>
+                              <a:prstClr val="black"/>
+                            </a:solidFill>
+                            <a:latin typeface="Cambria Math" panose="02040503050406030204" pitchFamily="18" charset="0"/>
+                            <a:cs typeface="Times New Roman" pitchFamily="18" charset="0"/>
+                          </a:rPr>
+                          <m:t>𝑦</m:t>
+                        </m:r>
+                      </m:sub>
+                    </m:sSub>
+                  </m:oMath>
+                </a14:m>
+                <a:r>
+                  <a:rPr lang="en-US" sz="2000" dirty="0">
+                    <a:solidFill>
+                      <a:prstClr val="black"/>
+                    </a:solidFill>
+                  </a:rPr>
+                  <a:t>]</a:t>
+                </a:r>
+              </a:p>
+            </p:txBody>
+          </p:sp>
+        </mc:Choice>
+        <mc:Fallback>
+          <p:sp>
+            <p:nvSpPr>
+              <p:cNvPr id="55" name="TextBox 54">
+                <a:extLst>
+                  <a:ext uri="{FF2B5EF4-FFF2-40B4-BE49-F238E27FC236}">
+                    <a16:creationId xmlns:a16="http://schemas.microsoft.com/office/drawing/2014/main" id="{DDBA68FB-6F31-434F-8DD2-9AC40E114F43}"/>
+                  </a:ext>
+                </a:extLst>
+              </p:cNvPr>
+              <p:cNvSpPr txBox="1">
+                <a:spLocks noRot="1" noChangeAspect="1" noMove="1" noResize="1" noEditPoints="1" noAdjustHandles="1" noChangeArrowheads="1" noChangeShapeType="1" noTextEdit="1"/>
+              </p:cNvSpPr>
+              <p:nvPr/>
+            </p:nvSpPr>
+            <p:spPr>
+              <a:xfrm>
+                <a:off x="5429004" y="1091186"/>
+                <a:ext cx="1247777" cy="424283"/>
+              </a:xfrm>
+              <a:prstGeom prst="rect">
+                <a:avLst/>
+              </a:prstGeom>
+              <a:blipFill>
+                <a:blip r:embed="rId8"/>
+                <a:stretch>
+                  <a:fillRect t="-15714" r="-4412" b="-20000"/>
+                </a:stretch>
+              </a:blipFill>
+            </p:spPr>
+            <p:txBody>
+              <a:bodyPr/>
+              <a:lstStyle/>
+              <a:p>
+                <a:r>
+                  <a:rPr lang="en-US">
+                    <a:noFill/>
+                  </a:rPr>
+                  <a:t> </a:t>
+                </a:r>
+              </a:p>
+            </p:txBody>
+          </p:sp>
+        </mc:Fallback>
+      </mc:AlternateContent>
+      <p:cxnSp>
+        <p:nvCxnSpPr>
+          <p:cNvPr id="56" name="Straight Arrow Connector 55">
+            <a:extLst>
+              <a:ext uri="{FF2B5EF4-FFF2-40B4-BE49-F238E27FC236}">
+                <a16:creationId xmlns:a16="http://schemas.microsoft.com/office/drawing/2014/main" id="{9855F2E9-36FB-4E08-8A6F-4B2A139DE4CB}"/>
+              </a:ext>
+            </a:extLst>
+          </p:cNvPr>
+          <p:cNvCxnSpPr>
+            <a:cxnSpLocks/>
+          </p:cNvCxnSpPr>
+          <p:nvPr/>
+        </p:nvCxnSpPr>
+        <p:spPr>
+          <a:xfrm flipH="1">
+            <a:off x="5131410" y="1457335"/>
+            <a:ext cx="390456" cy="395765"/>
+          </a:xfrm>
+          <a:prstGeom prst="straightConnector1">
+            <a:avLst/>
+          </a:prstGeom>
+          <a:ln w="22225" cap="rnd">
+            <a:solidFill>
+              <a:schemeClr val="tx1"/>
+            </a:solidFill>
+            <a:prstDash val="solid"/>
+            <a:headEnd type="arrow"/>
+            <a:tailEnd type="none"/>
+          </a:ln>
+        </p:spPr>
+        <p:style>
+          <a:lnRef idx="1">
+            <a:schemeClr val="accent1"/>
+          </a:lnRef>
+          <a:fillRef idx="0">
+            <a:schemeClr val="accent1"/>
+          </a:fillRef>
+          <a:effectRef idx="0">
+            <a:schemeClr val="accent1"/>
+          </a:effectRef>
+          <a:fontRef idx="minor">
+            <a:schemeClr val="tx1"/>
+          </a:fontRef>
+        </p:style>
+      </p:cxnSp>
+      <p:cxnSp>
+        <p:nvCxnSpPr>
+          <p:cNvPr id="58" name="Straight Arrow Connector 57">
+            <a:extLst>
+              <a:ext uri="{FF2B5EF4-FFF2-40B4-BE49-F238E27FC236}">
+                <a16:creationId xmlns:a16="http://schemas.microsoft.com/office/drawing/2014/main" id="{D4D572EF-0C9F-4B8C-8D27-139ABEAAA72A}"/>
+              </a:ext>
+            </a:extLst>
+          </p:cNvPr>
+          <p:cNvCxnSpPr>
+            <a:cxnSpLocks/>
+          </p:cNvCxnSpPr>
+          <p:nvPr/>
+        </p:nvCxnSpPr>
+        <p:spPr>
+          <a:xfrm flipH="1" flipV="1">
+            <a:off x="5126688" y="5490016"/>
+            <a:ext cx="341061" cy="339284"/>
+          </a:xfrm>
+          <a:prstGeom prst="straightConnector1">
+            <a:avLst/>
+          </a:prstGeom>
+          <a:ln w="22225" cap="rnd">
+            <a:solidFill>
+              <a:schemeClr val="tx1"/>
+            </a:solidFill>
+            <a:prstDash val="solid"/>
+            <a:headEnd type="arrow"/>
+            <a:tailEnd type="none"/>
+          </a:ln>
+        </p:spPr>
+        <p:style>
+          <a:lnRef idx="1">
+            <a:schemeClr val="accent1"/>
+          </a:lnRef>
+          <a:fillRef idx="0">
+            <a:schemeClr val="accent1"/>
+          </a:fillRef>
+          <a:effectRef idx="0">
+            <a:schemeClr val="accent1"/>
+          </a:effectRef>
+          <a:fontRef idx="minor">
+            <a:schemeClr val="tx1"/>
+          </a:fontRef>
+        </p:style>
+      </p:cxnSp>
+      <mc:AlternateContent xmlns:mc="http://schemas.openxmlformats.org/markup-compatibility/2006">
+        <mc:Choice xmlns:a14="http://schemas.microsoft.com/office/drawing/2010/main" Requires="a14">
+          <p:sp>
+            <p:nvSpPr>
+              <p:cNvPr id="62" name="TextBox 61">
+                <a:extLst>
+                  <a:ext uri="{FF2B5EF4-FFF2-40B4-BE49-F238E27FC236}">
+                    <a16:creationId xmlns:a16="http://schemas.microsoft.com/office/drawing/2014/main" id="{7492E185-DB16-4471-9868-E9675A67F8DE}"/>
+                  </a:ext>
+                </a:extLst>
+              </p:cNvPr>
+              <p:cNvSpPr txBox="1"/>
+              <p:nvPr/>
+            </p:nvSpPr>
+            <p:spPr>
+              <a:xfrm>
+                <a:off x="4707587" y="5769060"/>
+                <a:ext cx="1396857" cy="424283"/>
+              </a:xfrm>
+              <a:prstGeom prst="rect">
+                <a:avLst/>
+              </a:prstGeom>
+              <a:noFill/>
+            </p:spPr>
+            <p:txBody>
+              <a:bodyPr wrap="none" rtlCol="0">
+                <a:spAutoFit/>
+              </a:bodyPr>
+              <a:lstStyle/>
+              <a:p>
+                <a14:m>
+                  <m:oMath xmlns:m="http://schemas.openxmlformats.org/officeDocument/2006/math">
+                    <m:acc>
+                      <m:accPr>
+                        <m:chr m:val="⃗"/>
+                        <m:ctrlPr>
+                          <a:rPr lang="en-US" sz="2000" i="1" smtClean="0">
+                            <a:solidFill>
+                              <a:prstClr val="black"/>
+                            </a:solidFill>
+                            <a:latin typeface="Cambria Math" panose="02040503050406030204" pitchFamily="18" charset="0"/>
+                          </a:rPr>
+                        </m:ctrlPr>
+                      </m:accPr>
+                      <m:e>
+                        <m:r>
+                          <a:rPr lang="en-US" sz="2000" i="1" smtClean="0">
+                            <a:solidFill>
+                              <a:prstClr val="black"/>
+                            </a:solidFill>
+                            <a:latin typeface="Cambria Math"/>
+                          </a:rPr>
+                          <m:t>𝑣</m:t>
+                        </m:r>
+                      </m:e>
+                    </m:acc>
+                  </m:oMath>
+                </a14:m>
+                <a:r>
+                  <a:rPr lang="en-US" sz="2000" dirty="0">
+                    <a:solidFill>
+                      <a:prstClr val="black"/>
+                    </a:solidFill>
+                  </a:rPr>
+                  <a:t>’=[</a:t>
+                </a:r>
+                <a14:m>
+                  <m:oMath xmlns:m="http://schemas.openxmlformats.org/officeDocument/2006/math">
+                    <m:sSub>
+                      <m:sSubPr>
+                        <m:ctrlPr>
+                          <a:rPr lang="en-US" sz="2000" i="1">
+                            <a:solidFill>
+                              <a:prstClr val="black"/>
+                            </a:solidFill>
+                            <a:latin typeface="Cambria Math" panose="02040503050406030204" pitchFamily="18" charset="0"/>
+                            <a:cs typeface="Times New Roman" pitchFamily="18" charset="0"/>
+                          </a:rPr>
+                        </m:ctrlPr>
+                      </m:sSubPr>
+                      <m:e>
+                        <m:r>
+                          <a:rPr lang="en-US" sz="2000" i="1">
+                            <a:solidFill>
+                              <a:prstClr val="black"/>
+                            </a:solidFill>
+                            <a:latin typeface="Cambria Math"/>
+                            <a:cs typeface="Times New Roman" pitchFamily="18" charset="0"/>
+                          </a:rPr>
+                          <m:t>𝑣</m:t>
+                        </m:r>
+                      </m:e>
+                      <m:sub>
+                        <m:r>
+                          <a:rPr lang="en-US" sz="2000" i="1">
+                            <a:solidFill>
+                              <a:prstClr val="black"/>
+                            </a:solidFill>
+                            <a:latin typeface="Cambria Math"/>
+                            <a:cs typeface="Times New Roman" pitchFamily="18" charset="0"/>
+                          </a:rPr>
+                          <m:t>𝑥</m:t>
+                        </m:r>
+                      </m:sub>
+                    </m:sSub>
+                  </m:oMath>
+                </a14:m>
+                <a:r>
+                  <a:rPr lang="en-US" sz="2000" dirty="0">
+                    <a:solidFill>
+                      <a:prstClr val="black"/>
+                    </a:solidFill>
+                  </a:rPr>
+                  <a:t>,</a:t>
+                </a:r>
+                <a:r>
+                  <a:rPr lang="en-US" sz="2000" dirty="0">
+                    <a:solidFill>
+                      <a:prstClr val="black"/>
+                    </a:solidFill>
+                    <a:cs typeface="Times New Roman" pitchFamily="18" charset="0"/>
+                  </a:rPr>
+                  <a:t> </a:t>
+                </a:r>
+                <a14:m>
+                  <m:oMath xmlns:m="http://schemas.openxmlformats.org/officeDocument/2006/math">
+                    <m:r>
+                      <a:rPr lang="en-US" sz="2000">
+                        <a:solidFill>
+                          <a:prstClr val="black"/>
+                        </a:solidFill>
+                        <a:latin typeface="Cambria Math" panose="02040503050406030204" pitchFamily="18" charset="0"/>
+                        <a:cs typeface="Times New Roman" pitchFamily="18" charset="0"/>
+                      </a:rPr>
+                      <m:t>-</m:t>
+                    </m:r>
+                    <m:sSub>
+                      <m:sSubPr>
+                        <m:ctrlPr>
+                          <a:rPr lang="en-US" sz="2000" i="1">
+                            <a:solidFill>
+                              <a:prstClr val="black"/>
+                            </a:solidFill>
+                            <a:latin typeface="Cambria Math" panose="02040503050406030204" pitchFamily="18" charset="0"/>
+                            <a:cs typeface="Times New Roman" pitchFamily="18" charset="0"/>
+                          </a:rPr>
+                        </m:ctrlPr>
+                      </m:sSubPr>
+                      <m:e>
+                        <m:r>
+                          <a:rPr lang="en-US" sz="2000" i="1">
+                            <a:solidFill>
+                              <a:prstClr val="black"/>
+                            </a:solidFill>
+                            <a:latin typeface="Cambria Math"/>
+                            <a:cs typeface="Times New Roman" pitchFamily="18" charset="0"/>
+                          </a:rPr>
+                          <m:t>𝑣</m:t>
+                        </m:r>
+                      </m:e>
+                      <m:sub>
+                        <m:r>
+                          <a:rPr lang="en-US" sz="2000" i="1" smtClean="0">
+                            <a:solidFill>
+                              <a:prstClr val="black"/>
+                            </a:solidFill>
+                            <a:latin typeface="Cambria Math" panose="02040503050406030204" pitchFamily="18" charset="0"/>
+                            <a:cs typeface="Times New Roman" pitchFamily="18" charset="0"/>
+                          </a:rPr>
+                          <m:t>𝑦</m:t>
+                        </m:r>
+                      </m:sub>
+                    </m:sSub>
+                  </m:oMath>
+                </a14:m>
+                <a:r>
+                  <a:rPr lang="en-US" sz="2000" dirty="0">
+                    <a:solidFill>
+                      <a:prstClr val="black"/>
+                    </a:solidFill>
+                  </a:rPr>
+                  <a:t>]</a:t>
+                </a:r>
+              </a:p>
+            </p:txBody>
+          </p:sp>
+        </mc:Choice>
+        <mc:Fallback>
+          <p:sp>
+            <p:nvSpPr>
+              <p:cNvPr id="62" name="TextBox 61">
+                <a:extLst>
+                  <a:ext uri="{FF2B5EF4-FFF2-40B4-BE49-F238E27FC236}">
+                    <a16:creationId xmlns:a16="http://schemas.microsoft.com/office/drawing/2014/main" id="{7492E185-DB16-4471-9868-E9675A67F8DE}"/>
+                  </a:ext>
+                </a:extLst>
+              </p:cNvPr>
+              <p:cNvSpPr txBox="1">
+                <a:spLocks noRot="1" noChangeAspect="1" noMove="1" noResize="1" noEditPoints="1" noAdjustHandles="1" noChangeArrowheads="1" noChangeShapeType="1" noTextEdit="1"/>
+              </p:cNvSpPr>
+              <p:nvPr/>
+            </p:nvSpPr>
+            <p:spPr>
+              <a:xfrm>
+                <a:off x="4707587" y="5769060"/>
+                <a:ext cx="1396857" cy="424283"/>
+              </a:xfrm>
+              <a:prstGeom prst="rect">
+                <a:avLst/>
+              </a:prstGeom>
+              <a:blipFill>
+                <a:blip r:embed="rId9"/>
+                <a:stretch>
+                  <a:fillRect t="-15714" r="-4367" b="-20000"/>
+                </a:stretch>
+              </a:blipFill>
+            </p:spPr>
+            <p:txBody>
+              <a:bodyPr/>
+              <a:lstStyle/>
+              <a:p>
+                <a:r>
+                  <a:rPr lang="en-US">
+                    <a:noFill/>
+                  </a:rPr>
+                  <a:t> </a:t>
+                </a:r>
+              </a:p>
+            </p:txBody>
+          </p:sp>
+        </mc:Fallback>
+      </mc:AlternateContent>
+    </p:spTree>
+    <p:extLst>
+      <p:ext uri="{BB962C8B-B14F-4D97-AF65-F5344CB8AC3E}">
+        <p14:creationId xmlns:p14="http://schemas.microsoft.com/office/powerpoint/2010/main" val="4029831546"/>
+      </p:ext>
+    </p:extLst>
+  </p:cSld>
+  <p:clrMapOvr>
+    <a:masterClrMapping/>
+  </p:clrMapOvr>
+  <mc:AlternateContent xmlns:mc="http://schemas.openxmlformats.org/markup-compatibility/2006" xmlns:p14="http://schemas.microsoft.com/office/powerpoint/2010/main">
+    <mc:Choice Requires="p14">
+      <p:transition p14:dur="10"/>
+    </mc:Choice>
+    <mc:Fallback xmlns="">
+      <p:transition/>
+    </mc:Fallback>
+  </mc:AlternateContent>
+  <p:timing>
+    <p:tnLst>
+      <p:par>
+        <p:cTn id="1" dur="indefinite" restart="never" nodeType="tmRoot">
+          <p:childTnLst>
+            <p:seq concurrent="1" nextAc="seek">
+              <p:cTn id="2" dur="indefinite" nodeType="mainSeq">
+                <p:childTnLst>
+                  <p:par>
+                    <p:cTn id="3" fill="hold">
+                      <p:stCondLst>
+                        <p:cond delay="indefinite"/>
+                      </p:stCondLst>
+                      <p:childTnLst>
+                        <p:par>
+                          <p:cTn id="4" fill="hold">
+                            <p:stCondLst>
+                              <p:cond delay="0"/>
+                            </p:stCondLst>
+                            <p:childTnLst>
+                              <p:par>
+                                <p:cTn id="5" presetID="10" presetClass="entr" presetSubtype="0" fill="hold" nodeType="clickEffect">
+                                  <p:stCondLst>
+                                    <p:cond delay="0"/>
+                                  </p:stCondLst>
+                                  <p:childTnLst>
+                                    <p:set>
+                                      <p:cBhvr>
+                                        <p:cTn id="6" dur="1" fill="hold">
+                                          <p:stCondLst>
+                                            <p:cond delay="0"/>
+                                          </p:stCondLst>
+                                        </p:cTn>
+                                        <p:tgtEl>
+                                          <p:spTgt spid="5"/>
+                                        </p:tgtEl>
+                                        <p:attrNameLst>
+                                          <p:attrName>style.visibility</p:attrName>
+                                        </p:attrNameLst>
+                                      </p:cBhvr>
+                                      <p:to>
+                                        <p:strVal val="visible"/>
+                                      </p:to>
+                                    </p:set>
+                                    <p:animEffect transition="in" filter="fade">
+                                      <p:cBhvr>
+                                        <p:cTn id="7" dur="500"/>
+                                        <p:tgtEl>
+                                          <p:spTgt spid="5"/>
+                                        </p:tgtEl>
+                                      </p:cBhvr>
+                                    </p:animEffect>
+                                  </p:childTnLst>
+                                </p:cTn>
+                              </p:par>
+                              <p:par>
+                                <p:cTn id="8" presetID="10" presetClass="entr" presetSubtype="0" fill="hold" grpId="0" nodeType="withEffect">
+                                  <p:stCondLst>
+                                    <p:cond delay="0"/>
+                                  </p:stCondLst>
+                                  <p:childTnLst>
+                                    <p:set>
+                                      <p:cBhvr>
+                                        <p:cTn id="9" dur="1" fill="hold">
+                                          <p:stCondLst>
+                                            <p:cond delay="0"/>
+                                          </p:stCondLst>
+                                        </p:cTn>
+                                        <p:tgtEl>
+                                          <p:spTgt spid="10"/>
+                                        </p:tgtEl>
+                                        <p:attrNameLst>
+                                          <p:attrName>style.visibility</p:attrName>
+                                        </p:attrNameLst>
+                                      </p:cBhvr>
+                                      <p:to>
+                                        <p:strVal val="visible"/>
+                                      </p:to>
+                                    </p:set>
+                                    <p:animEffect transition="in" filter="fade">
+                                      <p:cBhvr>
+                                        <p:cTn id="10" dur="500"/>
+                                        <p:tgtEl>
+                                          <p:spTgt spid="10"/>
+                                        </p:tgtEl>
+                                      </p:cBhvr>
+                                    </p:animEffect>
+                                  </p:childTnLst>
+                                </p:cTn>
+                              </p:par>
+                              <p:par>
+                                <p:cTn id="11" presetID="10" presetClass="entr" presetSubtype="0" fill="hold" grpId="0" nodeType="withEffect">
+                                  <p:stCondLst>
+                                    <p:cond delay="0"/>
+                                  </p:stCondLst>
+                                  <p:childTnLst>
+                                    <p:set>
+                                      <p:cBhvr>
+                                        <p:cTn id="12" dur="1" fill="hold">
+                                          <p:stCondLst>
+                                            <p:cond delay="0"/>
+                                          </p:stCondLst>
+                                        </p:cTn>
+                                        <p:tgtEl>
+                                          <p:spTgt spid="9"/>
+                                        </p:tgtEl>
+                                        <p:attrNameLst>
+                                          <p:attrName>style.visibility</p:attrName>
+                                        </p:attrNameLst>
+                                      </p:cBhvr>
+                                      <p:to>
+                                        <p:strVal val="visible"/>
+                                      </p:to>
+                                    </p:set>
+                                    <p:animEffect transition="in" filter="fade">
+                                      <p:cBhvr>
+                                        <p:cTn id="13" dur="500"/>
+                                        <p:tgtEl>
+                                          <p:spTgt spid="9"/>
+                                        </p:tgtEl>
+                                      </p:cBhvr>
+                                    </p:animEffect>
+                                  </p:childTnLst>
+                                </p:cTn>
+                              </p:par>
+                              <p:par>
+                                <p:cTn id="14" presetID="10" presetClass="entr" presetSubtype="0" fill="hold" grpId="0" nodeType="withEffect">
+                                  <p:stCondLst>
+                                    <p:cond delay="0"/>
+                                  </p:stCondLst>
+                                  <p:childTnLst>
+                                    <p:set>
+                                      <p:cBhvr>
+                                        <p:cTn id="15" dur="1" fill="hold">
+                                          <p:stCondLst>
+                                            <p:cond delay="0"/>
+                                          </p:stCondLst>
+                                        </p:cTn>
+                                        <p:tgtEl>
+                                          <p:spTgt spid="17"/>
+                                        </p:tgtEl>
+                                        <p:attrNameLst>
+                                          <p:attrName>style.visibility</p:attrName>
+                                        </p:attrNameLst>
+                                      </p:cBhvr>
+                                      <p:to>
+                                        <p:strVal val="visible"/>
+                                      </p:to>
+                                    </p:set>
+                                    <p:animEffect transition="in" filter="fade">
+                                      <p:cBhvr>
+                                        <p:cTn id="16" dur="500"/>
+                                        <p:tgtEl>
+                                          <p:spTgt spid="17"/>
+                                        </p:tgtEl>
+                                      </p:cBhvr>
+                                    </p:animEffect>
+                                  </p:childTnLst>
+                                </p:cTn>
+                              </p:par>
+                              <p:par>
+                                <p:cTn id="17" presetID="10" presetClass="entr" presetSubtype="0" fill="hold" grpId="0" nodeType="withEffect">
+                                  <p:stCondLst>
+                                    <p:cond delay="0"/>
+                                  </p:stCondLst>
+                                  <p:childTnLst>
+                                    <p:set>
+                                      <p:cBhvr>
+                                        <p:cTn id="18" dur="1" fill="hold">
+                                          <p:stCondLst>
+                                            <p:cond delay="0"/>
+                                          </p:stCondLst>
+                                        </p:cTn>
+                                        <p:tgtEl>
+                                          <p:spTgt spid="18"/>
+                                        </p:tgtEl>
+                                        <p:attrNameLst>
+                                          <p:attrName>style.visibility</p:attrName>
+                                        </p:attrNameLst>
+                                      </p:cBhvr>
+                                      <p:to>
+                                        <p:strVal val="visible"/>
+                                      </p:to>
+                                    </p:set>
+                                    <p:animEffect transition="in" filter="fade">
+                                      <p:cBhvr>
+                                        <p:cTn id="19" dur="500"/>
+                                        <p:tgtEl>
+                                          <p:spTgt spid="18"/>
+                                        </p:tgtEl>
+                                      </p:cBhvr>
+                                    </p:animEffect>
+                                  </p:childTnLst>
+                                </p:cTn>
+                              </p:par>
+                              <p:par>
+                                <p:cTn id="20" presetID="10" presetClass="entr" presetSubtype="0" fill="hold" grpId="0" nodeType="withEffect">
+                                  <p:stCondLst>
+                                    <p:cond delay="0"/>
+                                  </p:stCondLst>
+                                  <p:childTnLst>
+                                    <p:set>
+                                      <p:cBhvr>
+                                        <p:cTn id="21" dur="1" fill="hold">
+                                          <p:stCondLst>
+                                            <p:cond delay="0"/>
+                                          </p:stCondLst>
+                                        </p:cTn>
+                                        <p:tgtEl>
+                                          <p:spTgt spid="19"/>
+                                        </p:tgtEl>
+                                        <p:attrNameLst>
+                                          <p:attrName>style.visibility</p:attrName>
+                                        </p:attrNameLst>
+                                      </p:cBhvr>
+                                      <p:to>
+                                        <p:strVal val="visible"/>
+                                      </p:to>
+                                    </p:set>
+                                    <p:animEffect transition="in" filter="fade">
+                                      <p:cBhvr>
+                                        <p:cTn id="22" dur="500"/>
+                                        <p:tgtEl>
+                                          <p:spTgt spid="19"/>
+                                        </p:tgtEl>
+                                      </p:cBhvr>
+                                    </p:animEffect>
+                                  </p:childTnLst>
+                                </p:cTn>
+                              </p:par>
+                              <p:par>
+                                <p:cTn id="23" presetID="10" presetClass="entr" presetSubtype="0" fill="hold" grpId="0" nodeType="withEffect">
+                                  <p:stCondLst>
+                                    <p:cond delay="0"/>
+                                  </p:stCondLst>
+                                  <p:childTnLst>
+                                    <p:set>
+                                      <p:cBhvr>
+                                        <p:cTn id="24" dur="1" fill="hold">
+                                          <p:stCondLst>
+                                            <p:cond delay="0"/>
+                                          </p:stCondLst>
+                                        </p:cTn>
+                                        <p:tgtEl>
+                                          <p:spTgt spid="20"/>
+                                        </p:tgtEl>
+                                        <p:attrNameLst>
+                                          <p:attrName>style.visibility</p:attrName>
+                                        </p:attrNameLst>
+                                      </p:cBhvr>
+                                      <p:to>
+                                        <p:strVal val="visible"/>
+                                      </p:to>
+                                    </p:set>
+                                    <p:animEffect transition="in" filter="fade">
+                                      <p:cBhvr>
+                                        <p:cTn id="25" dur="500"/>
+                                        <p:tgtEl>
+                                          <p:spTgt spid="20"/>
+                                        </p:tgtEl>
+                                      </p:cBhvr>
+                                    </p:animEffect>
+                                  </p:childTnLst>
+                                </p:cTn>
+                              </p:par>
+                              <p:par>
+                                <p:cTn id="26" presetID="10" presetClass="entr" presetSubtype="0" fill="hold" nodeType="withEffect">
+                                  <p:stCondLst>
+                                    <p:cond delay="0"/>
+                                  </p:stCondLst>
+                                  <p:childTnLst>
+                                    <p:set>
+                                      <p:cBhvr>
+                                        <p:cTn id="27" dur="1" fill="hold">
+                                          <p:stCondLst>
+                                            <p:cond delay="0"/>
+                                          </p:stCondLst>
+                                        </p:cTn>
+                                        <p:tgtEl>
+                                          <p:spTgt spid="22"/>
+                                        </p:tgtEl>
+                                        <p:attrNameLst>
+                                          <p:attrName>style.visibility</p:attrName>
+                                        </p:attrNameLst>
+                                      </p:cBhvr>
+                                      <p:to>
+                                        <p:strVal val="visible"/>
+                                      </p:to>
+                                    </p:set>
+                                    <p:animEffect transition="in" filter="fade">
+                                      <p:cBhvr>
+                                        <p:cTn id="28" dur="500"/>
+                                        <p:tgtEl>
+                                          <p:spTgt spid="22"/>
+                                        </p:tgtEl>
+                                      </p:cBhvr>
+                                    </p:animEffect>
+                                  </p:childTnLst>
+                                </p:cTn>
+                              </p:par>
+                              <p:par>
+                                <p:cTn id="29" presetID="10" presetClass="entr" presetSubtype="0" fill="hold" grpId="0" nodeType="withEffect">
+                                  <p:stCondLst>
+                                    <p:cond delay="0"/>
+                                  </p:stCondLst>
+                                  <p:childTnLst>
+                                    <p:set>
+                                      <p:cBhvr>
+                                        <p:cTn id="30" dur="1" fill="hold">
+                                          <p:stCondLst>
+                                            <p:cond delay="0"/>
+                                          </p:stCondLst>
+                                        </p:cTn>
+                                        <p:tgtEl>
+                                          <p:spTgt spid="23"/>
+                                        </p:tgtEl>
+                                        <p:attrNameLst>
+                                          <p:attrName>style.visibility</p:attrName>
+                                        </p:attrNameLst>
+                                      </p:cBhvr>
+                                      <p:to>
+                                        <p:strVal val="visible"/>
+                                      </p:to>
+                                    </p:set>
+                                    <p:animEffect transition="in" filter="fade">
+                                      <p:cBhvr>
+                                        <p:cTn id="31" dur="500"/>
+                                        <p:tgtEl>
+                                          <p:spTgt spid="23"/>
+                                        </p:tgtEl>
+                                      </p:cBhvr>
+                                    </p:animEffect>
+                                  </p:childTnLst>
+                                </p:cTn>
+                              </p:par>
+                            </p:childTnLst>
+                          </p:cTn>
+                        </p:par>
+                      </p:childTnLst>
+                    </p:cTn>
+                  </p:par>
+                  <p:par>
+                    <p:cTn id="32" fill="hold">
+                      <p:stCondLst>
+                        <p:cond delay="indefinite"/>
+                      </p:stCondLst>
+                      <p:childTnLst>
+                        <p:par>
+                          <p:cTn id="33" fill="hold">
+                            <p:stCondLst>
+                              <p:cond delay="0"/>
+                            </p:stCondLst>
+                            <p:childTnLst>
+                              <p:par>
+                                <p:cTn id="34" presetID="10" presetClass="entr" presetSubtype="0" fill="hold" grpId="0" nodeType="clickEffect">
+                                  <p:stCondLst>
+                                    <p:cond delay="0"/>
+                                  </p:stCondLst>
+                                  <p:childTnLst>
+                                    <p:set>
+                                      <p:cBhvr>
+                                        <p:cTn id="35" dur="1" fill="hold">
+                                          <p:stCondLst>
+                                            <p:cond delay="0"/>
+                                          </p:stCondLst>
+                                        </p:cTn>
+                                        <p:tgtEl>
+                                          <p:spTgt spid="35"/>
+                                        </p:tgtEl>
+                                        <p:attrNameLst>
+                                          <p:attrName>style.visibility</p:attrName>
+                                        </p:attrNameLst>
+                                      </p:cBhvr>
+                                      <p:to>
+                                        <p:strVal val="visible"/>
+                                      </p:to>
+                                    </p:set>
+                                    <p:animEffect transition="in" filter="fade">
+                                      <p:cBhvr>
+                                        <p:cTn id="36" dur="500"/>
+                                        <p:tgtEl>
+                                          <p:spTgt spid="35"/>
+                                        </p:tgtEl>
+                                      </p:cBhvr>
+                                    </p:animEffect>
+                                  </p:childTnLst>
+                                </p:cTn>
+                              </p:par>
+                              <p:par>
+                                <p:cTn id="37" presetID="10" presetClass="entr" presetSubtype="0" fill="hold" nodeType="withEffect">
+                                  <p:stCondLst>
+                                    <p:cond delay="0"/>
+                                  </p:stCondLst>
+                                  <p:childTnLst>
+                                    <p:set>
+                                      <p:cBhvr>
+                                        <p:cTn id="38" dur="1" fill="hold">
+                                          <p:stCondLst>
+                                            <p:cond delay="0"/>
+                                          </p:stCondLst>
+                                        </p:cTn>
+                                        <p:tgtEl>
+                                          <p:spTgt spid="37"/>
+                                        </p:tgtEl>
+                                        <p:attrNameLst>
+                                          <p:attrName>style.visibility</p:attrName>
+                                        </p:attrNameLst>
+                                      </p:cBhvr>
+                                      <p:to>
+                                        <p:strVal val="visible"/>
+                                      </p:to>
+                                    </p:set>
+                                    <p:animEffect transition="in" filter="fade">
+                                      <p:cBhvr>
+                                        <p:cTn id="39" dur="500"/>
+                                        <p:tgtEl>
+                                          <p:spTgt spid="37"/>
+                                        </p:tgtEl>
+                                      </p:cBhvr>
+                                    </p:animEffect>
+                                  </p:childTnLst>
+                                </p:cTn>
+                              </p:par>
+                              <p:par>
+                                <p:cTn id="40" presetID="10" presetClass="entr" presetSubtype="0" fill="hold" nodeType="withEffect">
+                                  <p:stCondLst>
+                                    <p:cond delay="0"/>
+                                  </p:stCondLst>
+                                  <p:childTnLst>
+                                    <p:set>
+                                      <p:cBhvr>
+                                        <p:cTn id="41" dur="1" fill="hold">
+                                          <p:stCondLst>
+                                            <p:cond delay="0"/>
+                                          </p:stCondLst>
+                                        </p:cTn>
+                                        <p:tgtEl>
+                                          <p:spTgt spid="33"/>
+                                        </p:tgtEl>
+                                        <p:attrNameLst>
+                                          <p:attrName>style.visibility</p:attrName>
+                                        </p:attrNameLst>
+                                      </p:cBhvr>
+                                      <p:to>
+                                        <p:strVal val="visible"/>
+                                      </p:to>
+                                    </p:set>
+                                    <p:animEffect transition="in" filter="fade">
+                                      <p:cBhvr>
+                                        <p:cTn id="42" dur="500"/>
+                                        <p:tgtEl>
+                                          <p:spTgt spid="33"/>
+                                        </p:tgtEl>
+                                      </p:cBhvr>
+                                    </p:animEffect>
+                                  </p:childTnLst>
+                                </p:cTn>
+                              </p:par>
+                              <p:par>
+                                <p:cTn id="43" presetID="10" presetClass="entr" presetSubtype="0" fill="hold" nodeType="withEffect">
+                                  <p:stCondLst>
+                                    <p:cond delay="0"/>
+                                  </p:stCondLst>
+                                  <p:childTnLst>
+                                    <p:set>
+                                      <p:cBhvr>
+                                        <p:cTn id="44" dur="1" fill="hold">
+                                          <p:stCondLst>
+                                            <p:cond delay="0"/>
+                                          </p:stCondLst>
+                                        </p:cTn>
+                                        <p:tgtEl>
+                                          <p:spTgt spid="38"/>
+                                        </p:tgtEl>
+                                        <p:attrNameLst>
+                                          <p:attrName>style.visibility</p:attrName>
+                                        </p:attrNameLst>
+                                      </p:cBhvr>
+                                      <p:to>
+                                        <p:strVal val="visible"/>
+                                      </p:to>
+                                    </p:set>
+                                    <p:animEffect transition="in" filter="fade">
+                                      <p:cBhvr>
+                                        <p:cTn id="45" dur="500"/>
+                                        <p:tgtEl>
+                                          <p:spTgt spid="38"/>
+                                        </p:tgtEl>
+                                      </p:cBhvr>
+                                    </p:animEffect>
+                                  </p:childTnLst>
+                                </p:cTn>
+                              </p:par>
+                            </p:childTnLst>
+                          </p:cTn>
+                        </p:par>
+                      </p:childTnLst>
+                    </p:cTn>
+                  </p:par>
+                  <p:par>
+                    <p:cTn id="46" fill="hold">
+                      <p:stCondLst>
+                        <p:cond delay="indefinite"/>
+                      </p:stCondLst>
+                      <p:childTnLst>
+                        <p:par>
+                          <p:cTn id="47" fill="hold">
+                            <p:stCondLst>
+                              <p:cond delay="0"/>
+                            </p:stCondLst>
+                            <p:childTnLst>
+                              <p:par>
+                                <p:cTn id="48" presetID="10" presetClass="entr" presetSubtype="0" fill="hold" grpId="0" nodeType="clickEffect">
+                                  <p:stCondLst>
+                                    <p:cond delay="0"/>
+                                  </p:stCondLst>
+                                  <p:childTnLst>
+                                    <p:set>
+                                      <p:cBhvr>
+                                        <p:cTn id="49" dur="1" fill="hold">
+                                          <p:stCondLst>
+                                            <p:cond delay="0"/>
+                                          </p:stCondLst>
+                                        </p:cTn>
+                                        <p:tgtEl>
+                                          <p:spTgt spid="42"/>
+                                        </p:tgtEl>
+                                        <p:attrNameLst>
+                                          <p:attrName>style.visibility</p:attrName>
+                                        </p:attrNameLst>
+                                      </p:cBhvr>
+                                      <p:to>
+                                        <p:strVal val="visible"/>
+                                      </p:to>
+                                    </p:set>
+                                    <p:animEffect transition="in" filter="fade">
+                                      <p:cBhvr>
+                                        <p:cTn id="50" dur="500"/>
+                                        <p:tgtEl>
+                                          <p:spTgt spid="42"/>
+                                        </p:tgtEl>
+                                      </p:cBhvr>
+                                    </p:animEffect>
+                                  </p:childTnLst>
+                                </p:cTn>
+                              </p:par>
+                              <p:par>
+                                <p:cTn id="51" presetID="10" presetClass="entr" presetSubtype="0" fill="hold" nodeType="withEffect">
+                                  <p:stCondLst>
+                                    <p:cond delay="0"/>
+                                  </p:stCondLst>
+                                  <p:childTnLst>
+                                    <p:set>
+                                      <p:cBhvr>
+                                        <p:cTn id="52" dur="1" fill="hold">
+                                          <p:stCondLst>
+                                            <p:cond delay="0"/>
+                                          </p:stCondLst>
+                                        </p:cTn>
+                                        <p:tgtEl>
+                                          <p:spTgt spid="43"/>
+                                        </p:tgtEl>
+                                        <p:attrNameLst>
+                                          <p:attrName>style.visibility</p:attrName>
+                                        </p:attrNameLst>
+                                      </p:cBhvr>
+                                      <p:to>
+                                        <p:strVal val="visible"/>
+                                      </p:to>
+                                    </p:set>
+                                    <p:animEffect transition="in" filter="fade">
+                                      <p:cBhvr>
+                                        <p:cTn id="53" dur="500"/>
+                                        <p:tgtEl>
+                                          <p:spTgt spid="43"/>
+                                        </p:tgtEl>
+                                      </p:cBhvr>
+                                    </p:animEffect>
+                                  </p:childTnLst>
+                                </p:cTn>
+                              </p:par>
+                            </p:childTnLst>
+                          </p:cTn>
+                        </p:par>
+                      </p:childTnLst>
+                    </p:cTn>
+                  </p:par>
+                  <p:par>
+                    <p:cTn id="54" fill="hold">
+                      <p:stCondLst>
+                        <p:cond delay="indefinite"/>
+                      </p:stCondLst>
+                      <p:childTnLst>
+                        <p:par>
+                          <p:cTn id="55" fill="hold">
+                            <p:stCondLst>
+                              <p:cond delay="0"/>
+                            </p:stCondLst>
+                            <p:childTnLst>
+                              <p:par>
+                                <p:cTn id="56" presetID="10" presetClass="entr" presetSubtype="0" fill="hold" grpId="0" nodeType="clickEffect">
+                                  <p:stCondLst>
+                                    <p:cond delay="0"/>
+                                  </p:stCondLst>
+                                  <p:childTnLst>
+                                    <p:set>
+                                      <p:cBhvr>
+                                        <p:cTn id="57" dur="1" fill="hold">
+                                          <p:stCondLst>
+                                            <p:cond delay="0"/>
+                                          </p:stCondLst>
+                                        </p:cTn>
+                                        <p:tgtEl>
+                                          <p:spTgt spid="49"/>
+                                        </p:tgtEl>
+                                        <p:attrNameLst>
+                                          <p:attrName>style.visibility</p:attrName>
+                                        </p:attrNameLst>
+                                      </p:cBhvr>
+                                      <p:to>
+                                        <p:strVal val="visible"/>
+                                      </p:to>
+                                    </p:set>
+                                    <p:animEffect transition="in" filter="fade">
+                                      <p:cBhvr>
+                                        <p:cTn id="58" dur="500"/>
+                                        <p:tgtEl>
+                                          <p:spTgt spid="49"/>
+                                        </p:tgtEl>
+                                      </p:cBhvr>
+                                    </p:animEffect>
+                                  </p:childTnLst>
+                                </p:cTn>
+                              </p:par>
+                            </p:childTnLst>
+                          </p:cTn>
+                        </p:par>
+                      </p:childTnLst>
+                    </p:cTn>
+                  </p:par>
+                  <p:par>
+                    <p:cTn id="59" fill="hold">
+                      <p:stCondLst>
+                        <p:cond delay="indefinite"/>
+                      </p:stCondLst>
+                      <p:childTnLst>
+                        <p:par>
+                          <p:cTn id="60" fill="hold">
+                            <p:stCondLst>
+                              <p:cond delay="0"/>
+                            </p:stCondLst>
+                            <p:childTnLst>
+                              <p:par>
+                                <p:cTn id="61" presetID="10" presetClass="entr" presetSubtype="0" fill="hold" grpId="0" nodeType="clickEffect">
+                                  <p:stCondLst>
+                                    <p:cond delay="0"/>
+                                  </p:stCondLst>
+                                  <p:childTnLst>
+                                    <p:set>
+                                      <p:cBhvr>
+                                        <p:cTn id="62" dur="1" fill="hold">
+                                          <p:stCondLst>
+                                            <p:cond delay="0"/>
+                                          </p:stCondLst>
+                                        </p:cTn>
+                                        <p:tgtEl>
+                                          <p:spTgt spid="50"/>
+                                        </p:tgtEl>
+                                        <p:attrNameLst>
+                                          <p:attrName>style.visibility</p:attrName>
+                                        </p:attrNameLst>
+                                      </p:cBhvr>
+                                      <p:to>
+                                        <p:strVal val="visible"/>
+                                      </p:to>
+                                    </p:set>
+                                    <p:animEffect transition="in" filter="fade">
+                                      <p:cBhvr>
+                                        <p:cTn id="63" dur="500"/>
+                                        <p:tgtEl>
+                                          <p:spTgt spid="50"/>
+                                        </p:tgtEl>
+                                      </p:cBhvr>
+                                    </p:animEffect>
+                                  </p:childTnLst>
+                                </p:cTn>
+                              </p:par>
+                            </p:childTnLst>
+                          </p:cTn>
+                        </p:par>
+                      </p:childTnLst>
+                    </p:cTn>
+                  </p:par>
+                  <p:par>
+                    <p:cTn id="64" fill="hold">
+                      <p:stCondLst>
+                        <p:cond delay="indefinite"/>
+                      </p:stCondLst>
+                      <p:childTnLst>
+                        <p:par>
+                          <p:cTn id="65" fill="hold">
+                            <p:stCondLst>
+                              <p:cond delay="0"/>
+                            </p:stCondLst>
+                            <p:childTnLst>
+                              <p:par>
+                                <p:cTn id="66" presetID="10" presetClass="entr" presetSubtype="0" fill="hold" grpId="0" nodeType="clickEffect">
+                                  <p:stCondLst>
+                                    <p:cond delay="0"/>
+                                  </p:stCondLst>
+                                  <p:childTnLst>
+                                    <p:set>
+                                      <p:cBhvr>
+                                        <p:cTn id="67" dur="1" fill="hold">
+                                          <p:stCondLst>
+                                            <p:cond delay="0"/>
+                                          </p:stCondLst>
+                                        </p:cTn>
+                                        <p:tgtEl>
+                                          <p:spTgt spid="54"/>
+                                        </p:tgtEl>
+                                        <p:attrNameLst>
+                                          <p:attrName>style.visibility</p:attrName>
+                                        </p:attrNameLst>
+                                      </p:cBhvr>
+                                      <p:to>
+                                        <p:strVal val="visible"/>
+                                      </p:to>
+                                    </p:set>
+                                    <p:animEffect transition="in" filter="fade">
+                                      <p:cBhvr>
+                                        <p:cTn id="68" dur="500"/>
+                                        <p:tgtEl>
+                                          <p:spTgt spid="54"/>
+                                        </p:tgtEl>
+                                      </p:cBhvr>
+                                    </p:animEffect>
+                                  </p:childTnLst>
+                                </p:cTn>
+                              </p:par>
+                            </p:childTnLst>
+                          </p:cTn>
+                        </p:par>
+                      </p:childTnLst>
+                    </p:cTn>
+                  </p:par>
+                  <p:par>
+                    <p:cTn id="69" fill="hold">
+                      <p:stCondLst>
+                        <p:cond delay="indefinite"/>
+                      </p:stCondLst>
+                      <p:childTnLst>
+                        <p:par>
+                          <p:cTn id="70" fill="hold">
+                            <p:stCondLst>
+                              <p:cond delay="0"/>
+                            </p:stCondLst>
+                            <p:childTnLst>
+                              <p:par>
+                                <p:cTn id="71" presetID="10" presetClass="entr" presetSubtype="0" fill="hold" grpId="0" nodeType="clickEffect">
+                                  <p:stCondLst>
+                                    <p:cond delay="0"/>
+                                  </p:stCondLst>
+                                  <p:childTnLst>
+                                    <p:set>
+                                      <p:cBhvr>
+                                        <p:cTn id="72" dur="1" fill="hold">
+                                          <p:stCondLst>
+                                            <p:cond delay="0"/>
+                                          </p:stCondLst>
+                                        </p:cTn>
+                                        <p:tgtEl>
+                                          <p:spTgt spid="55"/>
+                                        </p:tgtEl>
+                                        <p:attrNameLst>
+                                          <p:attrName>style.visibility</p:attrName>
+                                        </p:attrNameLst>
+                                      </p:cBhvr>
+                                      <p:to>
+                                        <p:strVal val="visible"/>
+                                      </p:to>
+                                    </p:set>
+                                    <p:animEffect transition="in" filter="fade">
+                                      <p:cBhvr>
+                                        <p:cTn id="73" dur="500"/>
+                                        <p:tgtEl>
+                                          <p:spTgt spid="55"/>
+                                        </p:tgtEl>
+                                      </p:cBhvr>
+                                    </p:animEffect>
+                                  </p:childTnLst>
+                                </p:cTn>
+                              </p:par>
+                            </p:childTnLst>
+                          </p:cTn>
+                        </p:par>
+                      </p:childTnLst>
+                    </p:cTn>
+                  </p:par>
+                  <p:par>
+                    <p:cTn id="74" fill="hold">
+                      <p:stCondLst>
+                        <p:cond delay="indefinite"/>
+                      </p:stCondLst>
+                      <p:childTnLst>
+                        <p:par>
+                          <p:cTn id="75" fill="hold">
+                            <p:stCondLst>
+                              <p:cond delay="0"/>
+                            </p:stCondLst>
+                            <p:childTnLst>
+                              <p:par>
+                                <p:cTn id="76" presetID="10" presetClass="entr" presetSubtype="0" fill="hold" nodeType="clickEffect">
+                                  <p:stCondLst>
+                                    <p:cond delay="0"/>
+                                  </p:stCondLst>
+                                  <p:childTnLst>
+                                    <p:set>
+                                      <p:cBhvr>
+                                        <p:cTn id="77" dur="1" fill="hold">
+                                          <p:stCondLst>
+                                            <p:cond delay="0"/>
+                                          </p:stCondLst>
+                                        </p:cTn>
+                                        <p:tgtEl>
+                                          <p:spTgt spid="56"/>
+                                        </p:tgtEl>
+                                        <p:attrNameLst>
+                                          <p:attrName>style.visibility</p:attrName>
+                                        </p:attrNameLst>
+                                      </p:cBhvr>
+                                      <p:to>
+                                        <p:strVal val="visible"/>
+                                      </p:to>
+                                    </p:set>
+                                    <p:animEffect transition="in" filter="fade">
+                                      <p:cBhvr>
+                                        <p:cTn id="78" dur="500"/>
+                                        <p:tgtEl>
+                                          <p:spTgt spid="56"/>
+                                        </p:tgtEl>
+                                      </p:cBhvr>
+                                    </p:animEffect>
+                                  </p:childTnLst>
+                                </p:cTn>
+                              </p:par>
+                            </p:childTnLst>
+                          </p:cTn>
+                        </p:par>
+                      </p:childTnLst>
+                    </p:cTn>
+                  </p:par>
+                  <p:par>
+                    <p:cTn id="79" fill="hold">
+                      <p:stCondLst>
+                        <p:cond delay="indefinite"/>
+                      </p:stCondLst>
+                      <p:childTnLst>
+                        <p:par>
+                          <p:cTn id="80" fill="hold">
+                            <p:stCondLst>
+                              <p:cond delay="0"/>
+                            </p:stCondLst>
+                            <p:childTnLst>
+                              <p:par>
+                                <p:cTn id="81" presetID="10" presetClass="entr" presetSubtype="0" fill="hold" nodeType="clickEffect">
+                                  <p:stCondLst>
+                                    <p:cond delay="0"/>
+                                  </p:stCondLst>
+                                  <p:childTnLst>
+                                    <p:set>
+                                      <p:cBhvr>
+                                        <p:cTn id="82" dur="1" fill="hold">
+                                          <p:stCondLst>
+                                            <p:cond delay="0"/>
+                                          </p:stCondLst>
+                                        </p:cTn>
+                                        <p:tgtEl>
+                                          <p:spTgt spid="58"/>
+                                        </p:tgtEl>
+                                        <p:attrNameLst>
+                                          <p:attrName>style.visibility</p:attrName>
+                                        </p:attrNameLst>
+                                      </p:cBhvr>
+                                      <p:to>
+                                        <p:strVal val="visible"/>
+                                      </p:to>
+                                    </p:set>
+                                    <p:animEffect transition="in" filter="fade">
+                                      <p:cBhvr>
+                                        <p:cTn id="83" dur="500"/>
+                                        <p:tgtEl>
+                                          <p:spTgt spid="58"/>
+                                        </p:tgtEl>
+                                      </p:cBhvr>
+                                    </p:animEffect>
+                                  </p:childTnLst>
+                                </p:cTn>
+                              </p:par>
+                            </p:childTnLst>
+                          </p:cTn>
+                        </p:par>
+                      </p:childTnLst>
+                    </p:cTn>
+                  </p:par>
+                  <p:par>
+                    <p:cTn id="84" fill="hold">
+                      <p:stCondLst>
+                        <p:cond delay="indefinite"/>
+                      </p:stCondLst>
+                      <p:childTnLst>
+                        <p:par>
+                          <p:cTn id="85" fill="hold">
+                            <p:stCondLst>
+                              <p:cond delay="0"/>
+                            </p:stCondLst>
+                            <p:childTnLst>
+                              <p:par>
+                                <p:cTn id="86" presetID="10" presetClass="entr" presetSubtype="0" fill="hold" grpId="0" nodeType="clickEffect">
+                                  <p:stCondLst>
+                                    <p:cond delay="0"/>
+                                  </p:stCondLst>
+                                  <p:childTnLst>
+                                    <p:set>
+                                      <p:cBhvr>
+                                        <p:cTn id="87" dur="1" fill="hold">
+                                          <p:stCondLst>
+                                            <p:cond delay="0"/>
+                                          </p:stCondLst>
+                                        </p:cTn>
+                                        <p:tgtEl>
+                                          <p:spTgt spid="62"/>
+                                        </p:tgtEl>
+                                        <p:attrNameLst>
+                                          <p:attrName>style.visibility</p:attrName>
+                                        </p:attrNameLst>
+                                      </p:cBhvr>
+                                      <p:to>
+                                        <p:strVal val="visible"/>
+                                      </p:to>
+                                    </p:set>
+                                    <p:animEffect transition="in" filter="fade">
+                                      <p:cBhvr>
+                                        <p:cTn id="88" dur="500"/>
+                                        <p:tgtEl>
+                                          <p:spTgt spid="62"/>
+                                        </p:tgtEl>
+                                      </p:cBhvr>
+                                    </p:animEffect>
+                                  </p:childTnLst>
+                                </p:cTn>
+                              </p:par>
+                            </p:childTnLst>
+                          </p:cTn>
+                        </p:par>
+                      </p:childTnLst>
+                    </p:cTn>
+                  </p:par>
+                </p:childTnLst>
+              </p:cTn>
+              <p:prevCondLst>
+                <p:cond evt="onPrev" delay="0">
+                  <p:tgtEl>
+                    <p:sldTgt/>
+                  </p:tgtEl>
+                </p:cond>
+              </p:prevCondLst>
+              <p:nextCondLst>
+                <p:cond evt="onNext" delay="0">
+                  <p:tgtEl>
+                    <p:sldTgt/>
+                  </p:tgtEl>
+                </p:cond>
+              </p:nextCondLst>
+            </p:seq>
+          </p:childTnLst>
+        </p:cTn>
+      </p:par>
+    </p:tnLst>
+    <p:bldLst>
+      <p:bldP spid="20" grpId="0"/>
+      <p:bldP spid="10" grpId="0"/>
+      <p:bldP spid="17" grpId="0"/>
+      <p:bldP spid="18" grpId="0" animBg="1"/>
+      <p:bldP spid="19" grpId="0" animBg="1"/>
+      <p:bldP spid="23" grpId="0" animBg="1"/>
+      <p:bldP spid="35" grpId="0" animBg="1"/>
+      <p:bldP spid="42" grpId="0" animBg="1"/>
+      <p:bldP spid="49" grpId="0"/>
+      <p:bldP spid="50" grpId="0"/>
+      <p:bldP spid="54" grpId="0"/>
+      <p:bldP spid="9" grpId="0"/>
+      <p:bldP spid="55" grpId="0"/>
+      <p:bldP spid="62" grpId="0"/>
     </p:bldLst>
   </p:timing>
 </p:sld>
